--- a/first-steps-office-scripts.pptx
+++ b/first-steps-office-scripts.pptx
@@ -5,36 +5,37 @@
     <p:sldMasterId id="2147483648" r:id="rId1"/>
   </p:sldMasterIdLst>
   <p:notesMasterIdLst>
-    <p:notesMasterId r:id="rId19"/>
+    <p:notesMasterId r:id="rId20"/>
   </p:notesMasterIdLst>
   <p:sldIdLst>
     <p:sldId id="256" r:id="rId2"/>
     <p:sldId id="425" r:id="rId3"/>
     <p:sldId id="426" r:id="rId4"/>
-    <p:sldId id="404" r:id="rId5"/>
-    <p:sldId id="407" r:id="rId6"/>
-    <p:sldId id="428" r:id="rId7"/>
-    <p:sldId id="415" r:id="rId8"/>
-    <p:sldId id="405" r:id="rId9"/>
-    <p:sldId id="429" r:id="rId10"/>
-    <p:sldId id="431" r:id="rId11"/>
-    <p:sldId id="432" r:id="rId12"/>
-    <p:sldId id="433" r:id="rId13"/>
-    <p:sldId id="414" r:id="rId14"/>
-    <p:sldId id="421" r:id="rId15"/>
-    <p:sldId id="422" r:id="rId16"/>
-    <p:sldId id="423" r:id="rId17"/>
-    <p:sldId id="427" r:id="rId18"/>
+    <p:sldId id="434" r:id="rId5"/>
+    <p:sldId id="404" r:id="rId6"/>
+    <p:sldId id="435" r:id="rId7"/>
+    <p:sldId id="436" r:id="rId8"/>
+    <p:sldId id="415" r:id="rId9"/>
+    <p:sldId id="405" r:id="rId10"/>
+    <p:sldId id="429" r:id="rId11"/>
+    <p:sldId id="414" r:id="rId12"/>
+    <p:sldId id="437" r:id="rId13"/>
+    <p:sldId id="438" r:id="rId14"/>
+    <p:sldId id="440" r:id="rId15"/>
+    <p:sldId id="439" r:id="rId16"/>
+    <p:sldId id="441" r:id="rId17"/>
+    <p:sldId id="423" r:id="rId18"/>
+    <p:sldId id="427" r:id="rId19"/>
   </p:sldIdLst>
   <p:sldSz cx="18288000" cy="10287000"/>
   <p:notesSz cx="6858000" cy="9144000"/>
   <p:embeddedFontLst>
     <p:embeddedFont>
       <p:font typeface="Consolas" panose="020B0609020204030204" pitchFamily="49" charset="0"/>
-      <p:regular r:id="rId20"/>
-      <p:bold r:id="rId21"/>
-      <p:italic r:id="rId22"/>
-      <p:boldItalic r:id="rId23"/>
+      <p:regular r:id="rId21"/>
+      <p:bold r:id="rId22"/>
+      <p:italic r:id="rId23"/>
+      <p:boldItalic r:id="rId24"/>
     </p:embeddedFont>
   </p:embeddedFontLst>
   <p:defaultTextStyle>
@@ -251,7 +252,7 @@
           <a:p>
             <a:fld id="{17A98A70-FA8C-4354-959C-C70678AC9BCF}" type="datetimeFigureOut">
               <a:rPr lang="en-US" smtClean="0"/>
-              <a:t>7/30/2024</a:t>
+              <a:t>9/27/2024</a:t>
             </a:fld>
             <a:endParaRPr lang="en-US"/>
           </a:p>
@@ -607,7 +608,7 @@
           <a:p>
             <a:fld id="{1300335D-9F13-4B80-ADC5-B0EA3E10FF6B}" type="slidenum">
               <a:rPr lang="en-US" smtClean="0"/>
-              <a:t>5</a:t>
+              <a:t>10</a:t>
             </a:fld>
             <a:endParaRPr lang="en-US"/>
           </a:p>
@@ -616,7 +617,7 @@
     </p:spTree>
     <p:extLst>
       <p:ext uri="{BB962C8B-B14F-4D97-AF65-F5344CB8AC3E}">
-        <p14:creationId xmlns:p14="http://schemas.microsoft.com/office/powerpoint/2010/main" val="624549242"/>
+        <p14:creationId xmlns:p14="http://schemas.microsoft.com/office/powerpoint/2010/main" val="2863382030"/>
       </p:ext>
     </p:extLst>
   </p:cSld>
@@ -631,7 +632,13 @@
   <p:cSld>
     <p:spTree>
       <p:nvGrpSpPr>
-        <p:cNvPr id="1" name=""/>
+        <p:cNvPr id="1" name="">
+          <a:extLst>
+            <a:ext uri="{FF2B5EF4-FFF2-40B4-BE49-F238E27FC236}">
+              <a16:creationId xmlns:a16="http://schemas.microsoft.com/office/drawing/2014/main" id="{BBD8E200-C5AA-9E88-FBF6-5E6FD4C97BC7}"/>
+            </a:ext>
+          </a:extLst>
+        </p:cNvPr>
         <p:cNvGrpSpPr/>
         <p:nvPr/>
       </p:nvGrpSpPr>
@@ -645,7 +652,13 @@
       </p:grpSpPr>
       <p:sp>
         <p:nvSpPr>
-          <p:cNvPr id="2" name="Slide Image Placeholder 1"/>
+          <p:cNvPr id="2" name="Slide Image Placeholder 1">
+            <a:extLst>
+              <a:ext uri="{FF2B5EF4-FFF2-40B4-BE49-F238E27FC236}">
+                <a16:creationId xmlns:a16="http://schemas.microsoft.com/office/drawing/2014/main" id="{5D03B2D3-5FEC-6EEE-F903-BC08550BC45F}"/>
+              </a:ext>
+            </a:extLst>
+          </p:cNvPr>
           <p:cNvSpPr>
             <a:spLocks noGrp="1" noRot="1" noChangeAspect="1"/>
           </p:cNvSpPr>
@@ -657,7 +670,13 @@
       </p:sp>
       <p:sp>
         <p:nvSpPr>
-          <p:cNvPr id="3" name="Notes Placeholder 2"/>
+          <p:cNvPr id="3" name="Notes Placeholder 2">
+            <a:extLst>
+              <a:ext uri="{FF2B5EF4-FFF2-40B4-BE49-F238E27FC236}">
+                <a16:creationId xmlns:a16="http://schemas.microsoft.com/office/drawing/2014/main" id="{5DE07FE9-2C3A-87EB-D9BD-B26E4A8D5F9F}"/>
+              </a:ext>
+            </a:extLst>
+          </p:cNvPr>
           <p:cNvSpPr>
             <a:spLocks noGrp="1"/>
           </p:cNvSpPr>
@@ -700,7 +719,13 @@
       </p:sp>
       <p:sp>
         <p:nvSpPr>
-          <p:cNvPr id="4" name="Slide Number Placeholder 3"/>
+          <p:cNvPr id="4" name="Slide Number Placeholder 3">
+            <a:extLst>
+              <a:ext uri="{FF2B5EF4-FFF2-40B4-BE49-F238E27FC236}">
+                <a16:creationId xmlns:a16="http://schemas.microsoft.com/office/drawing/2014/main" id="{35937819-73EF-0783-2AFD-E9F05CF0BAE4}"/>
+              </a:ext>
+            </a:extLst>
+          </p:cNvPr>
           <p:cNvSpPr>
             <a:spLocks noGrp="1"/>
           </p:cNvSpPr>
@@ -715,7 +740,7 @@
           <a:p>
             <a:fld id="{1300335D-9F13-4B80-ADC5-B0EA3E10FF6B}" type="slidenum">
               <a:rPr lang="en-US" smtClean="0"/>
-              <a:t>6</a:t>
+              <a:t>13</a:t>
             </a:fld>
             <a:endParaRPr lang="en-US"/>
           </a:p>
@@ -724,7 +749,7 @@
     </p:spTree>
     <p:extLst>
       <p:ext uri="{BB962C8B-B14F-4D97-AF65-F5344CB8AC3E}">
-        <p14:creationId xmlns:p14="http://schemas.microsoft.com/office/powerpoint/2010/main" val="3864329887"/>
+        <p14:creationId xmlns:p14="http://schemas.microsoft.com/office/powerpoint/2010/main" val="2946373220"/>
       </p:ext>
     </p:extLst>
   </p:cSld>
@@ -739,7 +764,13 @@
   <p:cSld>
     <p:spTree>
       <p:nvGrpSpPr>
-        <p:cNvPr id="1" name=""/>
+        <p:cNvPr id="1" name="">
+          <a:extLst>
+            <a:ext uri="{FF2B5EF4-FFF2-40B4-BE49-F238E27FC236}">
+              <a16:creationId xmlns:a16="http://schemas.microsoft.com/office/drawing/2014/main" id="{E921485F-A7CF-3E32-E2BB-FEE0B86F74B5}"/>
+            </a:ext>
+          </a:extLst>
+        </p:cNvPr>
         <p:cNvGrpSpPr/>
         <p:nvPr/>
       </p:nvGrpSpPr>
@@ -753,7 +784,13 @@
       </p:grpSpPr>
       <p:sp>
         <p:nvSpPr>
-          <p:cNvPr id="2" name="Slide Image Placeholder 1"/>
+          <p:cNvPr id="2" name="Slide Image Placeholder 1">
+            <a:extLst>
+              <a:ext uri="{FF2B5EF4-FFF2-40B4-BE49-F238E27FC236}">
+                <a16:creationId xmlns:a16="http://schemas.microsoft.com/office/drawing/2014/main" id="{DE825F72-8E06-E4B8-08D5-9FD3C0962C07}"/>
+              </a:ext>
+            </a:extLst>
+          </p:cNvPr>
           <p:cNvSpPr>
             <a:spLocks noGrp="1" noRot="1" noChangeAspect="1"/>
           </p:cNvSpPr>
@@ -765,7 +802,13 @@
       </p:sp>
       <p:sp>
         <p:nvSpPr>
-          <p:cNvPr id="3" name="Notes Placeholder 2"/>
+          <p:cNvPr id="3" name="Notes Placeholder 2">
+            <a:extLst>
+              <a:ext uri="{FF2B5EF4-FFF2-40B4-BE49-F238E27FC236}">
+                <a16:creationId xmlns:a16="http://schemas.microsoft.com/office/drawing/2014/main" id="{06A1F42F-A3BB-8C6C-C1FF-5D2629FC5650}"/>
+              </a:ext>
+            </a:extLst>
+          </p:cNvPr>
           <p:cNvSpPr>
             <a:spLocks noGrp="1"/>
           </p:cNvSpPr>
@@ -808,7 +851,13 @@
       </p:sp>
       <p:sp>
         <p:nvSpPr>
-          <p:cNvPr id="4" name="Slide Number Placeholder 3"/>
+          <p:cNvPr id="4" name="Slide Number Placeholder 3">
+            <a:extLst>
+              <a:ext uri="{FF2B5EF4-FFF2-40B4-BE49-F238E27FC236}">
+                <a16:creationId xmlns:a16="http://schemas.microsoft.com/office/drawing/2014/main" id="{8D082AC1-96FC-37CF-5AF0-FEB93E097CAB}"/>
+              </a:ext>
+            </a:extLst>
+          </p:cNvPr>
           <p:cNvSpPr>
             <a:spLocks noGrp="1"/>
           </p:cNvSpPr>
@@ -823,7 +872,7 @@
           <a:p>
             <a:fld id="{1300335D-9F13-4B80-ADC5-B0EA3E10FF6B}" type="slidenum">
               <a:rPr lang="en-US" smtClean="0"/>
-              <a:t>9</a:t>
+              <a:t>14</a:t>
             </a:fld>
             <a:endParaRPr lang="en-US"/>
           </a:p>
@@ -832,7 +881,7 @@
     </p:spTree>
     <p:extLst>
       <p:ext uri="{BB962C8B-B14F-4D97-AF65-F5344CB8AC3E}">
-        <p14:creationId xmlns:p14="http://schemas.microsoft.com/office/powerpoint/2010/main" val="2863382030"/>
+        <p14:creationId xmlns:p14="http://schemas.microsoft.com/office/powerpoint/2010/main" val="1212986822"/>
       </p:ext>
     </p:extLst>
   </p:cSld>
@@ -847,334 +896,10 @@
   <p:cSld>
     <p:spTree>
       <p:nvGrpSpPr>
-        <p:cNvPr id="1" name=""/>
-        <p:cNvGrpSpPr/>
-        <p:nvPr/>
-      </p:nvGrpSpPr>
-      <p:grpSpPr>
-        <a:xfrm>
-          <a:off x="0" y="0"/>
-          <a:ext cx="0" cy="0"/>
-          <a:chOff x="0" y="0"/>
-          <a:chExt cx="0" cy="0"/>
-        </a:xfrm>
-      </p:grpSpPr>
-      <p:sp>
-        <p:nvSpPr>
-          <p:cNvPr id="2" name="Slide Image Placeholder 1"/>
-          <p:cNvSpPr>
-            <a:spLocks noGrp="1" noRot="1" noChangeAspect="1"/>
-          </p:cNvSpPr>
-          <p:nvPr>
-            <p:ph type="sldImg"/>
-          </p:nvPr>
-        </p:nvSpPr>
-        <p:spPr/>
-      </p:sp>
-      <p:sp>
-        <p:nvSpPr>
-          <p:cNvPr id="3" name="Notes Placeholder 2"/>
-          <p:cNvSpPr>
-            <a:spLocks noGrp="1"/>
-          </p:cNvSpPr>
-          <p:nvPr>
-            <p:ph type="body" idx="1"/>
-          </p:nvPr>
-        </p:nvSpPr>
-        <p:spPr/>
-        <p:txBody>
-          <a:bodyPr/>
-          <a:lstStyle/>
-          <a:p>
-            <a:pPr marL="228600" indent="-228600">
-              <a:buAutoNum type="arabicPeriod"/>
-            </a:pPr>
-            <a:r>
-              <a:rPr lang="en-US" dirty="0"/>
-              <a:t>False!</a:t>
-            </a:r>
-          </a:p>
-          <a:p>
-            <a:pPr marL="228600" indent="-228600">
-              <a:buAutoNum type="arabicPeriod"/>
-            </a:pPr>
-            <a:r>
-              <a:rPr lang="en-US" dirty="0"/>
-              <a:t>Function, Formula, Function</a:t>
-            </a:r>
-          </a:p>
-          <a:p>
-            <a:pPr marL="228600" indent="-228600">
-              <a:buAutoNum type="arabicPeriod"/>
-            </a:pPr>
-            <a:r>
-              <a:rPr lang="en-US" dirty="0"/>
-              <a:t>Argument</a:t>
-            </a:r>
-          </a:p>
-        </p:txBody>
-      </p:sp>
-      <p:sp>
-        <p:nvSpPr>
-          <p:cNvPr id="4" name="Slide Number Placeholder 3"/>
-          <p:cNvSpPr>
-            <a:spLocks noGrp="1"/>
-          </p:cNvSpPr>
-          <p:nvPr>
-            <p:ph type="sldNum" sz="quarter" idx="5"/>
-          </p:nvPr>
-        </p:nvSpPr>
-        <p:spPr/>
-        <p:txBody>
-          <a:bodyPr/>
-          <a:lstStyle/>
-          <a:p>
-            <a:fld id="{1300335D-9F13-4B80-ADC5-B0EA3E10FF6B}" type="slidenum">
-              <a:rPr lang="en-US" smtClean="0"/>
-              <a:t>10</a:t>
-            </a:fld>
-            <a:endParaRPr lang="en-US"/>
-          </a:p>
-        </p:txBody>
-      </p:sp>
-    </p:spTree>
-    <p:extLst>
-      <p:ext uri="{BB962C8B-B14F-4D97-AF65-F5344CB8AC3E}">
-        <p14:creationId xmlns:p14="http://schemas.microsoft.com/office/powerpoint/2010/main" val="3129423429"/>
-      </p:ext>
-    </p:extLst>
-  </p:cSld>
-  <p:clrMapOvr>
-    <a:masterClrMapping/>
-  </p:clrMapOvr>
-</p:notes>
-</file>
-
-<file path=ppt/notesSlides/notesSlide5.xml><?xml version="1.0" encoding="utf-8"?>
-<p:notes xmlns:a="http://schemas.openxmlformats.org/drawingml/2006/main" xmlns:r="http://schemas.openxmlformats.org/officeDocument/2006/relationships" xmlns:p="http://schemas.openxmlformats.org/presentationml/2006/main">
-  <p:cSld>
-    <p:spTree>
-      <p:nvGrpSpPr>
-        <p:cNvPr id="1" name=""/>
-        <p:cNvGrpSpPr/>
-        <p:nvPr/>
-      </p:nvGrpSpPr>
-      <p:grpSpPr>
-        <a:xfrm>
-          <a:off x="0" y="0"/>
-          <a:ext cx="0" cy="0"/>
-          <a:chOff x="0" y="0"/>
-          <a:chExt cx="0" cy="0"/>
-        </a:xfrm>
-      </p:grpSpPr>
-      <p:sp>
-        <p:nvSpPr>
-          <p:cNvPr id="2" name="Slide Image Placeholder 1"/>
-          <p:cNvSpPr>
-            <a:spLocks noGrp="1" noRot="1" noChangeAspect="1"/>
-          </p:cNvSpPr>
-          <p:nvPr>
-            <p:ph type="sldImg"/>
-          </p:nvPr>
-        </p:nvSpPr>
-        <p:spPr/>
-      </p:sp>
-      <p:sp>
-        <p:nvSpPr>
-          <p:cNvPr id="3" name="Notes Placeholder 2"/>
-          <p:cNvSpPr>
-            <a:spLocks noGrp="1"/>
-          </p:cNvSpPr>
-          <p:nvPr>
-            <p:ph type="body" idx="1"/>
-          </p:nvPr>
-        </p:nvSpPr>
-        <p:spPr/>
-        <p:txBody>
-          <a:bodyPr/>
-          <a:lstStyle/>
-          <a:p>
-            <a:pPr marL="228600" indent="-228600">
-              <a:buAutoNum type="arabicPeriod"/>
-            </a:pPr>
-            <a:r>
-              <a:rPr lang="en-US" dirty="0"/>
-              <a:t>False!</a:t>
-            </a:r>
-          </a:p>
-          <a:p>
-            <a:pPr marL="228600" indent="-228600">
-              <a:buAutoNum type="arabicPeriod"/>
-            </a:pPr>
-            <a:r>
-              <a:rPr lang="en-US" dirty="0"/>
-              <a:t>Function, Formula, Function</a:t>
-            </a:r>
-          </a:p>
-          <a:p>
-            <a:pPr marL="228600" indent="-228600">
-              <a:buAutoNum type="arabicPeriod"/>
-            </a:pPr>
-            <a:r>
-              <a:rPr lang="en-US" dirty="0"/>
-              <a:t>Argument</a:t>
-            </a:r>
-          </a:p>
-        </p:txBody>
-      </p:sp>
-      <p:sp>
-        <p:nvSpPr>
-          <p:cNvPr id="4" name="Slide Number Placeholder 3"/>
-          <p:cNvSpPr>
-            <a:spLocks noGrp="1"/>
-          </p:cNvSpPr>
-          <p:nvPr>
-            <p:ph type="sldNum" sz="quarter" idx="5"/>
-          </p:nvPr>
-        </p:nvSpPr>
-        <p:spPr/>
-        <p:txBody>
-          <a:bodyPr/>
-          <a:lstStyle/>
-          <a:p>
-            <a:fld id="{1300335D-9F13-4B80-ADC5-B0EA3E10FF6B}" type="slidenum">
-              <a:rPr lang="en-US" smtClean="0"/>
-              <a:t>11</a:t>
-            </a:fld>
-            <a:endParaRPr lang="en-US"/>
-          </a:p>
-        </p:txBody>
-      </p:sp>
-    </p:spTree>
-    <p:extLst>
-      <p:ext uri="{BB962C8B-B14F-4D97-AF65-F5344CB8AC3E}">
-        <p14:creationId xmlns:p14="http://schemas.microsoft.com/office/powerpoint/2010/main" val="517270335"/>
-      </p:ext>
-    </p:extLst>
-  </p:cSld>
-  <p:clrMapOvr>
-    <a:masterClrMapping/>
-  </p:clrMapOvr>
-</p:notes>
-</file>
-
-<file path=ppt/notesSlides/notesSlide6.xml><?xml version="1.0" encoding="utf-8"?>
-<p:notes xmlns:a="http://schemas.openxmlformats.org/drawingml/2006/main" xmlns:r="http://schemas.openxmlformats.org/officeDocument/2006/relationships" xmlns:p="http://schemas.openxmlformats.org/presentationml/2006/main">
-  <p:cSld>
-    <p:spTree>
-      <p:nvGrpSpPr>
-        <p:cNvPr id="1" name=""/>
-        <p:cNvGrpSpPr/>
-        <p:nvPr/>
-      </p:nvGrpSpPr>
-      <p:grpSpPr>
-        <a:xfrm>
-          <a:off x="0" y="0"/>
-          <a:ext cx="0" cy="0"/>
-          <a:chOff x="0" y="0"/>
-          <a:chExt cx="0" cy="0"/>
-        </a:xfrm>
-      </p:grpSpPr>
-      <p:sp>
-        <p:nvSpPr>
-          <p:cNvPr id="2" name="Slide Image Placeholder 1"/>
-          <p:cNvSpPr>
-            <a:spLocks noGrp="1" noRot="1" noChangeAspect="1"/>
-          </p:cNvSpPr>
-          <p:nvPr>
-            <p:ph type="sldImg"/>
-          </p:nvPr>
-        </p:nvSpPr>
-        <p:spPr/>
-      </p:sp>
-      <p:sp>
-        <p:nvSpPr>
-          <p:cNvPr id="3" name="Notes Placeholder 2"/>
-          <p:cNvSpPr>
-            <a:spLocks noGrp="1"/>
-          </p:cNvSpPr>
-          <p:nvPr>
-            <p:ph type="body" idx="1"/>
-          </p:nvPr>
-        </p:nvSpPr>
-        <p:spPr/>
-        <p:txBody>
-          <a:bodyPr/>
-          <a:lstStyle/>
-          <a:p>
-            <a:pPr marL="228600" indent="-228600">
-              <a:buAutoNum type="arabicPeriod"/>
-            </a:pPr>
-            <a:r>
-              <a:rPr lang="en-US" dirty="0"/>
-              <a:t>False!</a:t>
-            </a:r>
-          </a:p>
-          <a:p>
-            <a:pPr marL="228600" indent="-228600">
-              <a:buAutoNum type="arabicPeriod"/>
-            </a:pPr>
-            <a:r>
-              <a:rPr lang="en-US" dirty="0"/>
-              <a:t>Function, Formula, Function</a:t>
-            </a:r>
-          </a:p>
-          <a:p>
-            <a:pPr marL="228600" indent="-228600">
-              <a:buAutoNum type="arabicPeriod"/>
-            </a:pPr>
-            <a:r>
-              <a:rPr lang="en-US" dirty="0"/>
-              <a:t>Argument</a:t>
-            </a:r>
-          </a:p>
-        </p:txBody>
-      </p:sp>
-      <p:sp>
-        <p:nvSpPr>
-          <p:cNvPr id="4" name="Slide Number Placeholder 3"/>
-          <p:cNvSpPr>
-            <a:spLocks noGrp="1"/>
-          </p:cNvSpPr>
-          <p:nvPr>
-            <p:ph type="sldNum" sz="quarter" idx="5"/>
-          </p:nvPr>
-        </p:nvSpPr>
-        <p:spPr/>
-        <p:txBody>
-          <a:bodyPr/>
-          <a:lstStyle/>
-          <a:p>
-            <a:fld id="{1300335D-9F13-4B80-ADC5-B0EA3E10FF6B}" type="slidenum">
-              <a:rPr lang="en-US" smtClean="0"/>
-              <a:t>12</a:t>
-            </a:fld>
-            <a:endParaRPr lang="en-US"/>
-          </a:p>
-        </p:txBody>
-      </p:sp>
-    </p:spTree>
-    <p:extLst>
-      <p:ext uri="{BB962C8B-B14F-4D97-AF65-F5344CB8AC3E}">
-        <p14:creationId xmlns:p14="http://schemas.microsoft.com/office/powerpoint/2010/main" val="2884908176"/>
-      </p:ext>
-    </p:extLst>
-  </p:cSld>
-  <p:clrMapOvr>
-    <a:masterClrMapping/>
-  </p:clrMapOvr>
-</p:notes>
-</file>
-
-<file path=ppt/notesSlides/notesSlide7.xml><?xml version="1.0" encoding="utf-8"?>
-<p:notes xmlns:a="http://schemas.openxmlformats.org/drawingml/2006/main" xmlns:r="http://schemas.openxmlformats.org/officeDocument/2006/relationships" xmlns:p="http://schemas.openxmlformats.org/presentationml/2006/main">
-  <p:cSld>
-    <p:spTree>
-      <p:nvGrpSpPr>
         <p:cNvPr id="1" name="">
           <a:extLst>
             <a:ext uri="{FF2B5EF4-FFF2-40B4-BE49-F238E27FC236}">
-              <a16:creationId xmlns:a16="http://schemas.microsoft.com/office/drawing/2014/main" id="{C5EB07CB-F821-6FB4-504B-18E965356C12}"/>
+              <a16:creationId xmlns:a16="http://schemas.microsoft.com/office/drawing/2014/main" id="{BD2AF1D4-B80A-3C59-CC31-B3357DA91380}"/>
             </a:ext>
           </a:extLst>
         </p:cNvPr>
@@ -1194,7 +919,7 @@
           <p:cNvPr id="2" name="Slide Image Placeholder 1">
             <a:extLst>
               <a:ext uri="{FF2B5EF4-FFF2-40B4-BE49-F238E27FC236}">
-                <a16:creationId xmlns:a16="http://schemas.microsoft.com/office/drawing/2014/main" id="{897D5398-4244-A9DA-3ECC-2EF32CEB134C}"/>
+                <a16:creationId xmlns:a16="http://schemas.microsoft.com/office/drawing/2014/main" id="{1EADC3C8-8914-8EFE-3032-BE4E8C4E9204}"/>
               </a:ext>
             </a:extLst>
           </p:cNvPr>
@@ -1212,7 +937,7 @@
           <p:cNvPr id="3" name="Notes Placeholder 2">
             <a:extLst>
               <a:ext uri="{FF2B5EF4-FFF2-40B4-BE49-F238E27FC236}">
-                <a16:creationId xmlns:a16="http://schemas.microsoft.com/office/drawing/2014/main" id="{1E9B10CA-058E-BD6C-9BAE-E38604E28A20}"/>
+                <a16:creationId xmlns:a16="http://schemas.microsoft.com/office/drawing/2014/main" id="{B71EE7CB-F846-BADE-45D3-2CBC0F1D9DEC}"/>
               </a:ext>
             </a:extLst>
           </p:cNvPr>
@@ -1261,7 +986,7 @@
           <p:cNvPr id="4" name="Slide Number Placeholder 3">
             <a:extLst>
               <a:ext uri="{FF2B5EF4-FFF2-40B4-BE49-F238E27FC236}">
-                <a16:creationId xmlns:a16="http://schemas.microsoft.com/office/drawing/2014/main" id="{802F1B72-8B6B-0B77-346D-7D3F89D3CCDC}"/>
+                <a16:creationId xmlns:a16="http://schemas.microsoft.com/office/drawing/2014/main" id="{27008C67-BCF8-1E3D-6BE1-0AC78FFD6BDF}"/>
               </a:ext>
             </a:extLst>
           </p:cNvPr>
@@ -1279,7 +1004,7 @@
           <a:p>
             <a:fld id="{1300335D-9F13-4B80-ADC5-B0EA3E10FF6B}" type="slidenum">
               <a:rPr lang="en-US" smtClean="0"/>
-              <a:t>14</a:t>
+              <a:t>16</a:t>
             </a:fld>
             <a:endParaRPr lang="en-US"/>
           </a:p>
@@ -1288,7 +1013,7 @@
     </p:spTree>
     <p:extLst>
       <p:ext uri="{BB962C8B-B14F-4D97-AF65-F5344CB8AC3E}">
-        <p14:creationId xmlns:p14="http://schemas.microsoft.com/office/powerpoint/2010/main" val="1487323375"/>
+        <p14:creationId xmlns:p14="http://schemas.microsoft.com/office/powerpoint/2010/main" val="294187647"/>
       </p:ext>
     </p:extLst>
   </p:cSld>
@@ -1298,139 +1023,7 @@
 </p:notes>
 </file>
 
-<file path=ppt/notesSlides/notesSlide8.xml><?xml version="1.0" encoding="utf-8"?>
-<p:notes xmlns:a="http://schemas.openxmlformats.org/drawingml/2006/main" xmlns:r="http://schemas.openxmlformats.org/officeDocument/2006/relationships" xmlns:p="http://schemas.openxmlformats.org/presentationml/2006/main">
-  <p:cSld>
-    <p:spTree>
-      <p:nvGrpSpPr>
-        <p:cNvPr id="1" name="">
-          <a:extLst>
-            <a:ext uri="{FF2B5EF4-FFF2-40B4-BE49-F238E27FC236}">
-              <a16:creationId xmlns:a16="http://schemas.microsoft.com/office/drawing/2014/main" id="{6EB2B178-9BF2-6FE4-71B1-D08940B7CF5A}"/>
-            </a:ext>
-          </a:extLst>
-        </p:cNvPr>
-        <p:cNvGrpSpPr/>
-        <p:nvPr/>
-      </p:nvGrpSpPr>
-      <p:grpSpPr>
-        <a:xfrm>
-          <a:off x="0" y="0"/>
-          <a:ext cx="0" cy="0"/>
-          <a:chOff x="0" y="0"/>
-          <a:chExt cx="0" cy="0"/>
-        </a:xfrm>
-      </p:grpSpPr>
-      <p:sp>
-        <p:nvSpPr>
-          <p:cNvPr id="2" name="Slide Image Placeholder 1">
-            <a:extLst>
-              <a:ext uri="{FF2B5EF4-FFF2-40B4-BE49-F238E27FC236}">
-                <a16:creationId xmlns:a16="http://schemas.microsoft.com/office/drawing/2014/main" id="{5CFBB5FA-2773-806B-FC2B-2E67A305699F}"/>
-              </a:ext>
-            </a:extLst>
-          </p:cNvPr>
-          <p:cNvSpPr>
-            <a:spLocks noGrp="1" noRot="1" noChangeAspect="1"/>
-          </p:cNvSpPr>
-          <p:nvPr>
-            <p:ph type="sldImg"/>
-          </p:nvPr>
-        </p:nvSpPr>
-        <p:spPr/>
-      </p:sp>
-      <p:sp>
-        <p:nvSpPr>
-          <p:cNvPr id="3" name="Notes Placeholder 2">
-            <a:extLst>
-              <a:ext uri="{FF2B5EF4-FFF2-40B4-BE49-F238E27FC236}">
-                <a16:creationId xmlns:a16="http://schemas.microsoft.com/office/drawing/2014/main" id="{BF5C56A1-DC22-AF0C-E72D-4D535DA7C58F}"/>
-              </a:ext>
-            </a:extLst>
-          </p:cNvPr>
-          <p:cNvSpPr>
-            <a:spLocks noGrp="1"/>
-          </p:cNvSpPr>
-          <p:nvPr>
-            <p:ph type="body" idx="1"/>
-          </p:nvPr>
-        </p:nvSpPr>
-        <p:spPr/>
-        <p:txBody>
-          <a:bodyPr/>
-          <a:lstStyle/>
-          <a:p>
-            <a:pPr marL="228600" indent="-228600">
-              <a:buAutoNum type="arabicPeriod"/>
-            </a:pPr>
-            <a:r>
-              <a:rPr lang="en-US" dirty="0"/>
-              <a:t>False!</a:t>
-            </a:r>
-          </a:p>
-          <a:p>
-            <a:pPr marL="228600" indent="-228600">
-              <a:buAutoNum type="arabicPeriod"/>
-            </a:pPr>
-            <a:r>
-              <a:rPr lang="en-US" dirty="0"/>
-              <a:t>Function, Formula, Function</a:t>
-            </a:r>
-          </a:p>
-          <a:p>
-            <a:pPr marL="228600" indent="-228600">
-              <a:buAutoNum type="arabicPeriod"/>
-            </a:pPr>
-            <a:r>
-              <a:rPr lang="en-US" dirty="0"/>
-              <a:t>Argument</a:t>
-            </a:r>
-          </a:p>
-        </p:txBody>
-      </p:sp>
-      <p:sp>
-        <p:nvSpPr>
-          <p:cNvPr id="4" name="Slide Number Placeholder 3">
-            <a:extLst>
-              <a:ext uri="{FF2B5EF4-FFF2-40B4-BE49-F238E27FC236}">
-                <a16:creationId xmlns:a16="http://schemas.microsoft.com/office/drawing/2014/main" id="{099270AD-6A83-895A-222F-13E01E65317F}"/>
-              </a:ext>
-            </a:extLst>
-          </p:cNvPr>
-          <p:cNvSpPr>
-            <a:spLocks noGrp="1"/>
-          </p:cNvSpPr>
-          <p:nvPr>
-            <p:ph type="sldNum" sz="quarter" idx="5"/>
-          </p:nvPr>
-        </p:nvSpPr>
-        <p:spPr/>
-        <p:txBody>
-          <a:bodyPr/>
-          <a:lstStyle/>
-          <a:p>
-            <a:fld id="{1300335D-9F13-4B80-ADC5-B0EA3E10FF6B}" type="slidenum">
-              <a:rPr lang="en-US" smtClean="0"/>
-              <a:t>15</a:t>
-            </a:fld>
-            <a:endParaRPr lang="en-US"/>
-          </a:p>
-        </p:txBody>
-      </p:sp>
-    </p:spTree>
-    <p:extLst>
-      <p:ext uri="{BB962C8B-B14F-4D97-AF65-F5344CB8AC3E}">
-        <p14:creationId xmlns:p14="http://schemas.microsoft.com/office/powerpoint/2010/main" val="1010347830"/>
-      </p:ext>
-    </p:extLst>
-  </p:cSld>
-  <p:clrMapOvr>
-    <a:masterClrMapping/>
-  </p:clrMapOvr>
-</p:notes>
-</file>
-
-<file path=ppt/notesSlides/notesSlide9.xml><?xml version="1.0" encoding="utf-8"?>
+<file path=ppt/notesSlides/notesSlide5.xml><?xml version="1.0" encoding="utf-8"?>
 <p:notes xmlns:a="http://schemas.openxmlformats.org/drawingml/2006/main" xmlns:r="http://schemas.openxmlformats.org/officeDocument/2006/relationships" xmlns:p="http://schemas.openxmlformats.org/presentationml/2006/main">
   <p:cSld>
     <p:spTree>
@@ -1543,7 +1136,7 @@
           <a:p>
             <a:fld id="{1300335D-9F13-4B80-ADC5-B0EA3E10FF6B}" type="slidenum">
               <a:rPr lang="en-US" smtClean="0"/>
-              <a:t>16</a:t>
+              <a:t>17</a:t>
             </a:fld>
             <a:endParaRPr lang="en-US"/>
           </a:p>
@@ -1742,7 +1335,7 @@
             <a:fld id="{1D8BD707-D9CF-40AE-B4C6-C98DA3205C09}" type="datetimeFigureOut">
               <a:rPr lang="en-US" smtClean="0"/>
               <a:pPr/>
-              <a:t>7/30/2024</a:t>
+              <a:t>9/27/2024</a:t>
             </a:fld>
             <a:endParaRPr lang="en-US"/>
           </a:p>
@@ -1907,7 +1500,7 @@
             <a:fld id="{1D8BD707-D9CF-40AE-B4C6-C98DA3205C09}" type="datetimeFigureOut">
               <a:rPr lang="en-US" smtClean="0"/>
               <a:pPr/>
-              <a:t>7/30/2024</a:t>
+              <a:t>9/27/2024</a:t>
             </a:fld>
             <a:endParaRPr lang="en-US"/>
           </a:p>
@@ -2082,7 +1675,7 @@
             <a:fld id="{1D8BD707-D9CF-40AE-B4C6-C98DA3205C09}" type="datetimeFigureOut">
               <a:rPr lang="en-US" smtClean="0"/>
               <a:pPr/>
-              <a:t>7/30/2024</a:t>
+              <a:t>9/27/2024</a:t>
             </a:fld>
             <a:endParaRPr lang="en-US"/>
           </a:p>
@@ -2247,7 +1840,7 @@
             <a:fld id="{1D8BD707-D9CF-40AE-B4C6-C98DA3205C09}" type="datetimeFigureOut">
               <a:rPr lang="en-US" smtClean="0"/>
               <a:pPr/>
-              <a:t>7/30/2024</a:t>
+              <a:t>9/27/2024</a:t>
             </a:fld>
             <a:endParaRPr lang="en-US"/>
           </a:p>
@@ -2489,7 +2082,7 @@
             <a:fld id="{1D8BD707-D9CF-40AE-B4C6-C98DA3205C09}" type="datetimeFigureOut">
               <a:rPr lang="en-US" smtClean="0"/>
               <a:pPr/>
-              <a:t>7/30/2024</a:t>
+              <a:t>9/27/2024</a:t>
             </a:fld>
             <a:endParaRPr lang="en-US"/>
           </a:p>
@@ -2771,7 +2364,7 @@
             <a:fld id="{1D8BD707-D9CF-40AE-B4C6-C98DA3205C09}" type="datetimeFigureOut">
               <a:rPr lang="en-US" smtClean="0"/>
               <a:pPr/>
-              <a:t>7/30/2024</a:t>
+              <a:t>9/27/2024</a:t>
             </a:fld>
             <a:endParaRPr lang="en-US"/>
           </a:p>
@@ -3187,7 +2780,7 @@
             <a:fld id="{1D8BD707-D9CF-40AE-B4C6-C98DA3205C09}" type="datetimeFigureOut">
               <a:rPr lang="en-US" smtClean="0"/>
               <a:pPr/>
-              <a:t>7/30/2024</a:t>
+              <a:t>9/27/2024</a:t>
             </a:fld>
             <a:endParaRPr lang="en-US"/>
           </a:p>
@@ -3301,7 +2894,7 @@
             <a:fld id="{1D8BD707-D9CF-40AE-B4C6-C98DA3205C09}" type="datetimeFigureOut">
               <a:rPr lang="en-US" smtClean="0"/>
               <a:pPr/>
-              <a:t>7/30/2024</a:t>
+              <a:t>9/27/2024</a:t>
             </a:fld>
             <a:endParaRPr lang="en-US"/>
           </a:p>
@@ -3393,7 +2986,7 @@
             <a:fld id="{1D8BD707-D9CF-40AE-B4C6-C98DA3205C09}" type="datetimeFigureOut">
               <a:rPr lang="en-US" smtClean="0"/>
               <a:pPr/>
-              <a:t>7/30/2024</a:t>
+              <a:t>9/27/2024</a:t>
             </a:fld>
             <a:endParaRPr lang="en-US"/>
           </a:p>
@@ -3665,7 +3258,7 @@
             <a:fld id="{1D8BD707-D9CF-40AE-B4C6-C98DA3205C09}" type="datetimeFigureOut">
               <a:rPr lang="en-US" smtClean="0"/>
               <a:pPr/>
-              <a:t>7/30/2024</a:t>
+              <a:t>9/27/2024</a:t>
             </a:fld>
             <a:endParaRPr lang="en-US"/>
           </a:p>
@@ -3914,7 +3507,7 @@
             <a:fld id="{1D8BD707-D9CF-40AE-B4C6-C98DA3205C09}" type="datetimeFigureOut">
               <a:rPr lang="en-US" smtClean="0"/>
               <a:pPr/>
-              <a:t>7/30/2024</a:t>
+              <a:t>9/27/2024</a:t>
             </a:fld>
             <a:endParaRPr lang="en-US"/>
           </a:p>
@@ -4127,7 +3720,7 @@
             <a:fld id="{1D8BD707-D9CF-40AE-B4C6-C98DA3205C09}" type="datetimeFigureOut">
               <a:rPr lang="en-US" smtClean="0"/>
               <a:pPr/>
-              <a:t>7/30/2024</a:t>
+              <a:t>9/27/2024</a:t>
             </a:fld>
             <a:endParaRPr lang="en-US"/>
           </a:p>
@@ -4566,7 +4159,7 @@
         <p:spPr>
           <a:xfrm>
             <a:off x="486137" y="2531318"/>
-            <a:ext cx="11979797" cy="1754326"/>
+            <a:ext cx="11979797" cy="923330"/>
           </a:xfrm>
           <a:prstGeom prst="rect">
             <a:avLst/>
@@ -4586,7 +4179,7 @@
                 </a:solidFill>
                 <a:latin typeface="Pragmatica" panose="020B0403040502020204" pitchFamily="34" charset="0"/>
               </a:rPr>
-              <a:t>Monte Carlo Methods with Python in Excel</a:t>
+              <a:t>First steps with Office Scripts</a:t>
             </a:r>
           </a:p>
         </p:txBody>
@@ -4636,42 +4229,6 @@
           </a:p>
         </p:txBody>
       </p:sp>
-      <p:pic>
-        <p:nvPicPr>
-          <p:cNvPr id="6" name="Picture 5" descr="A green and white logo with red leaves&#10;&#10;Description automatically generated">
-            <a:extLst>
-              <a:ext uri="{FF2B5EF4-FFF2-40B4-BE49-F238E27FC236}">
-                <a16:creationId xmlns:a16="http://schemas.microsoft.com/office/drawing/2014/main" id="{6D59177A-494A-8ACD-1E8D-768BA6DD89C7}"/>
-              </a:ext>
-            </a:extLst>
-          </p:cNvPr>
-          <p:cNvPicPr>
-            <a:picLocks noChangeAspect="1"/>
-          </p:cNvPicPr>
-          <p:nvPr/>
-        </p:nvPicPr>
-        <p:blipFill>
-          <a:blip r:embed="rId4">
-            <a:extLst>
-              <a:ext uri="{28A0092B-C50C-407E-A947-70E740481C1C}">
-                <a14:useLocalDpi xmlns:a14="http://schemas.microsoft.com/office/drawing/2010/main" val="0"/>
-              </a:ext>
-            </a:extLst>
-          </a:blip>
-          <a:stretch>
-            <a:fillRect/>
-          </a:stretch>
-        </p:blipFill>
-        <p:spPr>
-          <a:xfrm>
-            <a:off x="990600" y="5143500"/>
-            <a:ext cx="8403713" cy="4718882"/>
-          </a:xfrm>
-          <a:prstGeom prst="rect">
-            <a:avLst/>
-          </a:prstGeom>
-        </p:spPr>
-      </p:pic>
     </p:spTree>
     <p:extLst>
       <p:ext uri="{BB962C8B-B14F-4D97-AF65-F5344CB8AC3E}">
@@ -4786,7 +4343,7 @@
         <p:spPr>
           <a:xfrm>
             <a:off x="260431" y="329879"/>
-            <a:ext cx="8906720" cy="10234084"/>
+            <a:ext cx="8906720" cy="9169690"/>
           </a:xfrm>
           <a:prstGeom prst="rect">
             <a:avLst/>
@@ -4806,7 +4363,7 @@
                 </a:solidFill>
                 <a:latin typeface="Pragmatica" panose="020B0403040502020204" pitchFamily="34" charset="0"/>
               </a:rPr>
-              <a:t>Monte Carlo simulation with Python in Excel EXERCISE</a:t>
+              <a:t>Record Actions in Office Scripts</a:t>
             </a:r>
           </a:p>
           <a:p>
@@ -4840,281 +4397,8 @@
                 <a:latin typeface="Pragmatica" panose="020B0403040502020204"/>
                 <a:sym typeface="Consolas"/>
               </a:rPr>
-              <a:t>Simulate the distribution of profit per unit assuming the following</a:t>
-            </a:r>
-          </a:p>
-          <a:p>
-            <a:pPr marL="1143000" lvl="1" indent="-542925">
-              <a:lnSpc>
-                <a:spcPct val="115000"/>
-              </a:lnSpc>
-              <a:spcBef>
-                <a:spcPts val="1125"/>
-              </a:spcBef>
-              <a:buClr>
-                <a:srgbClr val="C00000"/>
-              </a:buClr>
-              <a:buSzPts val="2100"/>
-              <a:buFont typeface="Arial"/>
-              <a:buAutoNum type="arabicPeriod"/>
-            </a:pPr>
-            <a:r>
-              <a:rPr lang="en-US" sz="3600" dirty="0">
-                <a:solidFill>
-                  <a:srgbClr val="C00000"/>
-                </a:solidFill>
-                <a:latin typeface="Pragmatica" panose="020B0403040502020204"/>
-                <a:sym typeface="Consolas"/>
-              </a:rPr>
-              <a:t>Revenue per unit average, standard deviation: 50, 10</a:t>
-            </a:r>
-          </a:p>
-          <a:p>
-            <a:pPr marL="1143000" lvl="1" indent="-542925">
-              <a:lnSpc>
-                <a:spcPct val="115000"/>
-              </a:lnSpc>
-              <a:spcBef>
-                <a:spcPts val="1125"/>
-              </a:spcBef>
-              <a:buClr>
-                <a:srgbClr val="C00000"/>
-              </a:buClr>
-              <a:buSzPts val="2100"/>
-              <a:buFont typeface="Arial"/>
-              <a:buAutoNum type="arabicPeriod"/>
-            </a:pPr>
-            <a:r>
-              <a:rPr lang="en-US" sz="3600" dirty="0">
-                <a:solidFill>
-                  <a:srgbClr val="C00000"/>
-                </a:solidFill>
-                <a:latin typeface="Pragmatica" panose="020B0403040502020204"/>
-                <a:sym typeface="Consolas"/>
-              </a:rPr>
-              <a:t>Cost per unit average, standard deviation: 80, 20</a:t>
-            </a:r>
-          </a:p>
-          <a:p>
-            <a:pPr marL="1143000" lvl="1" indent="-542925">
-              <a:lnSpc>
-                <a:spcPct val="115000"/>
-              </a:lnSpc>
-              <a:spcBef>
-                <a:spcPts val="1125"/>
-              </a:spcBef>
-              <a:buClr>
-                <a:srgbClr val="C00000"/>
-              </a:buClr>
-              <a:buSzPts val="2100"/>
-              <a:buFont typeface="Arial"/>
-              <a:buAutoNum type="arabicPeriod"/>
-            </a:pPr>
-            <a:r>
-              <a:rPr lang="en-US" sz="3600" dirty="0">
-                <a:solidFill>
-                  <a:srgbClr val="C00000"/>
-                </a:solidFill>
-                <a:latin typeface="Pragmatica" panose="020B0403040502020204"/>
-                <a:sym typeface="Consolas"/>
-              </a:rPr>
-              <a:t>Both follow the normal distribution</a:t>
-            </a:r>
-          </a:p>
-          <a:p>
-            <a:pPr marL="142875">
-              <a:lnSpc>
-                <a:spcPct val="115000"/>
-              </a:lnSpc>
-              <a:spcBef>
-                <a:spcPts val="1125"/>
-              </a:spcBef>
-              <a:buClr>
-                <a:srgbClr val="C00000"/>
-              </a:buClr>
-              <a:buSzPts val="2100"/>
-            </a:pPr>
-            <a:r>
-              <a:rPr lang="en-US" sz="3600" dirty="0">
-                <a:solidFill>
-                  <a:srgbClr val="C00000"/>
-                </a:solidFill>
-                <a:latin typeface="Pragmatica" panose="020B0403040502020204"/>
-                <a:sym typeface="Consolas"/>
-              </a:rPr>
-              <a:t>File: </a:t>
-            </a:r>
-            <a:r>
-              <a:rPr lang="en-US" sz="3600" dirty="0">
-                <a:solidFill>
-                  <a:srgbClr val="C00000"/>
-                </a:solidFill>
-                <a:latin typeface="Consolas" panose="020B0609020204030204" pitchFamily="49" charset="0"/>
-                <a:sym typeface="Consolas"/>
-              </a:rPr>
-              <a:t>monte-carlo-demos.xlsx</a:t>
-            </a:r>
-            <a:endParaRPr lang="en-US" sz="6000" dirty="0">
-              <a:solidFill>
-                <a:srgbClr val="CF3338"/>
-              </a:solidFill>
-              <a:latin typeface="Consolas" panose="020B0609020204030204" pitchFamily="49" charset="0"/>
-            </a:endParaRPr>
-          </a:p>
-          <a:p>
-            <a:endParaRPr lang="en-US" sz="6000" dirty="0">
-              <a:solidFill>
-                <a:srgbClr val="CF3338"/>
-              </a:solidFill>
-              <a:latin typeface="Pragmatica" panose="020B0403040502020204" pitchFamily="34" charset="0"/>
-            </a:endParaRPr>
-          </a:p>
-        </p:txBody>
-      </p:sp>
-    </p:spTree>
-    <p:extLst>
-      <p:ext uri="{BB962C8B-B14F-4D97-AF65-F5344CB8AC3E}">
-        <p14:creationId xmlns:p14="http://schemas.microsoft.com/office/powerpoint/2010/main" val="4269649643"/>
-      </p:ext>
-    </p:extLst>
-  </p:cSld>
-  <p:clrMapOvr>
-    <a:masterClrMapping/>
-  </p:clrMapOvr>
-</p:sld>
-</file>
-
-<file path=ppt/slides/slide11.xml><?xml version="1.0" encoding="utf-8"?>
-<p:sld xmlns:a="http://schemas.openxmlformats.org/drawingml/2006/main" xmlns:r="http://schemas.openxmlformats.org/officeDocument/2006/relationships" xmlns:p="http://schemas.openxmlformats.org/presentationml/2006/main">
-  <p:cSld>
-    <p:spTree>
-      <p:nvGrpSpPr>
-        <p:cNvPr id="1" name=""/>
-        <p:cNvGrpSpPr/>
-        <p:nvPr/>
-      </p:nvGrpSpPr>
-      <p:grpSpPr>
-        <a:xfrm>
-          <a:off x="0" y="0"/>
-          <a:ext cx="0" cy="0"/>
-          <a:chOff x="0" y="0"/>
-          <a:chExt cx="0" cy="0"/>
-        </a:xfrm>
-      </p:grpSpPr>
-      <p:sp>
-        <p:nvSpPr>
-          <p:cNvPr id="4" name="Rectangle 3"/>
-          <p:cNvSpPr/>
-          <p:nvPr/>
-        </p:nvSpPr>
-        <p:spPr>
-          <a:xfrm>
-            <a:off x="9861630" y="0"/>
-            <a:ext cx="8426370" cy="10287000"/>
-          </a:xfrm>
-          <a:prstGeom prst="rect">
-            <a:avLst/>
-          </a:prstGeom>
-          <a:solidFill>
-            <a:srgbClr val="CF3338"/>
-          </a:solidFill>
-          <a:ln>
-            <a:noFill/>
-          </a:ln>
-        </p:spPr>
-        <p:style>
-          <a:lnRef idx="2">
-            <a:schemeClr val="accent1">
-              <a:shade val="50000"/>
-            </a:schemeClr>
-          </a:lnRef>
-          <a:fillRef idx="1">
-            <a:schemeClr val="accent1"/>
-          </a:fillRef>
-          <a:effectRef idx="0">
-            <a:schemeClr val="accent1"/>
-          </a:effectRef>
-          <a:fontRef idx="minor">
-            <a:schemeClr val="lt1"/>
-          </a:fontRef>
-        </p:style>
-        <p:txBody>
-          <a:bodyPr rtlCol="0" anchor="ctr"/>
-          <a:lstStyle/>
-          <a:p>
-            <a:pPr algn="ctr"/>
-            <a:endParaRPr lang="en-US" sz="2700"/>
-          </a:p>
-        </p:txBody>
-      </p:sp>
-      <p:pic>
-        <p:nvPicPr>
-          <p:cNvPr id="2" name="Picture 1"/>
-          <p:cNvPicPr>
-            <a:picLocks noChangeAspect="1"/>
-          </p:cNvPicPr>
-          <p:nvPr/>
-        </p:nvPicPr>
-        <p:blipFill rotWithShape="1">
-          <a:blip r:embed="rId3">
-            <a:extLst>
-              <a:ext uri="{28A0092B-C50C-407E-A947-70E740481C1C}">
-                <a14:useLocalDpi xmlns:a14="http://schemas.microsoft.com/office/drawing/2010/main" val="0"/>
-              </a:ext>
-            </a:extLst>
-          </a:blip>
-          <a:srcRect l="69227" t="33418" r="20112" b="50548"/>
-          <a:stretch/>
-        </p:blipFill>
-        <p:spPr>
-          <a:xfrm>
-            <a:off x="15579524" y="7544693"/>
-            <a:ext cx="2708477" cy="2987579"/>
-          </a:xfrm>
-          <a:prstGeom prst="rect">
-            <a:avLst/>
-          </a:prstGeom>
-        </p:spPr>
-      </p:pic>
-      <p:sp>
-        <p:nvSpPr>
-          <p:cNvPr id="3" name="TextBox 2"/>
-          <p:cNvSpPr txBox="1"/>
-          <p:nvPr/>
-        </p:nvSpPr>
-        <p:spPr>
-          <a:xfrm>
-            <a:off x="260431" y="329879"/>
-            <a:ext cx="8906720" cy="8040663"/>
-          </a:xfrm>
-          <a:prstGeom prst="rect">
-            <a:avLst/>
-          </a:prstGeom>
-          <a:noFill/>
-        </p:spPr>
-        <p:txBody>
-          <a:bodyPr wrap="square" rtlCol="0">
-            <a:spAutoFit/>
-          </a:bodyPr>
-          <a:lstStyle/>
-          <a:p>
-            <a:r>
-              <a:rPr lang="en-US" sz="6000" b="1" dirty="0">
-                <a:solidFill>
-                  <a:srgbClr val="CF3338"/>
-                </a:solidFill>
-                <a:latin typeface="Pragmatica" panose="020B0403040502020204" pitchFamily="34" charset="0"/>
-              </a:rPr>
-              <a:t>Simulating non-normal distributions with Python in Excel</a:t>
-            </a:r>
-          </a:p>
-          <a:p>
-            <a:endParaRPr lang="en-US" sz="4200" dirty="0">
-              <a:solidFill>
-                <a:srgbClr val="CF3338"/>
-              </a:solidFill>
-              <a:latin typeface="Pragmatica" panose="020B0403040502020204" pitchFamily="34" charset="0"/>
-            </a:endParaRPr>
+              <a:t>Creating a script with Record Actions</a:t>
+            </a:r>
           </a:p>
           <a:p>
             <a:pPr marL="685800" indent="-542925">
@@ -5139,33 +4423,7 @@
                 <a:latin typeface="Pragmatica" panose="020B0403040502020204"/>
                 <a:sym typeface="Consolas"/>
               </a:rPr>
-              <a:t>Not all variables in the real world follow the real distribution</a:t>
-            </a:r>
-          </a:p>
-          <a:p>
-            <a:pPr marL="685800" indent="-542925">
-              <a:lnSpc>
-                <a:spcPct val="115000"/>
-              </a:lnSpc>
-              <a:spcBef>
-                <a:spcPts val="1125"/>
-              </a:spcBef>
-              <a:buClr>
-                <a:srgbClr val="C00000"/>
-              </a:buClr>
-              <a:buSzPts val="2100"/>
-              <a:buFont typeface="Arial"/>
-              <a:buAutoNum type="arabicPeriod"/>
-            </a:pPr>
-            <a:r>
-              <a:rPr lang="en-US" sz="3600" dirty="0">
-                <a:solidFill>
-                  <a:srgbClr val="C00000"/>
-                </a:solidFill>
-                <a:latin typeface="Pragmatica" panose="020B0403040502020204"/>
-                <a:sym typeface="Consolas"/>
-              </a:rPr>
-              <a:t>How can we adjust our Monte Carlo models to account for this? </a:t>
+              <a:t>Advantages and disadvantages of Record Actions</a:t>
             </a:r>
           </a:p>
           <a:p>
@@ -5199,220 +4457,7 @@
                 <a:latin typeface="Consolas" panose="020B0609020204030204" pitchFamily="49" charset="0"/>
                 <a:sym typeface="Consolas"/>
               </a:rPr>
-              <a:t>monte-carlo-demos.xlsx</a:t>
-            </a:r>
-            <a:endParaRPr lang="en-US" sz="6000" dirty="0">
-              <a:solidFill>
-                <a:srgbClr val="CF3338"/>
-              </a:solidFill>
-              <a:latin typeface="Consolas" panose="020B0609020204030204" pitchFamily="49" charset="0"/>
-            </a:endParaRPr>
-          </a:p>
-          <a:p>
-            <a:endParaRPr lang="en-US" sz="6000" dirty="0">
-              <a:solidFill>
-                <a:srgbClr val="CF3338"/>
-              </a:solidFill>
-              <a:latin typeface="Pragmatica" panose="020B0403040502020204" pitchFamily="34" charset="0"/>
-            </a:endParaRPr>
-          </a:p>
-        </p:txBody>
-      </p:sp>
-    </p:spTree>
-    <p:extLst>
-      <p:ext uri="{BB962C8B-B14F-4D97-AF65-F5344CB8AC3E}">
-        <p14:creationId xmlns:p14="http://schemas.microsoft.com/office/powerpoint/2010/main" val="34312912"/>
-      </p:ext>
-    </p:extLst>
-  </p:cSld>
-  <p:clrMapOvr>
-    <a:masterClrMapping/>
-  </p:clrMapOvr>
-</p:sld>
-</file>
-
-<file path=ppt/slides/slide12.xml><?xml version="1.0" encoding="utf-8"?>
-<p:sld xmlns:a="http://schemas.openxmlformats.org/drawingml/2006/main" xmlns:r="http://schemas.openxmlformats.org/officeDocument/2006/relationships" xmlns:p="http://schemas.openxmlformats.org/presentationml/2006/main">
-  <p:cSld>
-    <p:spTree>
-      <p:nvGrpSpPr>
-        <p:cNvPr id="1" name=""/>
-        <p:cNvGrpSpPr/>
-        <p:nvPr/>
-      </p:nvGrpSpPr>
-      <p:grpSpPr>
-        <a:xfrm>
-          <a:off x="0" y="0"/>
-          <a:ext cx="0" cy="0"/>
-          <a:chOff x="0" y="0"/>
-          <a:chExt cx="0" cy="0"/>
-        </a:xfrm>
-      </p:grpSpPr>
-      <p:sp>
-        <p:nvSpPr>
-          <p:cNvPr id="4" name="Rectangle 3"/>
-          <p:cNvSpPr/>
-          <p:nvPr/>
-        </p:nvSpPr>
-        <p:spPr>
-          <a:xfrm>
-            <a:off x="9861630" y="0"/>
-            <a:ext cx="8426370" cy="10287000"/>
-          </a:xfrm>
-          <a:prstGeom prst="rect">
-            <a:avLst/>
-          </a:prstGeom>
-          <a:solidFill>
-            <a:srgbClr val="CF3338"/>
-          </a:solidFill>
-          <a:ln>
-            <a:noFill/>
-          </a:ln>
-        </p:spPr>
-        <p:style>
-          <a:lnRef idx="2">
-            <a:schemeClr val="accent1">
-              <a:shade val="50000"/>
-            </a:schemeClr>
-          </a:lnRef>
-          <a:fillRef idx="1">
-            <a:schemeClr val="accent1"/>
-          </a:fillRef>
-          <a:effectRef idx="0">
-            <a:schemeClr val="accent1"/>
-          </a:effectRef>
-          <a:fontRef idx="minor">
-            <a:schemeClr val="lt1"/>
-          </a:fontRef>
-        </p:style>
-        <p:txBody>
-          <a:bodyPr rtlCol="0" anchor="ctr"/>
-          <a:lstStyle/>
-          <a:p>
-            <a:pPr algn="ctr"/>
-            <a:endParaRPr lang="en-US" sz="2700"/>
-          </a:p>
-        </p:txBody>
-      </p:sp>
-      <p:pic>
-        <p:nvPicPr>
-          <p:cNvPr id="2" name="Picture 1"/>
-          <p:cNvPicPr>
-            <a:picLocks noChangeAspect="1"/>
-          </p:cNvPicPr>
-          <p:nvPr/>
-        </p:nvPicPr>
-        <p:blipFill rotWithShape="1">
-          <a:blip r:embed="rId3">
-            <a:extLst>
-              <a:ext uri="{28A0092B-C50C-407E-A947-70E740481C1C}">
-                <a14:useLocalDpi xmlns:a14="http://schemas.microsoft.com/office/drawing/2010/main" val="0"/>
-              </a:ext>
-            </a:extLst>
-          </a:blip>
-          <a:srcRect l="69227" t="33418" r="20112" b="50548"/>
-          <a:stretch/>
-        </p:blipFill>
-        <p:spPr>
-          <a:xfrm>
-            <a:off x="15579524" y="7544693"/>
-            <a:ext cx="2708477" cy="2987579"/>
-          </a:xfrm>
-          <a:prstGeom prst="rect">
-            <a:avLst/>
-          </a:prstGeom>
-        </p:spPr>
-      </p:pic>
-      <p:sp>
-        <p:nvSpPr>
-          <p:cNvPr id="3" name="TextBox 2"/>
-          <p:cNvSpPr txBox="1"/>
-          <p:nvPr/>
-        </p:nvSpPr>
-        <p:spPr>
-          <a:xfrm>
-            <a:off x="260431" y="329879"/>
-            <a:ext cx="8906720" cy="5843138"/>
-          </a:xfrm>
-          <a:prstGeom prst="rect">
-            <a:avLst/>
-          </a:prstGeom>
-          <a:noFill/>
-        </p:spPr>
-        <p:txBody>
-          <a:bodyPr wrap="square" rtlCol="0">
-            <a:spAutoFit/>
-          </a:bodyPr>
-          <a:lstStyle/>
-          <a:p>
-            <a:r>
-              <a:rPr lang="en-US" sz="6000" b="1" dirty="0">
-                <a:solidFill>
-                  <a:srgbClr val="CF3338"/>
-                </a:solidFill>
-                <a:latin typeface="Pragmatica" panose="020B0403040502020204" pitchFamily="34" charset="0"/>
-              </a:rPr>
-              <a:t>Simulating sales trends with Python in Excel</a:t>
-            </a:r>
-          </a:p>
-          <a:p>
-            <a:endParaRPr lang="en-US" sz="4200" dirty="0">
-              <a:solidFill>
-                <a:srgbClr val="CF3338"/>
-              </a:solidFill>
-              <a:latin typeface="Pragmatica" panose="020B0403040502020204" pitchFamily="34" charset="0"/>
-            </a:endParaRPr>
-          </a:p>
-          <a:p>
-            <a:pPr marL="685800" indent="-542925">
-              <a:lnSpc>
-                <a:spcPct val="115000"/>
-              </a:lnSpc>
-              <a:spcBef>
-                <a:spcPts val="1125"/>
-              </a:spcBef>
-              <a:buClr>
-                <a:srgbClr val="C00000"/>
-              </a:buClr>
-              <a:buSzPts val="2100"/>
-              <a:buFont typeface="Arial"/>
-              <a:buAutoNum type="arabicPeriod"/>
-            </a:pPr>
-            <a:r>
-              <a:rPr lang="en-US" sz="3600" dirty="0">
-                <a:solidFill>
-                  <a:srgbClr val="C00000"/>
-                </a:solidFill>
-                <a:latin typeface="Pragmatica" panose="020B0403040502020204"/>
-                <a:sym typeface="Consolas"/>
-              </a:rPr>
-              <a:t>Simulating trends over time</a:t>
-            </a:r>
-          </a:p>
-          <a:p>
-            <a:pPr marL="685800" indent="-542925">
-              <a:lnSpc>
-                <a:spcPct val="115000"/>
-              </a:lnSpc>
-              <a:spcBef>
-                <a:spcPts val="1125"/>
-              </a:spcBef>
-              <a:buClr>
-                <a:srgbClr val="C00000"/>
-              </a:buClr>
-              <a:buSzPts val="2100"/>
-              <a:buFont typeface="Arial"/>
-              <a:buAutoNum type="arabicPeriod"/>
-            </a:pPr>
-            <a:r>
-              <a:rPr lang="en-US" sz="3600" dirty="0">
-                <a:solidFill>
-                  <a:srgbClr val="C00000"/>
-                </a:solidFill>
-                <a:latin typeface="Pragmatica" panose="020B0403040502020204"/>
-                <a:sym typeface="Consolas"/>
-              </a:rPr>
-              <a:t>Visualizing the results</a:t>
+              <a:t>record-actions.xlsx</a:t>
             </a:r>
           </a:p>
           <a:p>
@@ -5436,23 +4481,40 @@
                 <a:latin typeface="Pragmatica" panose="020B0403040502020204"/>
                 <a:sym typeface="Consolas"/>
               </a:rPr>
-              <a:t>File: </a:t>
+              <a:t>Resource: </a:t>
             </a:r>
             <a:r>
               <a:rPr lang="en-US" sz="3600" dirty="0">
                 <a:solidFill>
-                  <a:srgbClr val="C00000"/>
+                  <a:srgbClr val="CF3338"/>
                 </a:solidFill>
-                <a:latin typeface="Consolas" panose="020B0609020204030204" pitchFamily="49" charset="0"/>
+                <a:latin typeface="Pragmatica" panose="020B0403040502020204"/>
+                <a:sym typeface="Consolas"/>
+                <a:hlinkClick r:id="rId4">
+                  <a:extLst>
+                    <a:ext uri="{A12FA001-AC4F-418D-AE19-62706E023703}">
+                      <ahyp:hlinkClr xmlns:ahyp="http://schemas.microsoft.com/office/drawing/2018/hyperlinkcolor" val="tx"/>
+                    </a:ext>
+                  </a:extLst>
+                </a:hlinkClick>
+              </a:rPr>
+              <a:t>https://stringfestanalytics.com/how-to-understand-record-actions-in-office-scripts-for-excel/</a:t>
+            </a:r>
+            <a:r>
+              <a:rPr lang="en-US" sz="3600" dirty="0">
+                <a:solidFill>
+                  <a:srgbClr val="CF3338"/>
+                </a:solidFill>
+                <a:latin typeface="Pragmatica" panose="020B0403040502020204"/>
                 <a:sym typeface="Consolas"/>
               </a:rPr>
-              <a:t>monte-carlo-demos.xlsx</a:t>
+              <a:t> </a:t>
             </a:r>
             <a:endParaRPr lang="en-US" sz="6000" dirty="0">
               <a:solidFill>
                 <a:srgbClr val="CF3338"/>
               </a:solidFill>
-              <a:latin typeface="Consolas" panose="020B0609020204030204" pitchFamily="49" charset="0"/>
+              <a:latin typeface="Pragmatica" panose="020B0403040502020204"/>
             </a:endParaRPr>
           </a:p>
           <a:p>
@@ -5468,7 +4530,7 @@
     </p:spTree>
     <p:extLst>
       <p:ext uri="{BB962C8B-B14F-4D97-AF65-F5344CB8AC3E}">
-        <p14:creationId xmlns:p14="http://schemas.microsoft.com/office/powerpoint/2010/main" val="620997798"/>
+        <p14:creationId xmlns:p14="http://schemas.microsoft.com/office/powerpoint/2010/main" val="3590649370"/>
       </p:ext>
     </p:extLst>
   </p:cSld>
@@ -5478,7 +4540,7 @@
 </p:sld>
 </file>
 
-<file path=ppt/slides/slide13.xml><?xml version="1.0" encoding="utf-8"?>
+<file path=ppt/slides/slide11.xml><?xml version="1.0" encoding="utf-8"?>
 <p:sld xmlns:a="http://schemas.openxmlformats.org/drawingml/2006/main" xmlns:r="http://schemas.openxmlformats.org/officeDocument/2006/relationships" xmlns:p="http://schemas.openxmlformats.org/presentationml/2006/main">
   <p:cSld>
     <p:spTree>
@@ -5636,7 +4698,7 @@
 </p:sld>
 </file>
 
-<file path=ppt/slides/slide14.xml><?xml version="1.0" encoding="utf-8"?>
+<file path=ppt/slides/slide12.xml><?xml version="1.0" encoding="utf-8"?>
 <p:sld xmlns:a="http://schemas.openxmlformats.org/drawingml/2006/main" xmlns:r="http://schemas.openxmlformats.org/officeDocument/2006/relationships" xmlns:p="http://schemas.openxmlformats.org/presentationml/2006/main">
   <p:cSld>
     <p:spTree>
@@ -5644,7 +4706,7 @@
         <p:cNvPr id="1" name="">
           <a:extLst>
             <a:ext uri="{FF2B5EF4-FFF2-40B4-BE49-F238E27FC236}">
-              <a16:creationId xmlns:a16="http://schemas.microsoft.com/office/drawing/2014/main" id="{556CB9BC-ABA6-103A-715B-D3B9A4577CCE}"/>
+              <a16:creationId xmlns:a16="http://schemas.microsoft.com/office/drawing/2014/main" id="{90C64AD1-2581-BCB2-2FB0-2198980C6AFB}"/>
             </a:ext>
           </a:extLst>
         </p:cNvPr>
@@ -5664,7 +4726,135 @@
           <p:cNvPr id="4" name="Rectangle 3">
             <a:extLst>
               <a:ext uri="{FF2B5EF4-FFF2-40B4-BE49-F238E27FC236}">
-                <a16:creationId xmlns:a16="http://schemas.microsoft.com/office/drawing/2014/main" id="{DADD1AF2-9FDD-94D8-80B6-5B4D41D189A9}"/>
+                <a16:creationId xmlns:a16="http://schemas.microsoft.com/office/drawing/2014/main" id="{F9A13AAD-1CAA-C764-6C19-AE336B73AB3B}"/>
+              </a:ext>
+            </a:extLst>
+          </p:cNvPr>
+          <p:cNvSpPr/>
+          <p:nvPr/>
+        </p:nvSpPr>
+        <p:spPr>
+          <a:xfrm>
+            <a:off x="0" y="0"/>
+            <a:ext cx="18288000" cy="10287000"/>
+          </a:xfrm>
+          <a:prstGeom prst="rect">
+            <a:avLst/>
+          </a:prstGeom>
+          <a:solidFill>
+            <a:srgbClr val="CF3338"/>
+          </a:solidFill>
+          <a:ln>
+            <a:noFill/>
+          </a:ln>
+        </p:spPr>
+        <p:style>
+          <a:lnRef idx="2">
+            <a:schemeClr val="accent1">
+              <a:shade val="50000"/>
+            </a:schemeClr>
+          </a:lnRef>
+          <a:fillRef idx="1">
+            <a:schemeClr val="accent1"/>
+          </a:fillRef>
+          <a:effectRef idx="0">
+            <a:schemeClr val="accent1"/>
+          </a:effectRef>
+          <a:fontRef idx="minor">
+            <a:schemeClr val="lt1"/>
+          </a:fontRef>
+        </p:style>
+        <p:txBody>
+          <a:bodyPr rtlCol="0" anchor="ctr"/>
+          <a:lstStyle/>
+          <a:p>
+            <a:pPr algn="ctr"/>
+            <a:endParaRPr lang="en-US" sz="2700"/>
+          </a:p>
+        </p:txBody>
+      </p:sp>
+      <p:sp>
+        <p:nvSpPr>
+          <p:cNvPr id="5" name="TextBox 4">
+            <a:extLst>
+              <a:ext uri="{FF2B5EF4-FFF2-40B4-BE49-F238E27FC236}">
+                <a16:creationId xmlns:a16="http://schemas.microsoft.com/office/drawing/2014/main" id="{66C3DE2C-A4C3-D06B-905C-9C83C080D6B8}"/>
+              </a:ext>
+            </a:extLst>
+          </p:cNvPr>
+          <p:cNvSpPr txBox="1"/>
+          <p:nvPr/>
+        </p:nvSpPr>
+        <p:spPr>
+          <a:xfrm>
+            <a:off x="781292" y="590309"/>
+            <a:ext cx="15486926" cy="3139321"/>
+          </a:xfrm>
+          <a:prstGeom prst="rect">
+            <a:avLst/>
+          </a:prstGeom>
+          <a:noFill/>
+        </p:spPr>
+        <p:txBody>
+          <a:bodyPr wrap="square" rtlCol="0">
+            <a:spAutoFit/>
+          </a:bodyPr>
+          <a:lstStyle/>
+          <a:p>
+            <a:r>
+              <a:rPr lang="en-US" sz="9900" b="1" dirty="0">
+                <a:solidFill>
+                  <a:schemeClr val="bg1"/>
+                </a:solidFill>
+                <a:latin typeface="Normafixed Tryout" panose="00000409000000000000" pitchFamily="49" charset="0"/>
+              </a:rPr>
+              <a:t>Understanding the structure of Office Scripts</a:t>
+            </a:r>
+          </a:p>
+        </p:txBody>
+      </p:sp>
+    </p:spTree>
+    <p:extLst>
+      <p:ext uri="{BB962C8B-B14F-4D97-AF65-F5344CB8AC3E}">
+        <p14:creationId xmlns:p14="http://schemas.microsoft.com/office/powerpoint/2010/main" val="2366789361"/>
+      </p:ext>
+    </p:extLst>
+  </p:cSld>
+  <p:clrMapOvr>
+    <a:masterClrMapping/>
+  </p:clrMapOvr>
+</p:sld>
+</file>
+
+<file path=ppt/slides/slide13.xml><?xml version="1.0" encoding="utf-8"?>
+<p:sld xmlns:a="http://schemas.openxmlformats.org/drawingml/2006/main" xmlns:r="http://schemas.openxmlformats.org/officeDocument/2006/relationships" xmlns:p="http://schemas.openxmlformats.org/presentationml/2006/main">
+  <p:cSld>
+    <p:spTree>
+      <p:nvGrpSpPr>
+        <p:cNvPr id="1" name="">
+          <a:extLst>
+            <a:ext uri="{FF2B5EF4-FFF2-40B4-BE49-F238E27FC236}">
+              <a16:creationId xmlns:a16="http://schemas.microsoft.com/office/drawing/2014/main" id="{1D25F94E-B737-3C61-BA4F-9D057FD7098A}"/>
+            </a:ext>
+          </a:extLst>
+        </p:cNvPr>
+        <p:cNvGrpSpPr/>
+        <p:nvPr/>
+      </p:nvGrpSpPr>
+      <p:grpSpPr>
+        <a:xfrm>
+          <a:off x="0" y="0"/>
+          <a:ext cx="0" cy="0"/>
+          <a:chOff x="0" y="0"/>
+          <a:chExt cx="0" cy="0"/>
+        </a:xfrm>
+      </p:grpSpPr>
+      <p:sp>
+        <p:nvSpPr>
+          <p:cNvPr id="4" name="Rectangle 3">
+            <a:extLst>
+              <a:ext uri="{FF2B5EF4-FFF2-40B4-BE49-F238E27FC236}">
+                <a16:creationId xmlns:a16="http://schemas.microsoft.com/office/drawing/2014/main" id="{D8DEC930-FC4C-8A29-168D-C325A21F4F60}"/>
               </a:ext>
             </a:extLst>
           </p:cNvPr>
@@ -5716,7 +4906,7 @@
           <p:cNvPr id="2" name="Picture 1">
             <a:extLst>
               <a:ext uri="{FF2B5EF4-FFF2-40B4-BE49-F238E27FC236}">
-                <a16:creationId xmlns:a16="http://schemas.microsoft.com/office/drawing/2014/main" id="{B995B80C-F573-6FA2-163B-B895205BFF2A}"/>
+                <a16:creationId xmlns:a16="http://schemas.microsoft.com/office/drawing/2014/main" id="{7311EDB7-48B5-AAFD-E6AB-234AE58A63A9}"/>
               </a:ext>
             </a:extLst>
           </p:cNvPr>
@@ -5751,7 +4941,7 @@
           <p:cNvPr id="3" name="TextBox 2">
             <a:extLst>
               <a:ext uri="{FF2B5EF4-FFF2-40B4-BE49-F238E27FC236}">
-                <a16:creationId xmlns:a16="http://schemas.microsoft.com/office/drawing/2014/main" id="{1B972C77-007E-B6EB-C801-5C7906650F63}"/>
+                <a16:creationId xmlns:a16="http://schemas.microsoft.com/office/drawing/2014/main" id="{DB192770-3A95-249E-8FE8-48F859721D9F}"/>
               </a:ext>
             </a:extLst>
           </p:cNvPr>
@@ -5761,7 +4951,7 @@
         <p:spPr>
           <a:xfrm>
             <a:off x="260431" y="329879"/>
-            <a:ext cx="8906720" cy="1015663"/>
+            <a:ext cx="8906720" cy="8987140"/>
           </a:xfrm>
           <a:prstGeom prst="rect">
             <a:avLst/>
@@ -5781,77 +4971,176 @@
                 </a:solidFill>
                 <a:latin typeface="Pragmatica" panose="020B0403040502020204" pitchFamily="34" charset="0"/>
               </a:rPr>
-              <a:t>Resource: </a:t>
-            </a:r>
-            <a:r>
-              <a:rPr lang="en-US" sz="6000" b="1" i="1" dirty="0">
-                <a:solidFill>
-                  <a:srgbClr val="CF3338"/>
-                </a:solidFill>
-                <a:latin typeface="Pragmatica" panose="020B0403040502020204" pitchFamily="34" charset="0"/>
-              </a:rPr>
-              <a:t>Python for Excel</a:t>
-            </a:r>
-            <a:endParaRPr lang="en-US" sz="6000" b="1" dirty="0">
+              <a:t>function main() in Office Scripts</a:t>
+            </a:r>
+          </a:p>
+          <a:p>
+            <a:endParaRPr lang="en-US" sz="4200" dirty="0">
               <a:solidFill>
                 <a:srgbClr val="CF3338"/>
               </a:solidFill>
               <a:latin typeface="Pragmatica" panose="020B0403040502020204" pitchFamily="34" charset="0"/>
             </a:endParaRPr>
           </a:p>
+          <a:p>
+            <a:pPr marL="685800" indent="-542925">
+              <a:lnSpc>
+                <a:spcPct val="115000"/>
+              </a:lnSpc>
+              <a:spcBef>
+                <a:spcPts val="1125"/>
+              </a:spcBef>
+              <a:buClr>
+                <a:srgbClr val="C00000"/>
+              </a:buClr>
+              <a:buSzPts val="2100"/>
+              <a:buFont typeface="Arial"/>
+              <a:buAutoNum type="arabicPeriod"/>
+            </a:pPr>
+            <a:r>
+              <a:rPr lang="en-US" sz="3600" dirty="0">
+                <a:solidFill>
+                  <a:srgbClr val="C00000"/>
+                </a:solidFill>
+                <a:latin typeface="Pragmatica" panose="020B0403040502020204"/>
+                <a:sym typeface="Consolas"/>
+              </a:rPr>
+              <a:t>function main() as the heart of Office Scripts</a:t>
+            </a:r>
+          </a:p>
+          <a:p>
+            <a:pPr marL="685800" indent="-542925">
+              <a:lnSpc>
+                <a:spcPct val="115000"/>
+              </a:lnSpc>
+              <a:spcBef>
+                <a:spcPts val="1125"/>
+              </a:spcBef>
+              <a:buClr>
+                <a:srgbClr val="C00000"/>
+              </a:buClr>
+              <a:buSzPts val="2100"/>
+              <a:buFont typeface="Arial"/>
+              <a:buAutoNum type="arabicPeriod"/>
+            </a:pPr>
+            <a:r>
+              <a:rPr lang="en-US" sz="3600" dirty="0">
+                <a:solidFill>
+                  <a:srgbClr val="C00000"/>
+                </a:solidFill>
+                <a:latin typeface="Pragmatica" panose="020B0403040502020204"/>
+                <a:sym typeface="Consolas"/>
+              </a:rPr>
+              <a:t>‘Hello, world!’ in Office Scripts</a:t>
+            </a:r>
+          </a:p>
+          <a:p>
+            <a:pPr marL="685800" indent="-542925">
+              <a:lnSpc>
+                <a:spcPct val="115000"/>
+              </a:lnSpc>
+              <a:spcBef>
+                <a:spcPts val="1125"/>
+              </a:spcBef>
+              <a:buClr>
+                <a:srgbClr val="C00000"/>
+              </a:buClr>
+              <a:buSzPts val="2100"/>
+              <a:buFont typeface="Arial"/>
+              <a:buAutoNum type="arabicPeriod"/>
+            </a:pPr>
+            <a:r>
+              <a:rPr lang="en-US" sz="3600" dirty="0">
+                <a:solidFill>
+                  <a:srgbClr val="C00000"/>
+                </a:solidFill>
+                <a:latin typeface="Pragmatica" panose="020B0403040502020204"/>
+                <a:sym typeface="Consolas"/>
+              </a:rPr>
+              <a:t>Customizing function main()’s parameters</a:t>
+            </a:r>
+          </a:p>
+          <a:p>
+            <a:pPr marL="142875">
+              <a:lnSpc>
+                <a:spcPct val="115000"/>
+              </a:lnSpc>
+              <a:spcBef>
+                <a:spcPts val="1125"/>
+              </a:spcBef>
+              <a:buClr>
+                <a:srgbClr val="C00000"/>
+              </a:buClr>
+              <a:buSzPts val="2100"/>
+            </a:pPr>
+            <a:r>
+              <a:rPr lang="en-US" sz="3600" dirty="0">
+                <a:solidFill>
+                  <a:srgbClr val="C00000"/>
+                </a:solidFill>
+                <a:latin typeface="Pragmatica" panose="020B0403040502020204"/>
+                <a:sym typeface="Consolas"/>
+              </a:rPr>
+              <a:t>File: Open a blank workbook to proceed</a:t>
+            </a:r>
+          </a:p>
+          <a:p>
+            <a:pPr marL="142875">
+              <a:lnSpc>
+                <a:spcPct val="115000"/>
+              </a:lnSpc>
+              <a:spcBef>
+                <a:spcPts val="1125"/>
+              </a:spcBef>
+              <a:buClr>
+                <a:srgbClr val="C00000"/>
+              </a:buClr>
+              <a:buSzPts val="2100"/>
+            </a:pPr>
+            <a:r>
+              <a:rPr lang="en-US" sz="3600" dirty="0">
+                <a:solidFill>
+                  <a:srgbClr val="CF3338"/>
+                </a:solidFill>
+                <a:latin typeface="Pragmatica" panose="020B0403040502020204"/>
+                <a:sym typeface="Consolas"/>
+              </a:rPr>
+              <a:t>Resource: </a:t>
+            </a:r>
+            <a:r>
+              <a:rPr lang="en-US" sz="3600" dirty="0">
+                <a:solidFill>
+                  <a:srgbClr val="CF3338"/>
+                </a:solidFill>
+                <a:latin typeface="Pragmatica" panose="020B0403040502020204"/>
+                <a:sym typeface="Consolas"/>
+                <a:hlinkClick r:id="rId4">
+                  <a:extLst>
+                    <a:ext uri="{A12FA001-AC4F-418D-AE19-62706E023703}">
+                      <ahyp:hlinkClr xmlns:ahyp="http://schemas.microsoft.com/office/drawing/2018/hyperlinkcolor" val="tx"/>
+                    </a:ext>
+                  </a:extLst>
+                </a:hlinkClick>
+              </a:rPr>
+              <a:t>https://stringfestanalytics.com/how-to-understand-function-main-in-office-scripts-for-excel/</a:t>
+            </a:r>
+            <a:r>
+              <a:rPr lang="en-US" sz="3600" dirty="0">
+                <a:solidFill>
+                  <a:srgbClr val="CF3338"/>
+                </a:solidFill>
+                <a:latin typeface="Pragmatica" panose="020B0403040502020204"/>
+                <a:sym typeface="Consolas"/>
+              </a:rPr>
+              <a:t> </a:t>
+            </a:r>
+          </a:p>
         </p:txBody>
       </p:sp>
-      <p:pic>
-        <p:nvPicPr>
-          <p:cNvPr id="1026" name="Picture 2" descr="Python for Excel">
-            <a:extLst>
-              <a:ext uri="{FF2B5EF4-FFF2-40B4-BE49-F238E27FC236}">
-                <a16:creationId xmlns:a16="http://schemas.microsoft.com/office/drawing/2014/main" id="{80644A9C-C912-1443-B13D-FF6D068A9C43}"/>
-              </a:ext>
-            </a:extLst>
-          </p:cNvPr>
-          <p:cNvPicPr>
-            <a:picLocks noChangeAspect="1" noChangeArrowheads="1"/>
-          </p:cNvPicPr>
-          <p:nvPr/>
-        </p:nvPicPr>
-        <p:blipFill>
-          <a:blip r:embed="rId4">
-            <a:extLst>
-              <a:ext uri="{28A0092B-C50C-407E-A947-70E740481C1C}">
-                <a14:useLocalDpi xmlns:a14="http://schemas.microsoft.com/office/drawing/2010/main" val="0"/>
-              </a:ext>
-            </a:extLst>
-          </a:blip>
-          <a:srcRect/>
-          <a:stretch>
-            <a:fillRect/>
-          </a:stretch>
-        </p:blipFill>
-        <p:spPr bwMode="auto">
-          <a:xfrm>
-            <a:off x="762000" y="1790700"/>
-            <a:ext cx="6096000" cy="8001000"/>
-          </a:xfrm>
-          <a:prstGeom prst="rect">
-            <a:avLst/>
-          </a:prstGeom>
-          <a:noFill/>
-          <a:extLst>
-            <a:ext uri="{909E8E84-426E-40DD-AFC4-6F175D3DCCD1}">
-              <a14:hiddenFill xmlns:a14="http://schemas.microsoft.com/office/drawing/2010/main">
-                <a:solidFill>
-                  <a:srgbClr val="FFFFFF"/>
-                </a:solidFill>
-              </a14:hiddenFill>
-            </a:ext>
-          </a:extLst>
-        </p:spPr>
-      </p:pic>
     </p:spTree>
     <p:extLst>
       <p:ext uri="{BB962C8B-B14F-4D97-AF65-F5344CB8AC3E}">
-        <p14:creationId xmlns:p14="http://schemas.microsoft.com/office/powerpoint/2010/main" val="837451578"/>
+        <p14:creationId xmlns:p14="http://schemas.microsoft.com/office/powerpoint/2010/main" val="531918957"/>
       </p:ext>
     </p:extLst>
   </p:cSld>
@@ -5861,15 +5150,15 @@
 </p:sld>
 </file>
 
-<file path=ppt/slides/slide15.xml><?xml version="1.0" encoding="utf-8"?>
-<p:sld xmlns:a="http://schemas.openxmlformats.org/drawingml/2006/main" xmlns:r="http://schemas.openxmlformats.org/officeDocument/2006/relationships" xmlns:p="http://schemas.openxmlformats.org/presentationml/2006/main">
+<file path=ppt/slides/slide14.xml><?xml version="1.0" encoding="utf-8"?>
+<p:sld xmlns:a="http://schemas.openxmlformats.org/drawingml/2006/main" xmlns:r="http://schemas.openxmlformats.org/officeDocument/2006/relationships" xmlns:p="http://schemas.openxmlformats.org/presentationml/2006/main" show="0">
   <p:cSld>
     <p:spTree>
       <p:nvGrpSpPr>
         <p:cNvPr id="1" name="">
           <a:extLst>
             <a:ext uri="{FF2B5EF4-FFF2-40B4-BE49-F238E27FC236}">
-              <a16:creationId xmlns:a16="http://schemas.microsoft.com/office/drawing/2014/main" id="{1DCEF581-6BA9-4461-08BA-6D16F65F3328}"/>
+              <a16:creationId xmlns:a16="http://schemas.microsoft.com/office/drawing/2014/main" id="{4DB200E3-03FF-C33B-37A3-157DBBE5A7C2}"/>
             </a:ext>
           </a:extLst>
         </p:cNvPr>
@@ -5889,7 +5178,7 @@
           <p:cNvPr id="4" name="Rectangle 3">
             <a:extLst>
               <a:ext uri="{FF2B5EF4-FFF2-40B4-BE49-F238E27FC236}">
-                <a16:creationId xmlns:a16="http://schemas.microsoft.com/office/drawing/2014/main" id="{086DF1D7-4393-B6A7-D04C-55B1E5B8B731}"/>
+                <a16:creationId xmlns:a16="http://schemas.microsoft.com/office/drawing/2014/main" id="{66F9AABC-14AB-F52B-9781-1CFAB616CFD1}"/>
               </a:ext>
             </a:extLst>
           </p:cNvPr>
@@ -5941,7 +5230,7 @@
           <p:cNvPr id="2" name="Picture 1">
             <a:extLst>
               <a:ext uri="{FF2B5EF4-FFF2-40B4-BE49-F238E27FC236}">
-                <a16:creationId xmlns:a16="http://schemas.microsoft.com/office/drawing/2014/main" id="{310EF924-3C1C-4586-5E9A-2810C5DAD7C2}"/>
+                <a16:creationId xmlns:a16="http://schemas.microsoft.com/office/drawing/2014/main" id="{2C962416-2C62-6592-096F-3F56A39891C3}"/>
               </a:ext>
             </a:extLst>
           </p:cNvPr>
@@ -5976,7 +5265,7 @@
           <p:cNvPr id="3" name="TextBox 2">
             <a:extLst>
               <a:ext uri="{FF2B5EF4-FFF2-40B4-BE49-F238E27FC236}">
-                <a16:creationId xmlns:a16="http://schemas.microsoft.com/office/drawing/2014/main" id="{9C1992D3-0543-2919-A641-F8327941676A}"/>
+                <a16:creationId xmlns:a16="http://schemas.microsoft.com/office/drawing/2014/main" id="{13856ACB-80E4-14D1-6F51-6DD5B1BFA4EB}"/>
               </a:ext>
             </a:extLst>
           </p:cNvPr>
@@ -5986,7 +5275,7 @@
         <p:spPr>
           <a:xfrm>
             <a:off x="260431" y="329879"/>
-            <a:ext cx="8906720" cy="1938992"/>
+            <a:ext cx="8906720" cy="8208979"/>
           </a:xfrm>
           <a:prstGeom prst="rect">
             <a:avLst/>
@@ -6006,77 +5295,278 @@
                 </a:solidFill>
                 <a:latin typeface="Pragmatica" panose="020B0403040502020204" pitchFamily="34" charset="0"/>
               </a:rPr>
-              <a:t>Resource: </a:t>
-            </a:r>
-            <a:r>
-              <a:rPr lang="en-US" sz="6000" b="1" i="1" dirty="0">
-                <a:solidFill>
-                  <a:srgbClr val="CF3338"/>
-                </a:solidFill>
-                <a:latin typeface="Pragmatica" panose="020B0403040502020204" pitchFamily="34" charset="0"/>
-              </a:rPr>
-              <a:t>Advancing into Analytics</a:t>
-            </a:r>
-            <a:endParaRPr lang="en-US" sz="6000" b="1" dirty="0">
+              <a:t>Debugging with console.log()</a:t>
+            </a:r>
+          </a:p>
+          <a:p>
+            <a:endParaRPr lang="en-US" sz="4200" dirty="0">
               <a:solidFill>
                 <a:srgbClr val="CF3338"/>
               </a:solidFill>
               <a:latin typeface="Pragmatica" panose="020B0403040502020204" pitchFamily="34" charset="0"/>
             </a:endParaRPr>
           </a:p>
+          <a:p>
+            <a:pPr marL="685800" indent="-542925">
+              <a:lnSpc>
+                <a:spcPct val="115000"/>
+              </a:lnSpc>
+              <a:spcBef>
+                <a:spcPts val="1125"/>
+              </a:spcBef>
+              <a:buClr>
+                <a:srgbClr val="C00000"/>
+              </a:buClr>
+              <a:buSzPts val="2100"/>
+              <a:buFont typeface="Arial"/>
+              <a:buAutoNum type="arabicPeriod"/>
+            </a:pPr>
+            <a:r>
+              <a:rPr lang="en-US" sz="3600" dirty="0">
+                <a:solidFill>
+                  <a:srgbClr val="C00000"/>
+                </a:solidFill>
+                <a:latin typeface="Pragmatica" panose="020B0403040502020204"/>
+                <a:sym typeface="Consolas"/>
+              </a:rPr>
+              <a:t>Print to console with console.log()</a:t>
+            </a:r>
+          </a:p>
+          <a:p>
+            <a:pPr marL="685800" indent="-542925">
+              <a:lnSpc>
+                <a:spcPct val="115000"/>
+              </a:lnSpc>
+              <a:spcBef>
+                <a:spcPts val="1125"/>
+              </a:spcBef>
+              <a:buClr>
+                <a:srgbClr val="C00000"/>
+              </a:buClr>
+              <a:buSzPts val="2100"/>
+              <a:buFont typeface="Arial"/>
+              <a:buAutoNum type="arabicPeriod"/>
+            </a:pPr>
+            <a:r>
+              <a:rPr lang="en-US" sz="3600" dirty="0">
+                <a:solidFill>
+                  <a:srgbClr val="C00000"/>
+                </a:solidFill>
+                <a:latin typeface="Pragmatica" panose="020B0403040502020204"/>
+                <a:sym typeface="Consolas"/>
+              </a:rPr>
+              <a:t>How to use this for debugging, particularly in loops</a:t>
+            </a:r>
+          </a:p>
+          <a:p>
+            <a:pPr marL="142875">
+              <a:lnSpc>
+                <a:spcPct val="115000"/>
+              </a:lnSpc>
+              <a:spcBef>
+                <a:spcPts val="1125"/>
+              </a:spcBef>
+              <a:buClr>
+                <a:srgbClr val="C00000"/>
+              </a:buClr>
+              <a:buSzPts val="2100"/>
+            </a:pPr>
+            <a:r>
+              <a:rPr lang="en-US" sz="3600" dirty="0">
+                <a:solidFill>
+                  <a:srgbClr val="C00000"/>
+                </a:solidFill>
+                <a:latin typeface="Pragmatica" panose="020B0403040502020204"/>
+                <a:sym typeface="Consolas"/>
+              </a:rPr>
+              <a:t>File: Open a blank workbook to proceed</a:t>
+            </a:r>
+          </a:p>
+          <a:p>
+            <a:pPr marL="142875">
+              <a:lnSpc>
+                <a:spcPct val="115000"/>
+              </a:lnSpc>
+              <a:spcBef>
+                <a:spcPts val="1125"/>
+              </a:spcBef>
+              <a:buClr>
+                <a:srgbClr val="C00000"/>
+              </a:buClr>
+              <a:buSzPts val="2100"/>
+            </a:pPr>
+            <a:r>
+              <a:rPr lang="en-US" sz="3600" dirty="0">
+                <a:solidFill>
+                  <a:srgbClr val="CF3338"/>
+                </a:solidFill>
+                <a:latin typeface="Pragmatica" panose="020B0403040502020204"/>
+                <a:sym typeface="Consolas"/>
+              </a:rPr>
+              <a:t>Resource: </a:t>
+            </a:r>
+            <a:r>
+              <a:rPr lang="en-US" sz="3600" dirty="0">
+                <a:solidFill>
+                  <a:srgbClr val="CF3338"/>
+                </a:solidFill>
+                <a:latin typeface="Pragmatica" panose="020B0403040502020204"/>
+                <a:sym typeface="Consolas"/>
+                <a:hlinkClick r:id="rId4">
+                  <a:extLst>
+                    <a:ext uri="{A12FA001-AC4F-418D-AE19-62706E023703}">
+                      <ahyp:hlinkClr xmlns:ahyp="http://schemas.microsoft.com/office/drawing/2018/hyperlinkcolor" val="tx"/>
+                    </a:ext>
+                  </a:extLst>
+                </a:hlinkClick>
+              </a:rPr>
+              <a:t>https://stringfestanalytics.com/how-to-understand-console-log-in-office-scripts-for-excel/</a:t>
+            </a:r>
+            <a:r>
+              <a:rPr lang="en-US" sz="3600" dirty="0">
+                <a:solidFill>
+                  <a:srgbClr val="CF3338"/>
+                </a:solidFill>
+                <a:latin typeface="Pragmatica" panose="020B0403040502020204"/>
+                <a:sym typeface="Consolas"/>
+              </a:rPr>
+              <a:t> </a:t>
+            </a:r>
+          </a:p>
         </p:txBody>
       </p:sp>
-      <p:pic>
-        <p:nvPicPr>
-          <p:cNvPr id="2050" name="Picture 2" descr="Advancing into Analytics">
+    </p:spTree>
+    <p:extLst>
+      <p:ext uri="{BB962C8B-B14F-4D97-AF65-F5344CB8AC3E}">
+        <p14:creationId xmlns:p14="http://schemas.microsoft.com/office/powerpoint/2010/main" val="4140172568"/>
+      </p:ext>
+    </p:extLst>
+  </p:cSld>
+  <p:clrMapOvr>
+    <a:masterClrMapping/>
+  </p:clrMapOvr>
+</p:sld>
+</file>
+
+<file path=ppt/slides/slide15.xml><?xml version="1.0" encoding="utf-8"?>
+<p:sld xmlns:a="http://schemas.openxmlformats.org/drawingml/2006/main" xmlns:r="http://schemas.openxmlformats.org/officeDocument/2006/relationships" xmlns:p="http://schemas.openxmlformats.org/presentationml/2006/main">
+  <p:cSld>
+    <p:spTree>
+      <p:nvGrpSpPr>
+        <p:cNvPr id="1" name="">
+          <a:extLst>
+            <a:ext uri="{FF2B5EF4-FFF2-40B4-BE49-F238E27FC236}">
+              <a16:creationId xmlns:a16="http://schemas.microsoft.com/office/drawing/2014/main" id="{B00EF64E-978E-DE9E-B1AB-AFA91528E834}"/>
+            </a:ext>
+          </a:extLst>
+        </p:cNvPr>
+        <p:cNvGrpSpPr/>
+        <p:nvPr/>
+      </p:nvGrpSpPr>
+      <p:grpSpPr>
+        <a:xfrm>
+          <a:off x="0" y="0"/>
+          <a:ext cx="0" cy="0"/>
+          <a:chOff x="0" y="0"/>
+          <a:chExt cx="0" cy="0"/>
+        </a:xfrm>
+      </p:grpSpPr>
+      <p:sp>
+        <p:nvSpPr>
+          <p:cNvPr id="4" name="Rectangle 3">
             <a:extLst>
               <a:ext uri="{FF2B5EF4-FFF2-40B4-BE49-F238E27FC236}">
-                <a16:creationId xmlns:a16="http://schemas.microsoft.com/office/drawing/2014/main" id="{5C03E10B-C7DA-1326-28F0-7E1E8E279675}"/>
+                <a16:creationId xmlns:a16="http://schemas.microsoft.com/office/drawing/2014/main" id="{48A71BC5-8684-91C1-6B3F-A1A745B63039}"/>
               </a:ext>
             </a:extLst>
           </p:cNvPr>
-          <p:cNvPicPr>
-            <a:picLocks noChangeAspect="1" noChangeArrowheads="1"/>
-          </p:cNvPicPr>
+          <p:cNvSpPr/>
           <p:nvPr/>
-        </p:nvPicPr>
-        <p:blipFill>
-          <a:blip r:embed="rId4">
+        </p:nvSpPr>
+        <p:spPr>
+          <a:xfrm>
+            <a:off x="0" y="0"/>
+            <a:ext cx="18288000" cy="10287000"/>
+          </a:xfrm>
+          <a:prstGeom prst="rect">
+            <a:avLst/>
+          </a:prstGeom>
+          <a:solidFill>
+            <a:srgbClr val="CF3338"/>
+          </a:solidFill>
+          <a:ln>
+            <a:noFill/>
+          </a:ln>
+        </p:spPr>
+        <p:style>
+          <a:lnRef idx="2">
+            <a:schemeClr val="accent1">
+              <a:shade val="50000"/>
+            </a:schemeClr>
+          </a:lnRef>
+          <a:fillRef idx="1">
+            <a:schemeClr val="accent1"/>
+          </a:fillRef>
+          <a:effectRef idx="0">
+            <a:schemeClr val="accent1"/>
+          </a:effectRef>
+          <a:fontRef idx="minor">
+            <a:schemeClr val="lt1"/>
+          </a:fontRef>
+        </p:style>
+        <p:txBody>
+          <a:bodyPr rtlCol="0" anchor="ctr"/>
+          <a:lstStyle/>
+          <a:p>
+            <a:pPr algn="ctr"/>
+            <a:endParaRPr lang="en-US" sz="2700"/>
+          </a:p>
+        </p:txBody>
+      </p:sp>
+      <p:sp>
+        <p:nvSpPr>
+          <p:cNvPr id="5" name="TextBox 4">
             <a:extLst>
-              <a:ext uri="{28A0092B-C50C-407E-A947-70E740481C1C}">
-                <a14:useLocalDpi xmlns:a14="http://schemas.microsoft.com/office/drawing/2010/main" val="0"/>
+              <a:ext uri="{FF2B5EF4-FFF2-40B4-BE49-F238E27FC236}">
+                <a16:creationId xmlns:a16="http://schemas.microsoft.com/office/drawing/2014/main" id="{5CA0EFB8-FBDD-5FBD-D7A8-9920121CAA28}"/>
               </a:ext>
             </a:extLst>
-          </a:blip>
-          <a:srcRect/>
-          <a:stretch>
-            <a:fillRect/>
-          </a:stretch>
-        </p:blipFill>
-        <p:spPr bwMode="auto">
+          </p:cNvPr>
+          <p:cNvSpPr txBox="1"/>
+          <p:nvPr/>
+        </p:nvSpPr>
+        <p:spPr>
           <a:xfrm>
-            <a:off x="381000" y="2544068"/>
-            <a:ext cx="5715000" cy="7500938"/>
+            <a:off x="781292" y="590309"/>
+            <a:ext cx="15486926" cy="1615827"/>
           </a:xfrm>
           <a:prstGeom prst="rect">
             <a:avLst/>
           </a:prstGeom>
           <a:noFill/>
-          <a:extLst>
-            <a:ext uri="{909E8E84-426E-40DD-AFC4-6F175D3DCCD1}">
-              <a14:hiddenFill xmlns:a14="http://schemas.microsoft.com/office/drawing/2010/main">
+        </p:spPr>
+        <p:txBody>
+          <a:bodyPr wrap="square" rtlCol="0">
+            <a:spAutoFit/>
+          </a:bodyPr>
+          <a:lstStyle/>
+          <a:p>
+            <a:r>
+              <a:rPr lang="en-US" sz="9900" b="1" dirty="0">
                 <a:solidFill>
-                  <a:srgbClr val="FFFFFF"/>
+                  <a:schemeClr val="bg1"/>
                 </a:solidFill>
-              </a14:hiddenFill>
-            </a:ext>
-          </a:extLst>
-        </p:spPr>
-      </p:pic>
+                <a:latin typeface="Normafixed Tryout" panose="00000409000000000000" pitchFamily="49" charset="0"/>
+              </a:rPr>
+              <a:t>Sharing Office Scripts</a:t>
+            </a:r>
+          </a:p>
+        </p:txBody>
+      </p:sp>
     </p:spTree>
     <p:extLst>
       <p:ext uri="{BB962C8B-B14F-4D97-AF65-F5344CB8AC3E}">
-        <p14:creationId xmlns:p14="http://schemas.microsoft.com/office/powerpoint/2010/main" val="616977739"/>
+        <p14:creationId xmlns:p14="http://schemas.microsoft.com/office/powerpoint/2010/main" val="3272495201"/>
       </p:ext>
     </p:extLst>
   </p:cSld>
@@ -6087,6 +5577,340 @@
 </file>
 
 <file path=ppt/slides/slide16.xml><?xml version="1.0" encoding="utf-8"?>
+<p:sld xmlns:a="http://schemas.openxmlformats.org/drawingml/2006/main" xmlns:r="http://schemas.openxmlformats.org/officeDocument/2006/relationships" xmlns:p="http://schemas.openxmlformats.org/presentationml/2006/main">
+  <p:cSld>
+    <p:spTree>
+      <p:nvGrpSpPr>
+        <p:cNvPr id="1" name="">
+          <a:extLst>
+            <a:ext uri="{FF2B5EF4-FFF2-40B4-BE49-F238E27FC236}">
+              <a16:creationId xmlns:a16="http://schemas.microsoft.com/office/drawing/2014/main" id="{30B0421F-C5E1-ADD5-ECE4-6375F4060D94}"/>
+            </a:ext>
+          </a:extLst>
+        </p:cNvPr>
+        <p:cNvGrpSpPr/>
+        <p:nvPr/>
+      </p:nvGrpSpPr>
+      <p:grpSpPr>
+        <a:xfrm>
+          <a:off x="0" y="0"/>
+          <a:ext cx="0" cy="0"/>
+          <a:chOff x="0" y="0"/>
+          <a:chExt cx="0" cy="0"/>
+        </a:xfrm>
+      </p:grpSpPr>
+      <p:sp>
+        <p:nvSpPr>
+          <p:cNvPr id="4" name="Rectangle 3">
+            <a:extLst>
+              <a:ext uri="{FF2B5EF4-FFF2-40B4-BE49-F238E27FC236}">
+                <a16:creationId xmlns:a16="http://schemas.microsoft.com/office/drawing/2014/main" id="{53DC417D-3C2B-9646-8064-7207B5E8C158}"/>
+              </a:ext>
+            </a:extLst>
+          </p:cNvPr>
+          <p:cNvSpPr/>
+          <p:nvPr/>
+        </p:nvSpPr>
+        <p:spPr>
+          <a:xfrm>
+            <a:off x="9861630" y="0"/>
+            <a:ext cx="8426370" cy="10287000"/>
+          </a:xfrm>
+          <a:prstGeom prst="rect">
+            <a:avLst/>
+          </a:prstGeom>
+          <a:solidFill>
+            <a:srgbClr val="CF3338"/>
+          </a:solidFill>
+          <a:ln>
+            <a:noFill/>
+          </a:ln>
+        </p:spPr>
+        <p:style>
+          <a:lnRef idx="2">
+            <a:schemeClr val="accent1">
+              <a:shade val="50000"/>
+            </a:schemeClr>
+          </a:lnRef>
+          <a:fillRef idx="1">
+            <a:schemeClr val="accent1"/>
+          </a:fillRef>
+          <a:effectRef idx="0">
+            <a:schemeClr val="accent1"/>
+          </a:effectRef>
+          <a:fontRef idx="minor">
+            <a:schemeClr val="lt1"/>
+          </a:fontRef>
+        </p:style>
+        <p:txBody>
+          <a:bodyPr rtlCol="0" anchor="ctr"/>
+          <a:lstStyle/>
+          <a:p>
+            <a:pPr algn="ctr"/>
+            <a:endParaRPr lang="en-US" sz="2700"/>
+          </a:p>
+        </p:txBody>
+      </p:sp>
+      <p:pic>
+        <p:nvPicPr>
+          <p:cNvPr id="2" name="Picture 1">
+            <a:extLst>
+              <a:ext uri="{FF2B5EF4-FFF2-40B4-BE49-F238E27FC236}">
+                <a16:creationId xmlns:a16="http://schemas.microsoft.com/office/drawing/2014/main" id="{15E6A925-96D6-30E2-A5B5-35BD6D37A76D}"/>
+              </a:ext>
+            </a:extLst>
+          </p:cNvPr>
+          <p:cNvPicPr>
+            <a:picLocks noChangeAspect="1"/>
+          </p:cNvPicPr>
+          <p:nvPr/>
+        </p:nvPicPr>
+        <p:blipFill rotWithShape="1">
+          <a:blip r:embed="rId3">
+            <a:extLst>
+              <a:ext uri="{28A0092B-C50C-407E-A947-70E740481C1C}">
+                <a14:useLocalDpi xmlns:a14="http://schemas.microsoft.com/office/drawing/2010/main" val="0"/>
+              </a:ext>
+            </a:extLst>
+          </a:blip>
+          <a:srcRect l="69227" t="33418" r="20112" b="50548"/>
+          <a:stretch/>
+        </p:blipFill>
+        <p:spPr>
+          <a:xfrm>
+            <a:off x="15579524" y="7544693"/>
+            <a:ext cx="2708477" cy="2987579"/>
+          </a:xfrm>
+          <a:prstGeom prst="rect">
+            <a:avLst/>
+          </a:prstGeom>
+        </p:spPr>
+      </p:pic>
+      <p:sp>
+        <p:nvSpPr>
+          <p:cNvPr id="3" name="TextBox 2">
+            <a:extLst>
+              <a:ext uri="{FF2B5EF4-FFF2-40B4-BE49-F238E27FC236}">
+                <a16:creationId xmlns:a16="http://schemas.microsoft.com/office/drawing/2014/main" id="{FC39674B-DCCF-96D6-E9FB-01B7CBAB50AF}"/>
+              </a:ext>
+            </a:extLst>
+          </p:cNvPr>
+          <p:cNvSpPr txBox="1"/>
+          <p:nvPr/>
+        </p:nvSpPr>
+        <p:spPr>
+          <a:xfrm>
+            <a:off x="260431" y="329879"/>
+            <a:ext cx="8906720" cy="6789616"/>
+          </a:xfrm>
+          <a:prstGeom prst="rect">
+            <a:avLst/>
+          </a:prstGeom>
+          <a:noFill/>
+        </p:spPr>
+        <p:txBody>
+          <a:bodyPr wrap="square" rtlCol="0">
+            <a:spAutoFit/>
+          </a:bodyPr>
+          <a:lstStyle/>
+          <a:p>
+            <a:r>
+              <a:rPr lang="en-US" sz="6000" b="1" dirty="0">
+                <a:solidFill>
+                  <a:srgbClr val="CF3338"/>
+                </a:solidFill>
+                <a:latin typeface="Pragmatica" panose="020B0403040502020204" pitchFamily="34" charset="0"/>
+              </a:rPr>
+              <a:t>Sharing your Office Scripts</a:t>
+            </a:r>
+          </a:p>
+          <a:p>
+            <a:endParaRPr lang="en-US" sz="4200" dirty="0">
+              <a:solidFill>
+                <a:srgbClr val="CF3338"/>
+              </a:solidFill>
+              <a:latin typeface="Pragmatica" panose="020B0403040502020204" pitchFamily="34" charset="0"/>
+            </a:endParaRPr>
+          </a:p>
+          <a:p>
+            <a:pPr marL="685800" indent="-542925">
+              <a:lnSpc>
+                <a:spcPct val="115000"/>
+              </a:lnSpc>
+              <a:spcBef>
+                <a:spcPts val="1125"/>
+              </a:spcBef>
+              <a:buClr>
+                <a:srgbClr val="C00000"/>
+              </a:buClr>
+              <a:buSzPts val="2100"/>
+              <a:buFont typeface="Arial"/>
+              <a:buAutoNum type="arabicPeriod"/>
+            </a:pPr>
+            <a:r>
+              <a:rPr lang="en-US" sz="3600" dirty="0">
+                <a:solidFill>
+                  <a:srgbClr val="C00000"/>
+                </a:solidFill>
+                <a:latin typeface="Pragmatica" panose="020B0403040502020204"/>
+                <a:sym typeface="Consolas"/>
+              </a:rPr>
+              <a:t>Sharing within a workbook</a:t>
+            </a:r>
+          </a:p>
+          <a:p>
+            <a:pPr marL="685800" indent="-542925">
+              <a:lnSpc>
+                <a:spcPct val="115000"/>
+              </a:lnSpc>
+              <a:spcBef>
+                <a:spcPts val="1125"/>
+              </a:spcBef>
+              <a:buClr>
+                <a:srgbClr val="C00000"/>
+              </a:buClr>
+              <a:buSzPts val="2100"/>
+              <a:buFont typeface="Arial"/>
+              <a:buAutoNum type="arabicPeriod"/>
+            </a:pPr>
+            <a:r>
+              <a:rPr lang="en-US" sz="3600" dirty="0">
+                <a:solidFill>
+                  <a:srgbClr val="C00000"/>
+                </a:solidFill>
+                <a:latin typeface="Pragmatica" panose="020B0403040502020204"/>
+                <a:sym typeface="Consolas"/>
+              </a:rPr>
+              <a:t>Sharing with other users in an organization</a:t>
+            </a:r>
+          </a:p>
+          <a:p>
+            <a:pPr marL="685800" indent="-542925">
+              <a:lnSpc>
+                <a:spcPct val="115000"/>
+              </a:lnSpc>
+              <a:spcBef>
+                <a:spcPts val="1125"/>
+              </a:spcBef>
+              <a:buClr>
+                <a:srgbClr val="C00000"/>
+              </a:buClr>
+              <a:buSzPts val="2100"/>
+              <a:buFont typeface="Arial"/>
+              <a:buAutoNum type="arabicPeriod"/>
+            </a:pPr>
+            <a:r>
+              <a:rPr lang="en-US" sz="3600" dirty="0">
+                <a:solidFill>
+                  <a:srgbClr val="C00000"/>
+                </a:solidFill>
+                <a:latin typeface="Pragmatica" panose="020B0403040502020204"/>
+                <a:sym typeface="Consolas"/>
+              </a:rPr>
+              <a:t>Sharing outside your organization</a:t>
+            </a:r>
+          </a:p>
+          <a:p>
+            <a:pPr marL="142875">
+              <a:lnSpc>
+                <a:spcPct val="115000"/>
+              </a:lnSpc>
+              <a:spcBef>
+                <a:spcPts val="1125"/>
+              </a:spcBef>
+              <a:buClr>
+                <a:srgbClr val="C00000"/>
+              </a:buClr>
+              <a:buSzPts val="2100"/>
+            </a:pPr>
+            <a:r>
+              <a:rPr lang="en-US" sz="3600" dirty="0">
+                <a:solidFill>
+                  <a:srgbClr val="C00000"/>
+                </a:solidFill>
+                <a:latin typeface="Pragmatica" panose="020B0403040502020204"/>
+                <a:sym typeface="Consolas"/>
+              </a:rPr>
+              <a:t>File: </a:t>
+            </a:r>
+            <a:r>
+              <a:rPr lang="en-US" sz="3600" dirty="0">
+                <a:solidFill>
+                  <a:srgbClr val="C00000"/>
+                </a:solidFill>
+                <a:latin typeface="Consolas" panose="020B0609020204030204" pitchFamily="49" charset="0"/>
+                <a:sym typeface="Consolas"/>
+              </a:rPr>
+              <a:t>sharing-office-scripts.xlsx</a:t>
+            </a:r>
+          </a:p>
+          <a:p>
+            <a:pPr marL="142875">
+              <a:lnSpc>
+                <a:spcPct val="115000"/>
+              </a:lnSpc>
+              <a:spcBef>
+                <a:spcPts val="1125"/>
+              </a:spcBef>
+              <a:buClr>
+                <a:srgbClr val="C00000"/>
+              </a:buClr>
+              <a:buSzPts val="2100"/>
+            </a:pPr>
+            <a:r>
+              <a:rPr lang="en-US" sz="3600" dirty="0">
+                <a:solidFill>
+                  <a:srgbClr val="CF3338"/>
+                </a:solidFill>
+                <a:latin typeface="Pragmatica" panose="020B0403040502020204"/>
+                <a:sym typeface="Consolas"/>
+              </a:rPr>
+              <a:t>Resource: </a:t>
+            </a:r>
+            <a:r>
+              <a:rPr lang="en-US" sz="3600" dirty="0">
+                <a:solidFill>
+                  <a:srgbClr val="CF3338"/>
+                </a:solidFill>
+                <a:latin typeface="Pragmatica" panose="020B0403040502020204"/>
+                <a:sym typeface="Consolas"/>
+                <a:hlinkClick r:id="rId4">
+                  <a:extLst>
+                    <a:ext uri="{A12FA001-AC4F-418D-AE19-62706E023703}">
+                      <ahyp:hlinkClr xmlns:ahyp="http://schemas.microsoft.com/office/drawing/2018/hyperlinkcolor" val="tx"/>
+                    </a:ext>
+                  </a:extLst>
+                </a:hlinkClick>
+              </a:rPr>
+              <a:t>https://stringfestanalytics.com/office-scripts-for-excel-how-to-share-your-scripts/</a:t>
+            </a:r>
+            <a:r>
+              <a:rPr lang="en-US" sz="3600" dirty="0">
+                <a:solidFill>
+                  <a:srgbClr val="CF3338"/>
+                </a:solidFill>
+                <a:latin typeface="Pragmatica" panose="020B0403040502020204"/>
+                <a:sym typeface="Consolas"/>
+              </a:rPr>
+              <a:t> </a:t>
+            </a:r>
+          </a:p>
+        </p:txBody>
+      </p:sp>
+    </p:spTree>
+    <p:extLst>
+      <p:ext uri="{BB962C8B-B14F-4D97-AF65-F5344CB8AC3E}">
+        <p14:creationId xmlns:p14="http://schemas.microsoft.com/office/powerpoint/2010/main" val="239587627"/>
+      </p:ext>
+    </p:extLst>
+  </p:cSld>
+  <p:clrMapOvr>
+    <a:masterClrMapping/>
+  </p:clrMapOvr>
+</p:sld>
+</file>
+
+<file path=ppt/slides/slide17.xml><?xml version="1.0" encoding="utf-8"?>
 <p:sld xmlns:a="http://schemas.openxmlformats.org/drawingml/2006/main" xmlns:r="http://schemas.openxmlformats.org/officeDocument/2006/relationships" xmlns:p="http://schemas.openxmlformats.org/presentationml/2006/main">
   <p:cSld>
     <p:spTree>
@@ -6291,7 +6115,7 @@
 </p:sld>
 </file>
 
-<file path=ppt/slides/slide17.xml><?xml version="1.0" encoding="utf-8"?>
+<file path=ppt/slides/slide18.xml><?xml version="1.0" encoding="utf-8"?>
 <p:sld xmlns:a="http://schemas.openxmlformats.org/drawingml/2006/main" xmlns:r="http://schemas.openxmlformats.org/officeDocument/2006/relationships" xmlns:p="http://schemas.openxmlformats.org/presentationml/2006/main">
   <p:cSld>
     <p:spTree>
@@ -6837,11 +6661,11 @@
                 </a:solidFill>
                 <a:latin typeface="Pragmatica" panose="020B0403040502020204" pitchFamily="34" charset="0"/>
               </a:rPr>
-              <a:t>Simulating business outcomes with Python in Excel</a:t>
-            </a:r>
-          </a:p>
-          <a:p>
-            <a:pPr marL="1143000" lvl="1" indent="-685800">
+              <a:t>Office Scripts for automation (vs VBA)</a:t>
+            </a:r>
+          </a:p>
+          <a:p>
+            <a:pPr marL="685800" indent="-685800">
               <a:buClr>
                 <a:srgbClr val="CF3338"/>
               </a:buClr>
@@ -6855,11 +6679,11 @@
                 </a:solidFill>
                 <a:latin typeface="Pragmatica" panose="020B0403040502020204" pitchFamily="34" charset="0"/>
               </a:rPr>
-              <a:t>Generating synthetic data with Faker</a:t>
-            </a:r>
-          </a:p>
-          <a:p>
-            <a:pPr marL="1143000" lvl="1" indent="-685800">
+              <a:t>Using the Office Script recorder</a:t>
+            </a:r>
+          </a:p>
+          <a:p>
+            <a:pPr marL="685800" indent="-685800">
               <a:buClr>
                 <a:srgbClr val="CF3338"/>
               </a:buClr>
@@ -6873,7 +6697,25 @@
                 </a:solidFill>
                 <a:latin typeface="Pragmatica" panose="020B0403040502020204" pitchFamily="34" charset="0"/>
               </a:rPr>
-              <a:t>Simulating profit distributions &amp; sales trends with Monte Carlo simulations</a:t>
+              <a:t>Understanding core structure of Office Scripts</a:t>
+            </a:r>
+          </a:p>
+          <a:p>
+            <a:pPr marL="685800" indent="-685800">
+              <a:buClr>
+                <a:srgbClr val="CF3338"/>
+              </a:buClr>
+              <a:buFont typeface="Arial" panose="020B0604020202020204" pitchFamily="34" charset="0"/>
+              <a:buChar char="•"/>
+            </a:pPr>
+            <a:r>
+              <a:rPr lang="en-US" sz="4200" dirty="0">
+                <a:solidFill>
+                  <a:srgbClr val="707070"/>
+                </a:solidFill>
+                <a:latin typeface="Pragmatica" panose="020B0403040502020204" pitchFamily="34" charset="0"/>
+              </a:rPr>
+              <a:t>How to organize, share, execute scripts</a:t>
             </a:r>
           </a:p>
         </p:txBody>
@@ -6932,6 +6774,193 @@
   <p:cSld>
     <p:spTree>
       <p:nvGrpSpPr>
+        <p:cNvPr id="1" name="">
+          <a:extLst>
+            <a:ext uri="{FF2B5EF4-FFF2-40B4-BE49-F238E27FC236}">
+              <a16:creationId xmlns:a16="http://schemas.microsoft.com/office/drawing/2014/main" id="{697E5B28-E999-E4C9-EE02-190DC5195B02}"/>
+            </a:ext>
+          </a:extLst>
+        </p:cNvPr>
+        <p:cNvGrpSpPr/>
+        <p:nvPr/>
+      </p:nvGrpSpPr>
+      <p:grpSpPr>
+        <a:xfrm>
+          <a:off x="0" y="0"/>
+          <a:ext cx="0" cy="0"/>
+          <a:chOff x="0" y="0"/>
+          <a:chExt cx="0" cy="0"/>
+        </a:xfrm>
+      </p:grpSpPr>
+      <p:sp>
+        <p:nvSpPr>
+          <p:cNvPr id="11" name="TextBox 10">
+            <a:extLst>
+              <a:ext uri="{FF2B5EF4-FFF2-40B4-BE49-F238E27FC236}">
+                <a16:creationId xmlns:a16="http://schemas.microsoft.com/office/drawing/2014/main" id="{E0D62066-20E6-099B-56A3-7AD6C4DD4944}"/>
+              </a:ext>
+            </a:extLst>
+          </p:cNvPr>
+          <p:cNvSpPr txBox="1"/>
+          <p:nvPr/>
+        </p:nvSpPr>
+        <p:spPr>
+          <a:xfrm>
+            <a:off x="520861" y="170082"/>
+            <a:ext cx="11979797" cy="1477328"/>
+          </a:xfrm>
+          <a:prstGeom prst="rect">
+            <a:avLst/>
+          </a:prstGeom>
+          <a:noFill/>
+        </p:spPr>
+        <p:txBody>
+          <a:bodyPr wrap="square" rtlCol="0">
+            <a:spAutoFit/>
+          </a:bodyPr>
+          <a:lstStyle/>
+          <a:p>
+            <a:r>
+              <a:rPr lang="en-US" sz="9000" dirty="0">
+                <a:latin typeface="Aliens &amp; cows" panose="00000500000000000000" pitchFamily="2" charset="0"/>
+              </a:rPr>
+              <a:t>Office Scripts availability</a:t>
+            </a:r>
+          </a:p>
+        </p:txBody>
+      </p:sp>
+      <p:sp>
+        <p:nvSpPr>
+          <p:cNvPr id="3" name="TextBox 2">
+            <a:extLst>
+              <a:ext uri="{FF2B5EF4-FFF2-40B4-BE49-F238E27FC236}">
+                <a16:creationId xmlns:a16="http://schemas.microsoft.com/office/drawing/2014/main" id="{7D17241E-EF14-E952-C4E0-0D0F6D522102}"/>
+              </a:ext>
+            </a:extLst>
+          </p:cNvPr>
+          <p:cNvSpPr txBox="1"/>
+          <p:nvPr/>
+        </p:nvSpPr>
+        <p:spPr>
+          <a:xfrm>
+            <a:off x="520861" y="3191948"/>
+            <a:ext cx="14393120" cy="2031325"/>
+          </a:xfrm>
+          <a:prstGeom prst="rect">
+            <a:avLst/>
+          </a:prstGeom>
+          <a:noFill/>
+        </p:spPr>
+        <p:txBody>
+          <a:bodyPr wrap="square" rtlCol="0">
+            <a:spAutoFit/>
+          </a:bodyPr>
+          <a:lstStyle/>
+          <a:p>
+            <a:pPr marL="685800" indent="-685800">
+              <a:buClr>
+                <a:srgbClr val="CF3338"/>
+              </a:buClr>
+              <a:buFont typeface="Arial" panose="020B0604020202020204" pitchFamily="34" charset="0"/>
+              <a:buChar char="•"/>
+            </a:pPr>
+            <a:r>
+              <a:rPr lang="en-US" sz="4200" dirty="0">
+                <a:solidFill>
+                  <a:srgbClr val="707070"/>
+                </a:solidFill>
+                <a:latin typeface="Pragmatica" panose="020B0403040502020204" pitchFamily="34" charset="0"/>
+              </a:rPr>
+              <a:t>Please see </a:t>
+            </a:r>
+            <a:r>
+              <a:rPr lang="en-US" sz="4200" dirty="0">
+                <a:solidFill>
+                  <a:srgbClr val="707070"/>
+                </a:solidFill>
+                <a:latin typeface="Pragmatica" panose="020B0403040502020204" pitchFamily="34" charset="0"/>
+                <a:hlinkClick r:id="rId2"/>
+              </a:rPr>
+              <a:t>https://learn.microsoft.com/en-us/office/dev/scripts/testing/platform-limits?tabs=business</a:t>
+            </a:r>
+            <a:endParaRPr lang="en-US" sz="4200" dirty="0">
+              <a:solidFill>
+                <a:srgbClr val="707070"/>
+              </a:solidFill>
+              <a:latin typeface="Pragmatica" panose="020B0403040502020204" pitchFamily="34" charset="0"/>
+            </a:endParaRPr>
+          </a:p>
+          <a:p>
+            <a:pPr marL="1143000" lvl="1" indent="-685800">
+              <a:buClr>
+                <a:srgbClr val="CF3338"/>
+              </a:buClr>
+              <a:buFont typeface="Arial" panose="020B0604020202020204" pitchFamily="34" charset="0"/>
+              <a:buChar char="•"/>
+            </a:pPr>
+            <a:endParaRPr lang="en-US" sz="4200" dirty="0">
+              <a:solidFill>
+                <a:srgbClr val="707070"/>
+              </a:solidFill>
+              <a:latin typeface="Pragmatica" panose="020B0403040502020204" pitchFamily="34" charset="0"/>
+            </a:endParaRPr>
+          </a:p>
+        </p:txBody>
+      </p:sp>
+      <p:pic>
+        <p:nvPicPr>
+          <p:cNvPr id="15" name="Picture 14" descr="A close up of a sign&#10;&#10;Description automatically generated">
+            <a:extLst>
+              <a:ext uri="{FF2B5EF4-FFF2-40B4-BE49-F238E27FC236}">
+                <a16:creationId xmlns:a16="http://schemas.microsoft.com/office/drawing/2014/main" id="{9BA6E79F-3CBC-EC9B-079E-6736C36D9EF2}"/>
+              </a:ext>
+            </a:extLst>
+          </p:cNvPr>
+          <p:cNvPicPr>
+            <a:picLocks noChangeAspect="1"/>
+          </p:cNvPicPr>
+          <p:nvPr/>
+        </p:nvPicPr>
+        <p:blipFill>
+          <a:blip r:embed="rId3">
+            <a:extLst>
+              <a:ext uri="{28A0092B-C50C-407E-A947-70E740481C1C}">
+                <a14:useLocalDpi xmlns:a14="http://schemas.microsoft.com/office/drawing/2010/main" val="0"/>
+              </a:ext>
+            </a:extLst>
+          </a:blip>
+          <a:stretch>
+            <a:fillRect/>
+          </a:stretch>
+        </p:blipFill>
+        <p:spPr>
+          <a:xfrm>
+            <a:off x="16341036" y="8058429"/>
+            <a:ext cx="1942857" cy="2228571"/>
+          </a:xfrm>
+          <a:prstGeom prst="rect">
+            <a:avLst/>
+          </a:prstGeom>
+        </p:spPr>
+      </p:pic>
+    </p:spTree>
+    <p:extLst>
+      <p:ext uri="{BB962C8B-B14F-4D97-AF65-F5344CB8AC3E}">
+        <p14:creationId xmlns:p14="http://schemas.microsoft.com/office/powerpoint/2010/main" val="1950870612"/>
+      </p:ext>
+    </p:extLst>
+  </p:cSld>
+  <p:clrMapOvr>
+    <a:masterClrMapping/>
+  </p:clrMapOvr>
+</p:sld>
+</file>
+
+<file path=ppt/slides/slide5.xml><?xml version="1.0" encoding="utf-8"?>
+<p:sld xmlns:a="http://schemas.openxmlformats.org/drawingml/2006/main" xmlns:r="http://schemas.openxmlformats.org/officeDocument/2006/relationships" xmlns:p="http://schemas.openxmlformats.org/presentationml/2006/main">
+  <p:cSld>
+    <p:spTree>
+      <p:nvGrpSpPr>
         <p:cNvPr id="1" name=""/>
         <p:cNvGrpSpPr/>
         <p:nvPr/>
@@ -6999,7 +7028,7 @@
         <p:spPr>
           <a:xfrm>
             <a:off x="781292" y="590309"/>
-            <a:ext cx="15486926" cy="3139321"/>
+            <a:ext cx="15486926" cy="1615827"/>
           </a:xfrm>
           <a:prstGeom prst="rect">
             <a:avLst/>
@@ -7019,7 +7048,7 @@
                 </a:solidFill>
                 <a:latin typeface="Normafixed Tryout" panose="00000409000000000000" pitchFamily="49" charset="0"/>
               </a:rPr>
-              <a:t>1. Synthetic data simulation with Faker</a:t>
+              <a:t>Office Scripts vs VBA</a:t>
             </a:r>
           </a:p>
         </p:txBody>
@@ -7028,253 +7057,6 @@
     <p:extLst>
       <p:ext uri="{BB962C8B-B14F-4D97-AF65-F5344CB8AC3E}">
         <p14:creationId xmlns:p14="http://schemas.microsoft.com/office/powerpoint/2010/main" val="3953945792"/>
-      </p:ext>
-    </p:extLst>
-  </p:cSld>
-  <p:clrMapOvr>
-    <a:masterClrMapping/>
-  </p:clrMapOvr>
-</p:sld>
-</file>
-
-<file path=ppt/slides/slide5.xml><?xml version="1.0" encoding="utf-8"?>
-<p:sld xmlns:a="http://schemas.openxmlformats.org/drawingml/2006/main" xmlns:r="http://schemas.openxmlformats.org/officeDocument/2006/relationships" xmlns:p="http://schemas.openxmlformats.org/presentationml/2006/main">
-  <p:cSld>
-    <p:spTree>
-      <p:nvGrpSpPr>
-        <p:cNvPr id="1" name=""/>
-        <p:cNvGrpSpPr/>
-        <p:nvPr/>
-      </p:nvGrpSpPr>
-      <p:grpSpPr>
-        <a:xfrm>
-          <a:off x="0" y="0"/>
-          <a:ext cx="0" cy="0"/>
-          <a:chOff x="0" y="0"/>
-          <a:chExt cx="0" cy="0"/>
-        </a:xfrm>
-      </p:grpSpPr>
-      <p:sp>
-        <p:nvSpPr>
-          <p:cNvPr id="4" name="Rectangle 3"/>
-          <p:cNvSpPr/>
-          <p:nvPr/>
-        </p:nvSpPr>
-        <p:spPr>
-          <a:xfrm>
-            <a:off x="9861630" y="0"/>
-            <a:ext cx="8426370" cy="10287000"/>
-          </a:xfrm>
-          <a:prstGeom prst="rect">
-            <a:avLst/>
-          </a:prstGeom>
-          <a:solidFill>
-            <a:srgbClr val="CF3338"/>
-          </a:solidFill>
-          <a:ln>
-            <a:noFill/>
-          </a:ln>
-        </p:spPr>
-        <p:style>
-          <a:lnRef idx="2">
-            <a:schemeClr val="accent1">
-              <a:shade val="50000"/>
-            </a:schemeClr>
-          </a:lnRef>
-          <a:fillRef idx="1">
-            <a:schemeClr val="accent1"/>
-          </a:fillRef>
-          <a:effectRef idx="0">
-            <a:schemeClr val="accent1"/>
-          </a:effectRef>
-          <a:fontRef idx="minor">
-            <a:schemeClr val="lt1"/>
-          </a:fontRef>
-        </p:style>
-        <p:txBody>
-          <a:bodyPr rtlCol="0" anchor="ctr"/>
-          <a:lstStyle/>
-          <a:p>
-            <a:pPr algn="ctr"/>
-            <a:endParaRPr lang="en-US" sz="2700"/>
-          </a:p>
-        </p:txBody>
-      </p:sp>
-      <p:pic>
-        <p:nvPicPr>
-          <p:cNvPr id="2" name="Picture 1"/>
-          <p:cNvPicPr>
-            <a:picLocks noChangeAspect="1"/>
-          </p:cNvPicPr>
-          <p:nvPr/>
-        </p:nvPicPr>
-        <p:blipFill rotWithShape="1">
-          <a:blip r:embed="rId3">
-            <a:extLst>
-              <a:ext uri="{28A0092B-C50C-407E-A947-70E740481C1C}">
-                <a14:useLocalDpi xmlns:a14="http://schemas.microsoft.com/office/drawing/2010/main" val="0"/>
-              </a:ext>
-            </a:extLst>
-          </a:blip>
-          <a:srcRect l="69227" t="33418" r="20112" b="50548"/>
-          <a:stretch/>
-        </p:blipFill>
-        <p:spPr>
-          <a:xfrm>
-            <a:off x="15579524" y="7544693"/>
-            <a:ext cx="2708477" cy="2987579"/>
-          </a:xfrm>
-          <a:prstGeom prst="rect">
-            <a:avLst/>
-          </a:prstGeom>
-        </p:spPr>
-      </p:pic>
-      <p:sp>
-        <p:nvSpPr>
-          <p:cNvPr id="3" name="TextBox 2"/>
-          <p:cNvSpPr txBox="1"/>
-          <p:nvPr/>
-        </p:nvSpPr>
-        <p:spPr>
-          <a:xfrm>
-            <a:off x="260431" y="329879"/>
-            <a:ext cx="8906720" cy="6480236"/>
-          </a:xfrm>
-          <a:prstGeom prst="rect">
-            <a:avLst/>
-          </a:prstGeom>
-          <a:noFill/>
-        </p:spPr>
-        <p:txBody>
-          <a:bodyPr wrap="square" rtlCol="0">
-            <a:spAutoFit/>
-          </a:bodyPr>
-          <a:lstStyle/>
-          <a:p>
-            <a:r>
-              <a:rPr lang="en-US" sz="6000" b="1" dirty="0">
-                <a:solidFill>
-                  <a:srgbClr val="CF3338"/>
-                </a:solidFill>
-                <a:latin typeface="Pragmatica" panose="020B0403040502020204" pitchFamily="34" charset="0"/>
-              </a:rPr>
-              <a:t>Synthetic data simulation with Faker</a:t>
-            </a:r>
-          </a:p>
-          <a:p>
-            <a:endParaRPr lang="en-US" sz="4200" dirty="0">
-              <a:solidFill>
-                <a:srgbClr val="CF3338"/>
-              </a:solidFill>
-              <a:latin typeface="Pragmatica" panose="020B0403040502020204" pitchFamily="34" charset="0"/>
-            </a:endParaRPr>
-          </a:p>
-          <a:p>
-            <a:pPr marL="685800" indent="-542925">
-              <a:lnSpc>
-                <a:spcPct val="115000"/>
-              </a:lnSpc>
-              <a:spcBef>
-                <a:spcPts val="1125"/>
-              </a:spcBef>
-              <a:buClr>
-                <a:srgbClr val="C00000"/>
-              </a:buClr>
-              <a:buSzPts val="2100"/>
-              <a:buFont typeface="Arial"/>
-              <a:buAutoNum type="arabicPeriod"/>
-            </a:pPr>
-            <a:r>
-              <a:rPr lang="en-US" sz="3600" dirty="0">
-                <a:solidFill>
-                  <a:srgbClr val="C00000"/>
-                </a:solidFill>
-                <a:latin typeface="Pragmatica" panose="020B0403040502020204"/>
-                <a:sym typeface="Consolas"/>
-              </a:rPr>
-              <a:t>Creating synthetic cells, ranges &amp; tables with categorical &amp; quantitative data</a:t>
-            </a:r>
-          </a:p>
-          <a:p>
-            <a:pPr marL="685800" indent="-542925">
-              <a:lnSpc>
-                <a:spcPct val="115000"/>
-              </a:lnSpc>
-              <a:spcBef>
-                <a:spcPts val="1125"/>
-              </a:spcBef>
-              <a:buClr>
-                <a:srgbClr val="C00000"/>
-              </a:buClr>
-              <a:buSzPts val="2100"/>
-              <a:buFont typeface="Arial"/>
-              <a:buAutoNum type="arabicPeriod"/>
-            </a:pPr>
-            <a:r>
-              <a:rPr lang="en-US" sz="3600" dirty="0">
-                <a:solidFill>
-                  <a:srgbClr val="C00000"/>
-                </a:solidFill>
-                <a:latin typeface="Pragmatica" panose="020B0403040502020204"/>
-                <a:sym typeface="Consolas"/>
-              </a:rPr>
-              <a:t>Setting the seed for reproducibility</a:t>
-            </a:r>
-          </a:p>
-          <a:p>
-            <a:pPr marL="142875">
-              <a:lnSpc>
-                <a:spcPct val="115000"/>
-              </a:lnSpc>
-              <a:spcBef>
-                <a:spcPts val="1125"/>
-              </a:spcBef>
-              <a:buClr>
-                <a:srgbClr val="C00000"/>
-              </a:buClr>
-              <a:buSzPts val="2100"/>
-            </a:pPr>
-            <a:r>
-              <a:rPr lang="en-US" sz="3600" dirty="0">
-                <a:solidFill>
-                  <a:srgbClr val="C00000"/>
-                </a:solidFill>
-                <a:latin typeface="Pragmatica" panose="020B0403040502020204"/>
-                <a:sym typeface="Consolas"/>
-              </a:rPr>
-              <a:t>File: </a:t>
-            </a:r>
-            <a:r>
-              <a:rPr lang="en-US" sz="3600" dirty="0">
-                <a:solidFill>
-                  <a:srgbClr val="C00000"/>
-                </a:solidFill>
-                <a:latin typeface="Consolas" panose="020B0609020204030204" pitchFamily="49" charset="0"/>
-                <a:sym typeface="Consolas"/>
-              </a:rPr>
-              <a:t>monte-carlo-demos.xlsx</a:t>
-            </a:r>
-            <a:endParaRPr lang="en-US" sz="6000" dirty="0">
-              <a:solidFill>
-                <a:srgbClr val="CF3338"/>
-              </a:solidFill>
-              <a:latin typeface="Consolas" panose="020B0609020204030204" pitchFamily="49" charset="0"/>
-            </a:endParaRPr>
-          </a:p>
-          <a:p>
-            <a:endParaRPr lang="en-US" sz="6000" dirty="0">
-              <a:solidFill>
-                <a:srgbClr val="CF3338"/>
-              </a:solidFill>
-              <a:latin typeface="Pragmatica" panose="020B0403040502020204" pitchFamily="34" charset="0"/>
-            </a:endParaRPr>
-          </a:p>
-        </p:txBody>
-      </p:sp>
-    </p:spTree>
-    <p:extLst>
-      <p:ext uri="{BB962C8B-B14F-4D97-AF65-F5344CB8AC3E}">
-        <p14:creationId xmlns:p14="http://schemas.microsoft.com/office/powerpoint/2010/main" val="3871531779"/>
       </p:ext>
     </p:extLst>
   </p:cSld>
@@ -7289,7 +7071,13 @@
   <p:cSld>
     <p:spTree>
       <p:nvGrpSpPr>
-        <p:cNvPr id="1" name=""/>
+        <p:cNvPr id="1" name="">
+          <a:extLst>
+            <a:ext uri="{FF2B5EF4-FFF2-40B4-BE49-F238E27FC236}">
+              <a16:creationId xmlns:a16="http://schemas.microsoft.com/office/drawing/2014/main" id="{82944FF4-22E1-65B9-1763-DB0B5F46C5B0}"/>
+            </a:ext>
+          </a:extLst>
+        </p:cNvPr>
         <p:cNvGrpSpPr/>
         <p:nvPr/>
       </p:nvGrpSpPr>
@@ -7303,89 +7091,20 @@
       </p:grpSpPr>
       <p:sp>
         <p:nvSpPr>
-          <p:cNvPr id="4" name="Rectangle 3"/>
-          <p:cNvSpPr/>
+          <p:cNvPr id="11" name="TextBox 10">
+            <a:extLst>
+              <a:ext uri="{FF2B5EF4-FFF2-40B4-BE49-F238E27FC236}">
+                <a16:creationId xmlns:a16="http://schemas.microsoft.com/office/drawing/2014/main" id="{71CC46B0-42ED-FA16-D3F6-F581B0F811A7}"/>
+              </a:ext>
+            </a:extLst>
+          </p:cNvPr>
+          <p:cNvSpPr txBox="1"/>
           <p:nvPr/>
         </p:nvSpPr>
         <p:spPr>
           <a:xfrm>
-            <a:off x="9861630" y="0"/>
-            <a:ext cx="8426370" cy="10287000"/>
-          </a:xfrm>
-          <a:prstGeom prst="rect">
-            <a:avLst/>
-          </a:prstGeom>
-          <a:solidFill>
-            <a:srgbClr val="CF3338"/>
-          </a:solidFill>
-          <a:ln>
-            <a:noFill/>
-          </a:ln>
-        </p:spPr>
-        <p:style>
-          <a:lnRef idx="2">
-            <a:schemeClr val="accent1">
-              <a:shade val="50000"/>
-            </a:schemeClr>
-          </a:lnRef>
-          <a:fillRef idx="1">
-            <a:schemeClr val="accent1"/>
-          </a:fillRef>
-          <a:effectRef idx="0">
-            <a:schemeClr val="accent1"/>
-          </a:effectRef>
-          <a:fontRef idx="minor">
-            <a:schemeClr val="lt1"/>
-          </a:fontRef>
-        </p:style>
-        <p:txBody>
-          <a:bodyPr rtlCol="0" anchor="ctr"/>
-          <a:lstStyle/>
-          <a:p>
-            <a:pPr algn="ctr"/>
-            <a:endParaRPr lang="en-US" sz="2700"/>
-          </a:p>
-        </p:txBody>
-      </p:sp>
-      <p:pic>
-        <p:nvPicPr>
-          <p:cNvPr id="2" name="Picture 1"/>
-          <p:cNvPicPr>
-            <a:picLocks noChangeAspect="1"/>
-          </p:cNvPicPr>
-          <p:nvPr/>
-        </p:nvPicPr>
-        <p:blipFill rotWithShape="1">
-          <a:blip r:embed="rId3">
-            <a:extLst>
-              <a:ext uri="{28A0092B-C50C-407E-A947-70E740481C1C}">
-                <a14:useLocalDpi xmlns:a14="http://schemas.microsoft.com/office/drawing/2010/main" val="0"/>
-              </a:ext>
-            </a:extLst>
-          </a:blip>
-          <a:srcRect l="69227" t="33418" r="20112" b="50548"/>
-          <a:stretch/>
-        </p:blipFill>
-        <p:spPr>
-          <a:xfrm>
-            <a:off x="15579524" y="7544693"/>
-            <a:ext cx="2708477" cy="2987579"/>
-          </a:xfrm>
-          <a:prstGeom prst="rect">
-            <a:avLst/>
-          </a:prstGeom>
-        </p:spPr>
-      </p:pic>
-      <p:sp>
-        <p:nvSpPr>
-          <p:cNvPr id="3" name="TextBox 2"/>
-          <p:cNvSpPr txBox="1"/>
-          <p:nvPr/>
-        </p:nvSpPr>
-        <p:spPr>
-          <a:xfrm>
-            <a:off x="260431" y="329879"/>
-            <a:ext cx="8906720" cy="10052495"/>
+            <a:off x="520861" y="170082"/>
+            <a:ext cx="11979797" cy="1477328"/>
           </a:xfrm>
           <a:prstGeom prst="rect">
             <a:avLst/>
@@ -7399,488 +7118,1802 @@
           <a:lstStyle/>
           <a:p>
             <a:r>
-              <a:rPr lang="en-US" sz="6000" b="1" dirty="0">
+              <a:rPr lang="en-US" sz="9000" dirty="0">
+                <a:latin typeface="Aliens &amp; cows" panose="00000500000000000000" pitchFamily="2" charset="0"/>
+              </a:rPr>
+              <a:t>Office Scripts vs VBA</a:t>
+            </a:r>
+          </a:p>
+        </p:txBody>
+      </p:sp>
+      <p:pic>
+        <p:nvPicPr>
+          <p:cNvPr id="15" name="Picture 14" descr="A close up of a sign&#10;&#10;Description automatically generated">
+            <a:extLst>
+              <a:ext uri="{FF2B5EF4-FFF2-40B4-BE49-F238E27FC236}">
+                <a16:creationId xmlns:a16="http://schemas.microsoft.com/office/drawing/2014/main" id="{4FEB4E79-811F-D210-5A4C-5BAE5E94C6DA}"/>
+              </a:ext>
+            </a:extLst>
+          </p:cNvPr>
+          <p:cNvPicPr>
+            <a:picLocks noChangeAspect="1"/>
+          </p:cNvPicPr>
+          <p:nvPr/>
+        </p:nvPicPr>
+        <p:blipFill>
+          <a:blip r:embed="rId2">
+            <a:extLst>
+              <a:ext uri="{28A0092B-C50C-407E-A947-70E740481C1C}">
+                <a14:useLocalDpi xmlns:a14="http://schemas.microsoft.com/office/drawing/2010/main" val="0"/>
+              </a:ext>
+            </a:extLst>
+          </a:blip>
+          <a:stretch>
+            <a:fillRect/>
+          </a:stretch>
+        </p:blipFill>
+        <p:spPr>
+          <a:xfrm>
+            <a:off x="16341036" y="8058429"/>
+            <a:ext cx="1942857" cy="2228571"/>
+          </a:xfrm>
+          <a:prstGeom prst="rect">
+            <a:avLst/>
+          </a:prstGeom>
+        </p:spPr>
+      </p:pic>
+      <p:graphicFrame>
+        <p:nvGraphicFramePr>
+          <p:cNvPr id="10" name="Table 9">
+            <a:extLst>
+              <a:ext uri="{FF2B5EF4-FFF2-40B4-BE49-F238E27FC236}">
+                <a16:creationId xmlns:a16="http://schemas.microsoft.com/office/drawing/2014/main" id="{325AC6D7-1EB1-297F-4633-FE52904DBACF}"/>
+              </a:ext>
+            </a:extLst>
+          </p:cNvPr>
+          <p:cNvGraphicFramePr>
+            <a:graphicFrameLocks noGrp="1"/>
+          </p:cNvGraphicFramePr>
+          <p:nvPr>
+            <p:extLst>
+              <p:ext uri="{D42A27DB-BD31-4B8C-83A1-F6EECF244321}">
+                <p14:modId xmlns:p14="http://schemas.microsoft.com/office/powerpoint/2010/main" val="456647001"/>
+              </p:ext>
+            </p:extLst>
+          </p:nvPr>
+        </p:nvGraphicFramePr>
+        <p:xfrm>
+          <a:off x="762000" y="2051916"/>
+          <a:ext cx="15925800" cy="7227185"/>
+        </p:xfrm>
+        <a:graphic>
+          <a:graphicData uri="http://schemas.openxmlformats.org/drawingml/2006/table">
+            <a:tbl>
+              <a:tblPr firstRow="1" firstCol="1" bandRow="1"/>
+              <a:tblGrid>
+                <a:gridCol w="5308600">
+                  <a:extLst>
+                    <a:ext uri="{9D8B030D-6E8A-4147-A177-3AD203B41FA5}">
+                      <a16:colId xmlns:a16="http://schemas.microsoft.com/office/drawing/2014/main" val="2847581112"/>
+                    </a:ext>
+                  </a:extLst>
+                </a:gridCol>
+                <a:gridCol w="5308600">
+                  <a:extLst>
+                    <a:ext uri="{9D8B030D-6E8A-4147-A177-3AD203B41FA5}">
+                      <a16:colId xmlns:a16="http://schemas.microsoft.com/office/drawing/2014/main" val="926590638"/>
+                    </a:ext>
+                  </a:extLst>
+                </a:gridCol>
+                <a:gridCol w="5308600">
+                  <a:extLst>
+                    <a:ext uri="{9D8B030D-6E8A-4147-A177-3AD203B41FA5}">
+                      <a16:colId xmlns:a16="http://schemas.microsoft.com/office/drawing/2014/main" val="1714685041"/>
+                    </a:ext>
+                  </a:extLst>
+                </a:gridCol>
+              </a:tblGrid>
+              <a:tr h="557285">
+                <a:tc>
+                  <a:txBody>
+                    <a:bodyPr/>
+                    <a:lstStyle/>
+                    <a:p>
+                      <a:pPr marL="0" marR="0">
+                        <a:lnSpc>
+                          <a:spcPct val="115000"/>
+                        </a:lnSpc>
+                        <a:spcAft>
+                          <a:spcPts val="800"/>
+                        </a:spcAft>
+                      </a:pPr>
+                      <a:r>
+                        <a:rPr lang="en-US" sz="2400" b="1" kern="100">
+                          <a:solidFill>
+                            <a:srgbClr val="000000"/>
+                          </a:solidFill>
+                          <a:effectLst/>
+                          <a:latin typeface="Aptos" panose="020B0004020202020204" pitchFamily="34" charset="0"/>
+                          <a:ea typeface="Aptos" panose="020B0004020202020204" pitchFamily="34" charset="0"/>
+                          <a:cs typeface="Times New Roman" panose="02020603050405020304" pitchFamily="18" charset="0"/>
+                        </a:rPr>
+                        <a:t>Aspect</a:t>
+                      </a:r>
+                      <a:endParaRPr lang="en-US" sz="2400" kern="100">
+                        <a:effectLst/>
+                        <a:latin typeface="Aptos" panose="020B0004020202020204" pitchFamily="34" charset="0"/>
+                        <a:ea typeface="Aptos" panose="020B0004020202020204" pitchFamily="34" charset="0"/>
+                        <a:cs typeface="Times New Roman" panose="02020603050405020304" pitchFamily="18" charset="0"/>
+                      </a:endParaRPr>
+                    </a:p>
+                  </a:txBody>
+                  <a:tcPr marL="75479" marR="75479" marT="75479" marB="75479" anchor="ctr">
+                    <a:lnL w="12700" cap="flat" cmpd="sng" algn="ctr">
+                      <a:solidFill>
+                        <a:srgbClr val="000000"/>
+                      </a:solidFill>
+                      <a:prstDash val="solid"/>
+                      <a:round/>
+                      <a:headEnd type="none" w="med" len="med"/>
+                      <a:tailEnd type="none" w="med" len="med"/>
+                    </a:lnL>
+                    <a:lnR w="12700" cap="flat" cmpd="sng" algn="ctr">
+                      <a:solidFill>
+                        <a:srgbClr val="000000"/>
+                      </a:solidFill>
+                      <a:prstDash val="solid"/>
+                      <a:round/>
+                      <a:headEnd type="none" w="med" len="med"/>
+                      <a:tailEnd type="none" w="med" len="med"/>
+                    </a:lnR>
+                    <a:lnT w="12700" cap="flat" cmpd="sng" algn="ctr">
+                      <a:solidFill>
+                        <a:srgbClr val="000000"/>
+                      </a:solidFill>
+                      <a:prstDash val="solid"/>
+                      <a:round/>
+                      <a:headEnd type="none" w="med" len="med"/>
+                      <a:tailEnd type="none" w="med" len="med"/>
+                    </a:lnT>
+                    <a:lnB w="12700" cap="flat" cmpd="sng" algn="ctr">
+                      <a:solidFill>
+                        <a:srgbClr val="000000"/>
+                      </a:solidFill>
+                      <a:prstDash val="solid"/>
+                      <a:round/>
+                      <a:headEnd type="none" w="med" len="med"/>
+                      <a:tailEnd type="none" w="med" len="med"/>
+                    </a:lnB>
+                    <a:solidFill>
+                      <a:srgbClr val="FFFFFF"/>
+                    </a:solidFill>
+                  </a:tcPr>
+                </a:tc>
+                <a:tc>
+                  <a:txBody>
+                    <a:bodyPr/>
+                    <a:lstStyle/>
+                    <a:p>
+                      <a:pPr marL="0" marR="0">
+                        <a:lnSpc>
+                          <a:spcPct val="115000"/>
+                        </a:lnSpc>
+                        <a:spcAft>
+                          <a:spcPts val="800"/>
+                        </a:spcAft>
+                      </a:pPr>
+                      <a:r>
+                        <a:rPr lang="en-US" sz="2400" b="1" kern="100">
+                          <a:solidFill>
+                            <a:srgbClr val="000000"/>
+                          </a:solidFill>
+                          <a:effectLst/>
+                          <a:latin typeface="Aptos" panose="020B0004020202020204" pitchFamily="34" charset="0"/>
+                          <a:ea typeface="Aptos" panose="020B0004020202020204" pitchFamily="34" charset="0"/>
+                          <a:cs typeface="Times New Roman" panose="02020603050405020304" pitchFamily="18" charset="0"/>
+                        </a:rPr>
+                        <a:t>Office Scripts</a:t>
+                      </a:r>
+                      <a:endParaRPr lang="en-US" sz="2400" kern="100">
+                        <a:effectLst/>
+                        <a:latin typeface="Aptos" panose="020B0004020202020204" pitchFamily="34" charset="0"/>
+                        <a:ea typeface="Aptos" panose="020B0004020202020204" pitchFamily="34" charset="0"/>
+                        <a:cs typeface="Times New Roman" panose="02020603050405020304" pitchFamily="18" charset="0"/>
+                      </a:endParaRPr>
+                    </a:p>
+                  </a:txBody>
+                  <a:tcPr marL="75479" marR="75479" marT="75479" marB="75479" anchor="ctr">
+                    <a:lnL w="12700" cap="flat" cmpd="sng" algn="ctr">
+                      <a:solidFill>
+                        <a:srgbClr val="000000"/>
+                      </a:solidFill>
+                      <a:prstDash val="solid"/>
+                      <a:round/>
+                      <a:headEnd type="none" w="med" len="med"/>
+                      <a:tailEnd type="none" w="med" len="med"/>
+                    </a:lnL>
+                    <a:lnR w="12700" cap="flat" cmpd="sng" algn="ctr">
+                      <a:solidFill>
+                        <a:srgbClr val="000000"/>
+                      </a:solidFill>
+                      <a:prstDash val="solid"/>
+                      <a:round/>
+                      <a:headEnd type="none" w="med" len="med"/>
+                      <a:tailEnd type="none" w="med" len="med"/>
+                    </a:lnR>
+                    <a:lnT w="12700" cap="flat" cmpd="sng" algn="ctr">
+                      <a:solidFill>
+                        <a:srgbClr val="000000"/>
+                      </a:solidFill>
+                      <a:prstDash val="solid"/>
+                      <a:round/>
+                      <a:headEnd type="none" w="med" len="med"/>
+                      <a:tailEnd type="none" w="med" len="med"/>
+                    </a:lnT>
+                    <a:lnB w="12700" cap="flat" cmpd="sng" algn="ctr">
+                      <a:solidFill>
+                        <a:srgbClr val="000000"/>
+                      </a:solidFill>
+                      <a:prstDash val="solid"/>
+                      <a:round/>
+                      <a:headEnd type="none" w="med" len="med"/>
+                      <a:tailEnd type="none" w="med" len="med"/>
+                    </a:lnB>
+                    <a:solidFill>
+                      <a:srgbClr val="FFFFFF"/>
+                    </a:solidFill>
+                  </a:tcPr>
+                </a:tc>
+                <a:tc>
+                  <a:txBody>
+                    <a:bodyPr/>
+                    <a:lstStyle/>
+                    <a:p>
+                      <a:pPr marL="0" marR="0">
+                        <a:lnSpc>
+                          <a:spcPct val="115000"/>
+                        </a:lnSpc>
+                        <a:spcAft>
+                          <a:spcPts val="800"/>
+                        </a:spcAft>
+                      </a:pPr>
+                      <a:r>
+                        <a:rPr lang="en-US" sz="2400" b="1" kern="100">
+                          <a:solidFill>
+                            <a:srgbClr val="000000"/>
+                          </a:solidFill>
+                          <a:effectLst/>
+                          <a:latin typeface="Aptos" panose="020B0004020202020204" pitchFamily="34" charset="0"/>
+                          <a:ea typeface="Aptos" panose="020B0004020202020204" pitchFamily="34" charset="0"/>
+                          <a:cs typeface="Times New Roman" panose="02020603050405020304" pitchFamily="18" charset="0"/>
+                        </a:rPr>
+                        <a:t>VBA (Visual Basic for Applications)</a:t>
+                      </a:r>
+                      <a:endParaRPr lang="en-US" sz="2400" kern="100">
+                        <a:effectLst/>
+                        <a:latin typeface="Aptos" panose="020B0004020202020204" pitchFamily="34" charset="0"/>
+                        <a:ea typeface="Aptos" panose="020B0004020202020204" pitchFamily="34" charset="0"/>
+                        <a:cs typeface="Times New Roman" panose="02020603050405020304" pitchFamily="18" charset="0"/>
+                      </a:endParaRPr>
+                    </a:p>
+                  </a:txBody>
+                  <a:tcPr marL="75479" marR="75479" marT="75479" marB="75479" anchor="ctr">
+                    <a:lnL w="12700" cap="flat" cmpd="sng" algn="ctr">
+                      <a:solidFill>
+                        <a:srgbClr val="000000"/>
+                      </a:solidFill>
+                      <a:prstDash val="solid"/>
+                      <a:round/>
+                      <a:headEnd type="none" w="med" len="med"/>
+                      <a:tailEnd type="none" w="med" len="med"/>
+                    </a:lnL>
+                    <a:lnR w="12700" cap="flat" cmpd="sng" algn="ctr">
+                      <a:solidFill>
+                        <a:srgbClr val="000000"/>
+                      </a:solidFill>
+                      <a:prstDash val="solid"/>
+                      <a:round/>
+                      <a:headEnd type="none" w="med" len="med"/>
+                      <a:tailEnd type="none" w="med" len="med"/>
+                    </a:lnR>
+                    <a:lnT w="12700" cap="flat" cmpd="sng" algn="ctr">
+                      <a:solidFill>
+                        <a:srgbClr val="000000"/>
+                      </a:solidFill>
+                      <a:prstDash val="solid"/>
+                      <a:round/>
+                      <a:headEnd type="none" w="med" len="med"/>
+                      <a:tailEnd type="none" w="med" len="med"/>
+                    </a:lnT>
+                    <a:lnB w="12700" cap="flat" cmpd="sng" algn="ctr">
+                      <a:solidFill>
+                        <a:srgbClr val="000000"/>
+                      </a:solidFill>
+                      <a:prstDash val="solid"/>
+                      <a:round/>
+                      <a:headEnd type="none" w="med" len="med"/>
+                      <a:tailEnd type="none" w="med" len="med"/>
+                    </a:lnB>
+                    <a:solidFill>
+                      <a:srgbClr val="FFFFFF"/>
+                    </a:solidFill>
+                  </a:tcPr>
+                </a:tc>
+                <a:extLst>
+                  <a:ext uri="{0D108BD9-81ED-4DB2-BD59-A6C34878D82A}">
+                    <a16:rowId xmlns:a16="http://schemas.microsoft.com/office/drawing/2014/main" val="230639206"/>
+                  </a:ext>
+                </a:extLst>
+              </a:tr>
+              <a:tr h="557285">
+                <a:tc>
+                  <a:txBody>
+                    <a:bodyPr/>
+                    <a:lstStyle/>
+                    <a:p>
+                      <a:pPr marL="0" marR="0">
+                        <a:lnSpc>
+                          <a:spcPct val="115000"/>
+                        </a:lnSpc>
+                        <a:spcAft>
+                          <a:spcPts val="800"/>
+                        </a:spcAft>
+                      </a:pPr>
+                      <a:r>
+                        <a:rPr lang="en-US" sz="2400" b="1" kern="100">
+                          <a:solidFill>
+                            <a:srgbClr val="000000"/>
+                          </a:solidFill>
+                          <a:effectLst/>
+                          <a:latin typeface="Aptos" panose="020B0004020202020204" pitchFamily="34" charset="0"/>
+                          <a:ea typeface="Aptos" panose="020B0004020202020204" pitchFamily="34" charset="0"/>
+                          <a:cs typeface="Times New Roman" panose="02020603050405020304" pitchFamily="18" charset="0"/>
+                        </a:rPr>
+                        <a:t>Platform Compatibility</a:t>
+                      </a:r>
+                      <a:endParaRPr lang="en-US" sz="2400" kern="100">
+                        <a:effectLst/>
+                        <a:latin typeface="Aptos" panose="020B0004020202020204" pitchFamily="34" charset="0"/>
+                        <a:ea typeface="Aptos" panose="020B0004020202020204" pitchFamily="34" charset="0"/>
+                        <a:cs typeface="Times New Roman" panose="02020603050405020304" pitchFamily="18" charset="0"/>
+                      </a:endParaRPr>
+                    </a:p>
+                  </a:txBody>
+                  <a:tcPr marL="75479" marR="75479" marT="75479" marB="75479" anchor="ctr">
+                    <a:lnL w="12700" cap="flat" cmpd="sng" algn="ctr">
+                      <a:solidFill>
+                        <a:srgbClr val="000000"/>
+                      </a:solidFill>
+                      <a:prstDash val="solid"/>
+                      <a:round/>
+                      <a:headEnd type="none" w="med" len="med"/>
+                      <a:tailEnd type="none" w="med" len="med"/>
+                    </a:lnL>
+                    <a:lnR w="12700" cap="flat" cmpd="sng" algn="ctr">
+                      <a:solidFill>
+                        <a:srgbClr val="000000"/>
+                      </a:solidFill>
+                      <a:prstDash val="solid"/>
+                      <a:round/>
+                      <a:headEnd type="none" w="med" len="med"/>
+                      <a:tailEnd type="none" w="med" len="med"/>
+                    </a:lnR>
+                    <a:lnT w="12700" cap="flat" cmpd="sng" algn="ctr">
+                      <a:solidFill>
+                        <a:srgbClr val="000000"/>
+                      </a:solidFill>
+                      <a:prstDash val="solid"/>
+                      <a:round/>
+                      <a:headEnd type="none" w="med" len="med"/>
+                      <a:tailEnd type="none" w="med" len="med"/>
+                    </a:lnT>
+                    <a:lnB w="12700" cap="flat" cmpd="sng" algn="ctr">
+                      <a:solidFill>
+                        <a:srgbClr val="000000"/>
+                      </a:solidFill>
+                      <a:prstDash val="solid"/>
+                      <a:round/>
+                      <a:headEnd type="none" w="med" len="med"/>
+                      <a:tailEnd type="none" w="med" len="med"/>
+                    </a:lnB>
+                    <a:solidFill>
+                      <a:srgbClr val="FFFFFF"/>
+                    </a:solidFill>
+                  </a:tcPr>
+                </a:tc>
+                <a:tc>
+                  <a:txBody>
+                    <a:bodyPr/>
+                    <a:lstStyle/>
+                    <a:p>
+                      <a:pPr marL="0" marR="0">
+                        <a:lnSpc>
+                          <a:spcPct val="115000"/>
+                        </a:lnSpc>
+                        <a:spcAft>
+                          <a:spcPts val="800"/>
+                        </a:spcAft>
+                      </a:pPr>
+                      <a:r>
+                        <a:rPr lang="en-US" sz="2400" kern="100">
+                          <a:solidFill>
+                            <a:srgbClr val="000000"/>
+                          </a:solidFill>
+                          <a:effectLst/>
+                          <a:latin typeface="Aptos" panose="020B0004020202020204" pitchFamily="34" charset="0"/>
+                          <a:ea typeface="Aptos" panose="020B0004020202020204" pitchFamily="34" charset="0"/>
+                          <a:cs typeface="Times New Roman" panose="02020603050405020304" pitchFamily="18" charset="0"/>
+                        </a:rPr>
+                        <a:t>Primarily designed for Excel on the web.</a:t>
+                      </a:r>
+                      <a:endParaRPr lang="en-US" sz="2400" kern="100">
+                        <a:effectLst/>
+                        <a:latin typeface="Aptos" panose="020B0004020202020204" pitchFamily="34" charset="0"/>
+                        <a:ea typeface="Aptos" panose="020B0004020202020204" pitchFamily="34" charset="0"/>
+                        <a:cs typeface="Times New Roman" panose="02020603050405020304" pitchFamily="18" charset="0"/>
+                      </a:endParaRPr>
+                    </a:p>
+                  </a:txBody>
+                  <a:tcPr marL="75479" marR="75479" marT="75479" marB="75479" anchor="ctr">
+                    <a:lnL w="12700" cap="flat" cmpd="sng" algn="ctr">
+                      <a:solidFill>
+                        <a:srgbClr val="000000"/>
+                      </a:solidFill>
+                      <a:prstDash val="solid"/>
+                      <a:round/>
+                      <a:headEnd type="none" w="med" len="med"/>
+                      <a:tailEnd type="none" w="med" len="med"/>
+                    </a:lnL>
+                    <a:lnR w="12700" cap="flat" cmpd="sng" algn="ctr">
+                      <a:solidFill>
+                        <a:srgbClr val="000000"/>
+                      </a:solidFill>
+                      <a:prstDash val="solid"/>
+                      <a:round/>
+                      <a:headEnd type="none" w="med" len="med"/>
+                      <a:tailEnd type="none" w="med" len="med"/>
+                    </a:lnR>
+                    <a:lnT w="12700" cap="flat" cmpd="sng" algn="ctr">
+                      <a:solidFill>
+                        <a:srgbClr val="000000"/>
+                      </a:solidFill>
+                      <a:prstDash val="solid"/>
+                      <a:round/>
+                      <a:headEnd type="none" w="med" len="med"/>
+                      <a:tailEnd type="none" w="med" len="med"/>
+                    </a:lnT>
+                    <a:lnB w="12700" cap="flat" cmpd="sng" algn="ctr">
+                      <a:solidFill>
+                        <a:srgbClr val="000000"/>
+                      </a:solidFill>
+                      <a:prstDash val="solid"/>
+                      <a:round/>
+                      <a:headEnd type="none" w="med" len="med"/>
+                      <a:tailEnd type="none" w="med" len="med"/>
+                    </a:lnB>
+                    <a:solidFill>
+                      <a:srgbClr val="FFFFFF"/>
+                    </a:solidFill>
+                  </a:tcPr>
+                </a:tc>
+                <a:tc>
+                  <a:txBody>
+                    <a:bodyPr/>
+                    <a:lstStyle/>
+                    <a:p>
+                      <a:pPr marL="0" marR="0">
+                        <a:lnSpc>
+                          <a:spcPct val="115000"/>
+                        </a:lnSpc>
+                        <a:spcAft>
+                          <a:spcPts val="800"/>
+                        </a:spcAft>
+                      </a:pPr>
+                      <a:r>
+                        <a:rPr lang="en-US" sz="2400" kern="100">
+                          <a:solidFill>
+                            <a:srgbClr val="000000"/>
+                          </a:solidFill>
+                          <a:effectLst/>
+                          <a:latin typeface="Aptos" panose="020B0004020202020204" pitchFamily="34" charset="0"/>
+                          <a:ea typeface="Aptos" panose="020B0004020202020204" pitchFamily="34" charset="0"/>
+                          <a:cs typeface="Times New Roman" panose="02020603050405020304" pitchFamily="18" charset="0"/>
+                        </a:rPr>
+                        <a:t>Primarily used in Excel desktop applications.</a:t>
+                      </a:r>
+                      <a:endParaRPr lang="en-US" sz="2400" kern="100">
+                        <a:effectLst/>
+                        <a:latin typeface="Aptos" panose="020B0004020202020204" pitchFamily="34" charset="0"/>
+                        <a:ea typeface="Aptos" panose="020B0004020202020204" pitchFamily="34" charset="0"/>
+                        <a:cs typeface="Times New Roman" panose="02020603050405020304" pitchFamily="18" charset="0"/>
+                      </a:endParaRPr>
+                    </a:p>
+                  </a:txBody>
+                  <a:tcPr marL="75479" marR="75479" marT="75479" marB="75479" anchor="ctr">
+                    <a:lnL w="12700" cap="flat" cmpd="sng" algn="ctr">
+                      <a:solidFill>
+                        <a:srgbClr val="000000"/>
+                      </a:solidFill>
+                      <a:prstDash val="solid"/>
+                      <a:round/>
+                      <a:headEnd type="none" w="med" len="med"/>
+                      <a:tailEnd type="none" w="med" len="med"/>
+                    </a:lnL>
+                    <a:lnR w="12700" cap="flat" cmpd="sng" algn="ctr">
+                      <a:solidFill>
+                        <a:srgbClr val="000000"/>
+                      </a:solidFill>
+                      <a:prstDash val="solid"/>
+                      <a:round/>
+                      <a:headEnd type="none" w="med" len="med"/>
+                      <a:tailEnd type="none" w="med" len="med"/>
+                    </a:lnR>
+                    <a:lnT w="12700" cap="flat" cmpd="sng" algn="ctr">
+                      <a:solidFill>
+                        <a:srgbClr val="000000"/>
+                      </a:solidFill>
+                      <a:prstDash val="solid"/>
+                      <a:round/>
+                      <a:headEnd type="none" w="med" len="med"/>
+                      <a:tailEnd type="none" w="med" len="med"/>
+                    </a:lnT>
+                    <a:lnB w="12700" cap="flat" cmpd="sng" algn="ctr">
+                      <a:solidFill>
+                        <a:srgbClr val="000000"/>
+                      </a:solidFill>
+                      <a:prstDash val="solid"/>
+                      <a:round/>
+                      <a:headEnd type="none" w="med" len="med"/>
+                      <a:tailEnd type="none" w="med" len="med"/>
+                    </a:lnB>
+                    <a:solidFill>
+                      <a:srgbClr val="FFFFFF"/>
+                    </a:solidFill>
+                  </a:tcPr>
+                </a:tc>
+                <a:extLst>
+                  <a:ext uri="{0D108BD9-81ED-4DB2-BD59-A6C34878D82A}">
+                    <a16:rowId xmlns:a16="http://schemas.microsoft.com/office/drawing/2014/main" val="3013398726"/>
+                  </a:ext>
+                </a:extLst>
+              </a:tr>
+              <a:tr h="348964">
+                <a:tc>
+                  <a:txBody>
+                    <a:bodyPr/>
+                    <a:lstStyle/>
+                    <a:p>
+                      <a:pPr marL="0" marR="0">
+                        <a:lnSpc>
+                          <a:spcPct val="115000"/>
+                        </a:lnSpc>
+                        <a:spcAft>
+                          <a:spcPts val="800"/>
+                        </a:spcAft>
+                      </a:pPr>
+                      <a:r>
+                        <a:rPr lang="en-US" sz="2400" b="1" kern="100">
+                          <a:solidFill>
+                            <a:srgbClr val="000000"/>
+                          </a:solidFill>
+                          <a:effectLst/>
+                          <a:latin typeface="Aptos" panose="020B0004020202020204" pitchFamily="34" charset="0"/>
+                          <a:ea typeface="Aptos" panose="020B0004020202020204" pitchFamily="34" charset="0"/>
+                          <a:cs typeface="Times New Roman" panose="02020603050405020304" pitchFamily="18" charset="0"/>
+                        </a:rPr>
+                        <a:t>Language</a:t>
+                      </a:r>
+                      <a:endParaRPr lang="en-US" sz="2400" kern="100">
+                        <a:effectLst/>
+                        <a:latin typeface="Aptos" panose="020B0004020202020204" pitchFamily="34" charset="0"/>
+                        <a:ea typeface="Aptos" panose="020B0004020202020204" pitchFamily="34" charset="0"/>
+                        <a:cs typeface="Times New Roman" panose="02020603050405020304" pitchFamily="18" charset="0"/>
+                      </a:endParaRPr>
+                    </a:p>
+                  </a:txBody>
+                  <a:tcPr marL="75479" marR="75479" marT="75479" marB="75479" anchor="ctr">
+                    <a:lnL w="12700" cap="flat" cmpd="sng" algn="ctr">
+                      <a:solidFill>
+                        <a:srgbClr val="000000"/>
+                      </a:solidFill>
+                      <a:prstDash val="solid"/>
+                      <a:round/>
+                      <a:headEnd type="none" w="med" len="med"/>
+                      <a:tailEnd type="none" w="med" len="med"/>
+                    </a:lnL>
+                    <a:lnR w="12700" cap="flat" cmpd="sng" algn="ctr">
+                      <a:solidFill>
+                        <a:srgbClr val="000000"/>
+                      </a:solidFill>
+                      <a:prstDash val="solid"/>
+                      <a:round/>
+                      <a:headEnd type="none" w="med" len="med"/>
+                      <a:tailEnd type="none" w="med" len="med"/>
+                    </a:lnR>
+                    <a:lnT w="12700" cap="flat" cmpd="sng" algn="ctr">
+                      <a:solidFill>
+                        <a:srgbClr val="000000"/>
+                      </a:solidFill>
+                      <a:prstDash val="solid"/>
+                      <a:round/>
+                      <a:headEnd type="none" w="med" len="med"/>
+                      <a:tailEnd type="none" w="med" len="med"/>
+                    </a:lnT>
+                    <a:lnB w="12700" cap="flat" cmpd="sng" algn="ctr">
+                      <a:solidFill>
+                        <a:srgbClr val="000000"/>
+                      </a:solidFill>
+                      <a:prstDash val="solid"/>
+                      <a:round/>
+                      <a:headEnd type="none" w="med" len="med"/>
+                      <a:tailEnd type="none" w="med" len="med"/>
+                    </a:lnB>
+                    <a:solidFill>
+                      <a:srgbClr val="FFFFFF"/>
+                    </a:solidFill>
+                  </a:tcPr>
+                </a:tc>
+                <a:tc>
+                  <a:txBody>
+                    <a:bodyPr/>
+                    <a:lstStyle/>
+                    <a:p>
+                      <a:pPr marL="0" marR="0">
+                        <a:lnSpc>
+                          <a:spcPct val="115000"/>
+                        </a:lnSpc>
+                        <a:spcAft>
+                          <a:spcPts val="800"/>
+                        </a:spcAft>
+                      </a:pPr>
+                      <a:r>
+                        <a:rPr lang="en-US" sz="2400" kern="100">
+                          <a:solidFill>
+                            <a:srgbClr val="000000"/>
+                          </a:solidFill>
+                          <a:effectLst/>
+                          <a:latin typeface="Aptos" panose="020B0004020202020204" pitchFamily="34" charset="0"/>
+                          <a:ea typeface="Aptos" panose="020B0004020202020204" pitchFamily="34" charset="0"/>
+                          <a:cs typeface="Times New Roman" panose="02020603050405020304" pitchFamily="18" charset="0"/>
+                        </a:rPr>
+                        <a:t>TypeScript/JavaScript.</a:t>
+                      </a:r>
+                      <a:endParaRPr lang="en-US" sz="2400" kern="100">
+                        <a:effectLst/>
+                        <a:latin typeface="Aptos" panose="020B0004020202020204" pitchFamily="34" charset="0"/>
+                        <a:ea typeface="Aptos" panose="020B0004020202020204" pitchFamily="34" charset="0"/>
+                        <a:cs typeface="Times New Roman" panose="02020603050405020304" pitchFamily="18" charset="0"/>
+                      </a:endParaRPr>
+                    </a:p>
+                  </a:txBody>
+                  <a:tcPr marL="75479" marR="75479" marT="75479" marB="75479" anchor="ctr">
+                    <a:lnL w="12700" cap="flat" cmpd="sng" algn="ctr">
+                      <a:solidFill>
+                        <a:srgbClr val="000000"/>
+                      </a:solidFill>
+                      <a:prstDash val="solid"/>
+                      <a:round/>
+                      <a:headEnd type="none" w="med" len="med"/>
+                      <a:tailEnd type="none" w="med" len="med"/>
+                    </a:lnL>
+                    <a:lnR w="12700" cap="flat" cmpd="sng" algn="ctr">
+                      <a:solidFill>
+                        <a:srgbClr val="000000"/>
+                      </a:solidFill>
+                      <a:prstDash val="solid"/>
+                      <a:round/>
+                      <a:headEnd type="none" w="med" len="med"/>
+                      <a:tailEnd type="none" w="med" len="med"/>
+                    </a:lnR>
+                    <a:lnT w="12700" cap="flat" cmpd="sng" algn="ctr">
+                      <a:solidFill>
+                        <a:srgbClr val="000000"/>
+                      </a:solidFill>
+                      <a:prstDash val="solid"/>
+                      <a:round/>
+                      <a:headEnd type="none" w="med" len="med"/>
+                      <a:tailEnd type="none" w="med" len="med"/>
+                    </a:lnT>
+                    <a:lnB w="12700" cap="flat" cmpd="sng" algn="ctr">
+                      <a:solidFill>
+                        <a:srgbClr val="000000"/>
+                      </a:solidFill>
+                      <a:prstDash val="solid"/>
+                      <a:round/>
+                      <a:headEnd type="none" w="med" len="med"/>
+                      <a:tailEnd type="none" w="med" len="med"/>
+                    </a:lnB>
+                    <a:solidFill>
+                      <a:srgbClr val="FFFFFF"/>
+                    </a:solidFill>
+                  </a:tcPr>
+                </a:tc>
+                <a:tc>
+                  <a:txBody>
+                    <a:bodyPr/>
+                    <a:lstStyle/>
+                    <a:p>
+                      <a:pPr marL="0" marR="0">
+                        <a:lnSpc>
+                          <a:spcPct val="115000"/>
+                        </a:lnSpc>
+                        <a:spcAft>
+                          <a:spcPts val="800"/>
+                        </a:spcAft>
+                      </a:pPr>
+                      <a:r>
+                        <a:rPr lang="en-US" sz="2400" kern="100">
+                          <a:solidFill>
+                            <a:srgbClr val="000000"/>
+                          </a:solidFill>
+                          <a:effectLst/>
+                          <a:latin typeface="Aptos" panose="020B0004020202020204" pitchFamily="34" charset="0"/>
+                          <a:ea typeface="Aptos" panose="020B0004020202020204" pitchFamily="34" charset="0"/>
+                          <a:cs typeface="Times New Roman" panose="02020603050405020304" pitchFamily="18" charset="0"/>
+                        </a:rPr>
+                        <a:t>VBA (a subset of Visual Basic).</a:t>
+                      </a:r>
+                      <a:endParaRPr lang="en-US" sz="2400" kern="100">
+                        <a:effectLst/>
+                        <a:latin typeface="Aptos" panose="020B0004020202020204" pitchFamily="34" charset="0"/>
+                        <a:ea typeface="Aptos" panose="020B0004020202020204" pitchFamily="34" charset="0"/>
+                        <a:cs typeface="Times New Roman" panose="02020603050405020304" pitchFamily="18" charset="0"/>
+                      </a:endParaRPr>
+                    </a:p>
+                  </a:txBody>
+                  <a:tcPr marL="75479" marR="75479" marT="75479" marB="75479" anchor="ctr">
+                    <a:lnL w="12700" cap="flat" cmpd="sng" algn="ctr">
+                      <a:solidFill>
+                        <a:srgbClr val="000000"/>
+                      </a:solidFill>
+                      <a:prstDash val="solid"/>
+                      <a:round/>
+                      <a:headEnd type="none" w="med" len="med"/>
+                      <a:tailEnd type="none" w="med" len="med"/>
+                    </a:lnL>
+                    <a:lnR w="12700" cap="flat" cmpd="sng" algn="ctr">
+                      <a:solidFill>
+                        <a:srgbClr val="000000"/>
+                      </a:solidFill>
+                      <a:prstDash val="solid"/>
+                      <a:round/>
+                      <a:headEnd type="none" w="med" len="med"/>
+                      <a:tailEnd type="none" w="med" len="med"/>
+                    </a:lnR>
+                    <a:lnT w="12700" cap="flat" cmpd="sng" algn="ctr">
+                      <a:solidFill>
+                        <a:srgbClr val="000000"/>
+                      </a:solidFill>
+                      <a:prstDash val="solid"/>
+                      <a:round/>
+                      <a:headEnd type="none" w="med" len="med"/>
+                      <a:tailEnd type="none" w="med" len="med"/>
+                    </a:lnT>
+                    <a:lnB w="12700" cap="flat" cmpd="sng" algn="ctr">
+                      <a:solidFill>
+                        <a:srgbClr val="000000"/>
+                      </a:solidFill>
+                      <a:prstDash val="solid"/>
+                      <a:round/>
+                      <a:headEnd type="none" w="med" len="med"/>
+                      <a:tailEnd type="none" w="med" len="med"/>
+                    </a:lnB>
+                    <a:solidFill>
+                      <a:srgbClr val="FFFFFF"/>
+                    </a:solidFill>
+                  </a:tcPr>
+                </a:tc>
+                <a:extLst>
+                  <a:ext uri="{0D108BD9-81ED-4DB2-BD59-A6C34878D82A}">
+                    <a16:rowId xmlns:a16="http://schemas.microsoft.com/office/drawing/2014/main" val="1810737101"/>
+                  </a:ext>
+                </a:extLst>
+              </a:tr>
+              <a:tr h="973929">
+                <a:tc>
+                  <a:txBody>
+                    <a:bodyPr/>
+                    <a:lstStyle/>
+                    <a:p>
+                      <a:pPr marL="0" marR="0">
+                        <a:lnSpc>
+                          <a:spcPct val="115000"/>
+                        </a:lnSpc>
+                        <a:spcAft>
+                          <a:spcPts val="800"/>
+                        </a:spcAft>
+                      </a:pPr>
+                      <a:r>
+                        <a:rPr lang="en-US" sz="2400" b="1" kern="100" dirty="0">
+                          <a:solidFill>
+                            <a:srgbClr val="000000"/>
+                          </a:solidFill>
+                          <a:effectLst/>
+                          <a:latin typeface="Aptos" panose="020B0004020202020204" pitchFamily="34" charset="0"/>
+                          <a:ea typeface="Aptos" panose="020B0004020202020204" pitchFamily="34" charset="0"/>
+                          <a:cs typeface="Times New Roman" panose="02020603050405020304" pitchFamily="18" charset="0"/>
+                        </a:rPr>
+                        <a:t>Ease of Use</a:t>
+                      </a:r>
+                      <a:endParaRPr lang="en-US" sz="2400" kern="100" dirty="0">
+                        <a:effectLst/>
+                        <a:latin typeface="Aptos" panose="020B0004020202020204" pitchFamily="34" charset="0"/>
+                        <a:ea typeface="Aptos" panose="020B0004020202020204" pitchFamily="34" charset="0"/>
+                        <a:cs typeface="Times New Roman" panose="02020603050405020304" pitchFamily="18" charset="0"/>
+                      </a:endParaRPr>
+                    </a:p>
+                  </a:txBody>
+                  <a:tcPr marL="75479" marR="75479" marT="75479" marB="75479" anchor="ctr">
+                    <a:lnL w="12700" cap="flat" cmpd="sng" algn="ctr">
+                      <a:solidFill>
+                        <a:srgbClr val="000000"/>
+                      </a:solidFill>
+                      <a:prstDash val="solid"/>
+                      <a:round/>
+                      <a:headEnd type="none" w="med" len="med"/>
+                      <a:tailEnd type="none" w="med" len="med"/>
+                    </a:lnL>
+                    <a:lnR w="12700" cap="flat" cmpd="sng" algn="ctr">
+                      <a:solidFill>
+                        <a:srgbClr val="000000"/>
+                      </a:solidFill>
+                      <a:prstDash val="solid"/>
+                      <a:round/>
+                      <a:headEnd type="none" w="med" len="med"/>
+                      <a:tailEnd type="none" w="med" len="med"/>
+                    </a:lnR>
+                    <a:lnT w="12700" cap="flat" cmpd="sng" algn="ctr">
+                      <a:solidFill>
+                        <a:srgbClr val="000000"/>
+                      </a:solidFill>
+                      <a:prstDash val="solid"/>
+                      <a:round/>
+                      <a:headEnd type="none" w="med" len="med"/>
+                      <a:tailEnd type="none" w="med" len="med"/>
+                    </a:lnT>
+                    <a:lnB w="12700" cap="flat" cmpd="sng" algn="ctr">
+                      <a:solidFill>
+                        <a:srgbClr val="000000"/>
+                      </a:solidFill>
+                      <a:prstDash val="solid"/>
+                      <a:round/>
+                      <a:headEnd type="none" w="med" len="med"/>
+                      <a:tailEnd type="none" w="med" len="med"/>
+                    </a:lnB>
+                    <a:solidFill>
+                      <a:srgbClr val="FFFFFF"/>
+                    </a:solidFill>
+                  </a:tcPr>
+                </a:tc>
+                <a:tc>
+                  <a:txBody>
+                    <a:bodyPr/>
+                    <a:lstStyle/>
+                    <a:p>
+                      <a:pPr marL="0" marR="0">
+                        <a:lnSpc>
+                          <a:spcPct val="115000"/>
+                        </a:lnSpc>
+                        <a:spcAft>
+                          <a:spcPts val="800"/>
+                        </a:spcAft>
+                      </a:pPr>
+                      <a:r>
+                        <a:rPr lang="en-US" sz="2400" kern="100">
+                          <a:solidFill>
+                            <a:srgbClr val="000000"/>
+                          </a:solidFill>
+                          <a:effectLst/>
+                          <a:latin typeface="Aptos" panose="020B0004020202020204" pitchFamily="34" charset="0"/>
+                          <a:ea typeface="Aptos" panose="020B0004020202020204" pitchFamily="34" charset="0"/>
+                          <a:cs typeface="Times New Roman" panose="02020603050405020304" pitchFamily="18" charset="0"/>
+                        </a:rPr>
+                        <a:t>Requires familiarity with the JavaScript programming language, particularly the TypeScript superset.</a:t>
+                      </a:r>
+                      <a:endParaRPr lang="en-US" sz="2400" kern="100">
+                        <a:effectLst/>
+                        <a:latin typeface="Aptos" panose="020B0004020202020204" pitchFamily="34" charset="0"/>
+                        <a:ea typeface="Aptos" panose="020B0004020202020204" pitchFamily="34" charset="0"/>
+                        <a:cs typeface="Times New Roman" panose="02020603050405020304" pitchFamily="18" charset="0"/>
+                      </a:endParaRPr>
+                    </a:p>
+                  </a:txBody>
+                  <a:tcPr marL="75479" marR="75479" marT="75479" marB="75479" anchor="ctr">
+                    <a:lnL w="12700" cap="flat" cmpd="sng" algn="ctr">
+                      <a:solidFill>
+                        <a:srgbClr val="000000"/>
+                      </a:solidFill>
+                      <a:prstDash val="solid"/>
+                      <a:round/>
+                      <a:headEnd type="none" w="med" len="med"/>
+                      <a:tailEnd type="none" w="med" len="med"/>
+                    </a:lnL>
+                    <a:lnR w="12700" cap="flat" cmpd="sng" algn="ctr">
+                      <a:solidFill>
+                        <a:srgbClr val="000000"/>
+                      </a:solidFill>
+                      <a:prstDash val="solid"/>
+                      <a:round/>
+                      <a:headEnd type="none" w="med" len="med"/>
+                      <a:tailEnd type="none" w="med" len="med"/>
+                    </a:lnR>
+                    <a:lnT w="12700" cap="flat" cmpd="sng" algn="ctr">
+                      <a:solidFill>
+                        <a:srgbClr val="000000"/>
+                      </a:solidFill>
+                      <a:prstDash val="solid"/>
+                      <a:round/>
+                      <a:headEnd type="none" w="med" len="med"/>
+                      <a:tailEnd type="none" w="med" len="med"/>
+                    </a:lnT>
+                    <a:lnB w="12700" cap="flat" cmpd="sng" algn="ctr">
+                      <a:solidFill>
+                        <a:srgbClr val="000000"/>
+                      </a:solidFill>
+                      <a:prstDash val="solid"/>
+                      <a:round/>
+                      <a:headEnd type="none" w="med" len="med"/>
+                      <a:tailEnd type="none" w="med" len="med"/>
+                    </a:lnB>
+                    <a:solidFill>
+                      <a:srgbClr val="FFFFFF"/>
+                    </a:solidFill>
+                  </a:tcPr>
+                </a:tc>
+                <a:tc>
+                  <a:txBody>
+                    <a:bodyPr/>
+                    <a:lstStyle/>
+                    <a:p>
+                      <a:pPr marL="0" marR="0">
+                        <a:lnSpc>
+                          <a:spcPct val="115000"/>
+                        </a:lnSpc>
+                        <a:spcAft>
+                          <a:spcPts val="800"/>
+                        </a:spcAft>
+                      </a:pPr>
+                      <a:r>
+                        <a:rPr lang="en-US" sz="2400" kern="100">
+                          <a:solidFill>
+                            <a:srgbClr val="000000"/>
+                          </a:solidFill>
+                          <a:effectLst/>
+                          <a:latin typeface="Aptos" panose="020B0004020202020204" pitchFamily="34" charset="0"/>
+                          <a:ea typeface="Aptos" panose="020B0004020202020204" pitchFamily="34" charset="0"/>
+                          <a:cs typeface="Times New Roman" panose="02020603050405020304" pitchFamily="18" charset="0"/>
+                        </a:rPr>
+                        <a:t>Requires familiarity with the VBA programming language.</a:t>
+                      </a:r>
+                      <a:endParaRPr lang="en-US" sz="2400" kern="100">
+                        <a:effectLst/>
+                        <a:latin typeface="Aptos" panose="020B0004020202020204" pitchFamily="34" charset="0"/>
+                        <a:ea typeface="Aptos" panose="020B0004020202020204" pitchFamily="34" charset="0"/>
+                        <a:cs typeface="Times New Roman" panose="02020603050405020304" pitchFamily="18" charset="0"/>
+                      </a:endParaRPr>
+                    </a:p>
+                  </a:txBody>
+                  <a:tcPr marL="75479" marR="75479" marT="75479" marB="75479" anchor="ctr">
+                    <a:lnL w="12700" cap="flat" cmpd="sng" algn="ctr">
+                      <a:solidFill>
+                        <a:srgbClr val="000000"/>
+                      </a:solidFill>
+                      <a:prstDash val="solid"/>
+                      <a:round/>
+                      <a:headEnd type="none" w="med" len="med"/>
+                      <a:tailEnd type="none" w="med" len="med"/>
+                    </a:lnL>
+                    <a:lnR w="12700" cap="flat" cmpd="sng" algn="ctr">
+                      <a:solidFill>
+                        <a:srgbClr val="000000"/>
+                      </a:solidFill>
+                      <a:prstDash val="solid"/>
+                      <a:round/>
+                      <a:headEnd type="none" w="med" len="med"/>
+                      <a:tailEnd type="none" w="med" len="med"/>
+                    </a:lnR>
+                    <a:lnT w="12700" cap="flat" cmpd="sng" algn="ctr">
+                      <a:solidFill>
+                        <a:srgbClr val="000000"/>
+                      </a:solidFill>
+                      <a:prstDash val="solid"/>
+                      <a:round/>
+                      <a:headEnd type="none" w="med" len="med"/>
+                      <a:tailEnd type="none" w="med" len="med"/>
+                    </a:lnT>
+                    <a:lnB w="12700" cap="flat" cmpd="sng" algn="ctr">
+                      <a:solidFill>
+                        <a:srgbClr val="000000"/>
+                      </a:solidFill>
+                      <a:prstDash val="solid"/>
+                      <a:round/>
+                      <a:headEnd type="none" w="med" len="med"/>
+                      <a:tailEnd type="none" w="med" len="med"/>
+                    </a:lnB>
+                    <a:solidFill>
+                      <a:srgbClr val="FFFFFF"/>
+                    </a:solidFill>
+                  </a:tcPr>
+                </a:tc>
+                <a:extLst>
+                  <a:ext uri="{0D108BD9-81ED-4DB2-BD59-A6C34878D82A}">
+                    <a16:rowId xmlns:a16="http://schemas.microsoft.com/office/drawing/2014/main" val="2544018085"/>
+                  </a:ext>
+                </a:extLst>
+              </a:tr>
+              <a:tr h="765607">
+                <a:tc>
+                  <a:txBody>
+                    <a:bodyPr/>
+                    <a:lstStyle/>
+                    <a:p>
+                      <a:pPr marL="0" marR="0">
+                        <a:lnSpc>
+                          <a:spcPct val="115000"/>
+                        </a:lnSpc>
+                        <a:spcAft>
+                          <a:spcPts val="800"/>
+                        </a:spcAft>
+                      </a:pPr>
+                      <a:r>
+                        <a:rPr lang="en-US" sz="2400" b="1" kern="100">
+                          <a:solidFill>
+                            <a:srgbClr val="000000"/>
+                          </a:solidFill>
+                          <a:effectLst/>
+                          <a:latin typeface="Aptos" panose="020B0004020202020204" pitchFamily="34" charset="0"/>
+                          <a:ea typeface="Aptos" panose="020B0004020202020204" pitchFamily="34" charset="0"/>
+                          <a:cs typeface="Times New Roman" panose="02020603050405020304" pitchFamily="18" charset="0"/>
+                        </a:rPr>
+                        <a:t>Integration</a:t>
+                      </a:r>
+                      <a:endParaRPr lang="en-US" sz="2400" kern="100">
+                        <a:effectLst/>
+                        <a:latin typeface="Aptos" panose="020B0004020202020204" pitchFamily="34" charset="0"/>
+                        <a:ea typeface="Aptos" panose="020B0004020202020204" pitchFamily="34" charset="0"/>
+                        <a:cs typeface="Times New Roman" panose="02020603050405020304" pitchFamily="18" charset="0"/>
+                      </a:endParaRPr>
+                    </a:p>
+                  </a:txBody>
+                  <a:tcPr marL="75479" marR="75479" marT="75479" marB="75479" anchor="ctr">
+                    <a:lnL w="12700" cap="flat" cmpd="sng" algn="ctr">
+                      <a:solidFill>
+                        <a:srgbClr val="000000"/>
+                      </a:solidFill>
+                      <a:prstDash val="solid"/>
+                      <a:round/>
+                      <a:headEnd type="none" w="med" len="med"/>
+                      <a:tailEnd type="none" w="med" len="med"/>
+                    </a:lnL>
+                    <a:lnR w="12700" cap="flat" cmpd="sng" algn="ctr">
+                      <a:solidFill>
+                        <a:srgbClr val="000000"/>
+                      </a:solidFill>
+                      <a:prstDash val="solid"/>
+                      <a:round/>
+                      <a:headEnd type="none" w="med" len="med"/>
+                      <a:tailEnd type="none" w="med" len="med"/>
+                    </a:lnR>
+                    <a:lnT w="12700" cap="flat" cmpd="sng" algn="ctr">
+                      <a:solidFill>
+                        <a:srgbClr val="000000"/>
+                      </a:solidFill>
+                      <a:prstDash val="solid"/>
+                      <a:round/>
+                      <a:headEnd type="none" w="med" len="med"/>
+                      <a:tailEnd type="none" w="med" len="med"/>
+                    </a:lnT>
+                    <a:lnB w="12700" cap="flat" cmpd="sng" algn="ctr">
+                      <a:solidFill>
+                        <a:srgbClr val="000000"/>
+                      </a:solidFill>
+                      <a:prstDash val="solid"/>
+                      <a:round/>
+                      <a:headEnd type="none" w="med" len="med"/>
+                      <a:tailEnd type="none" w="med" len="med"/>
+                    </a:lnB>
+                    <a:solidFill>
+                      <a:srgbClr val="FFFFFF"/>
+                    </a:solidFill>
+                  </a:tcPr>
+                </a:tc>
+                <a:tc>
+                  <a:txBody>
+                    <a:bodyPr/>
+                    <a:lstStyle/>
+                    <a:p>
+                      <a:pPr marL="0" marR="0">
+                        <a:lnSpc>
+                          <a:spcPct val="115000"/>
+                        </a:lnSpc>
+                        <a:spcAft>
+                          <a:spcPts val="800"/>
+                        </a:spcAft>
+                      </a:pPr>
+                      <a:r>
+                        <a:rPr lang="en-US" sz="2400" kern="100" dirty="0">
+                          <a:solidFill>
+                            <a:srgbClr val="000000"/>
+                          </a:solidFill>
+                          <a:effectLst/>
+                          <a:latin typeface="Aptos" panose="020B0004020202020204" pitchFamily="34" charset="0"/>
+                          <a:ea typeface="Aptos" panose="020B0004020202020204" pitchFamily="34" charset="0"/>
+                          <a:cs typeface="Times New Roman" panose="02020603050405020304" pitchFamily="18" charset="0"/>
+                        </a:rPr>
+                        <a:t>Can be integrated with Power Automate for automation across Microsoft 365.</a:t>
+                      </a:r>
+                      <a:endParaRPr lang="en-US" sz="2400" kern="100" dirty="0">
+                        <a:effectLst/>
+                        <a:latin typeface="Aptos" panose="020B0004020202020204" pitchFamily="34" charset="0"/>
+                        <a:ea typeface="Aptos" panose="020B0004020202020204" pitchFamily="34" charset="0"/>
+                        <a:cs typeface="Times New Roman" panose="02020603050405020304" pitchFamily="18" charset="0"/>
+                      </a:endParaRPr>
+                    </a:p>
+                  </a:txBody>
+                  <a:tcPr marL="75479" marR="75479" marT="75479" marB="75479" anchor="ctr">
+                    <a:lnL w="12700" cap="flat" cmpd="sng" algn="ctr">
+                      <a:solidFill>
+                        <a:srgbClr val="000000"/>
+                      </a:solidFill>
+                      <a:prstDash val="solid"/>
+                      <a:round/>
+                      <a:headEnd type="none" w="med" len="med"/>
+                      <a:tailEnd type="none" w="med" len="med"/>
+                    </a:lnL>
+                    <a:lnR w="12700" cap="flat" cmpd="sng" algn="ctr">
+                      <a:solidFill>
+                        <a:srgbClr val="000000"/>
+                      </a:solidFill>
+                      <a:prstDash val="solid"/>
+                      <a:round/>
+                      <a:headEnd type="none" w="med" len="med"/>
+                      <a:tailEnd type="none" w="med" len="med"/>
+                    </a:lnR>
+                    <a:lnT w="12700" cap="flat" cmpd="sng" algn="ctr">
+                      <a:solidFill>
+                        <a:srgbClr val="000000"/>
+                      </a:solidFill>
+                      <a:prstDash val="solid"/>
+                      <a:round/>
+                      <a:headEnd type="none" w="med" len="med"/>
+                      <a:tailEnd type="none" w="med" len="med"/>
+                    </a:lnT>
+                    <a:lnB w="12700" cap="flat" cmpd="sng" algn="ctr">
+                      <a:solidFill>
+                        <a:srgbClr val="000000"/>
+                      </a:solidFill>
+                      <a:prstDash val="solid"/>
+                      <a:round/>
+                      <a:headEnd type="none" w="med" len="med"/>
+                      <a:tailEnd type="none" w="med" len="med"/>
+                    </a:lnB>
+                    <a:solidFill>
+                      <a:srgbClr val="FFFFFF"/>
+                    </a:solidFill>
+                  </a:tcPr>
+                </a:tc>
+                <a:tc>
+                  <a:txBody>
+                    <a:bodyPr/>
+                    <a:lstStyle/>
+                    <a:p>
+                      <a:pPr marL="0" marR="0">
+                        <a:lnSpc>
+                          <a:spcPct val="115000"/>
+                        </a:lnSpc>
+                        <a:spcAft>
+                          <a:spcPts val="800"/>
+                        </a:spcAft>
+                      </a:pPr>
+                      <a:r>
+                        <a:rPr lang="en-US" sz="2400" kern="100" dirty="0">
+                          <a:solidFill>
+                            <a:srgbClr val="000000"/>
+                          </a:solidFill>
+                          <a:effectLst/>
+                          <a:latin typeface="Aptos" panose="020B0004020202020204" pitchFamily="34" charset="0"/>
+                          <a:ea typeface="Aptos" panose="020B0004020202020204" pitchFamily="34" charset="0"/>
+                          <a:cs typeface="Times New Roman" panose="02020603050405020304" pitchFamily="18" charset="0"/>
+                        </a:rPr>
+                        <a:t>Can interact with other Office applications through COM (Component Object Model).</a:t>
+                      </a:r>
+                      <a:endParaRPr lang="en-US" sz="2400" kern="100" dirty="0">
+                        <a:effectLst/>
+                        <a:latin typeface="Aptos" panose="020B0004020202020204" pitchFamily="34" charset="0"/>
+                        <a:ea typeface="Aptos" panose="020B0004020202020204" pitchFamily="34" charset="0"/>
+                        <a:cs typeface="Times New Roman" panose="02020603050405020304" pitchFamily="18" charset="0"/>
+                      </a:endParaRPr>
+                    </a:p>
+                  </a:txBody>
+                  <a:tcPr marL="75479" marR="75479" marT="75479" marB="75479" anchor="ctr">
+                    <a:lnL w="12700" cap="flat" cmpd="sng" algn="ctr">
+                      <a:solidFill>
+                        <a:srgbClr val="000000"/>
+                      </a:solidFill>
+                      <a:prstDash val="solid"/>
+                      <a:round/>
+                      <a:headEnd type="none" w="med" len="med"/>
+                      <a:tailEnd type="none" w="med" len="med"/>
+                    </a:lnL>
+                    <a:lnR w="12700" cap="flat" cmpd="sng" algn="ctr">
+                      <a:solidFill>
+                        <a:srgbClr val="000000"/>
+                      </a:solidFill>
+                      <a:prstDash val="solid"/>
+                      <a:round/>
+                      <a:headEnd type="none" w="med" len="med"/>
+                      <a:tailEnd type="none" w="med" len="med"/>
+                    </a:lnR>
+                    <a:lnT w="12700" cap="flat" cmpd="sng" algn="ctr">
+                      <a:solidFill>
+                        <a:srgbClr val="000000"/>
+                      </a:solidFill>
+                      <a:prstDash val="solid"/>
+                      <a:round/>
+                      <a:headEnd type="none" w="med" len="med"/>
+                      <a:tailEnd type="none" w="med" len="med"/>
+                    </a:lnT>
+                    <a:lnB w="12700" cap="flat" cmpd="sng" algn="ctr">
+                      <a:solidFill>
+                        <a:srgbClr val="000000"/>
+                      </a:solidFill>
+                      <a:prstDash val="solid"/>
+                      <a:round/>
+                      <a:headEnd type="none" w="med" len="med"/>
+                      <a:tailEnd type="none" w="med" len="med"/>
+                    </a:lnB>
+                    <a:solidFill>
+                      <a:srgbClr val="FFFFFF"/>
+                    </a:solidFill>
+                  </a:tcPr>
+                </a:tc>
+                <a:extLst>
+                  <a:ext uri="{0D108BD9-81ED-4DB2-BD59-A6C34878D82A}">
+                    <a16:rowId xmlns:a16="http://schemas.microsoft.com/office/drawing/2014/main" val="2112759691"/>
+                  </a:ext>
+                </a:extLst>
+              </a:tr>
+              <a:tr h="765607">
+                <a:tc>
+                  <a:txBody>
+                    <a:bodyPr/>
+                    <a:lstStyle/>
+                    <a:p>
+                      <a:pPr marL="0" marR="0">
+                        <a:lnSpc>
+                          <a:spcPct val="115000"/>
+                        </a:lnSpc>
+                        <a:spcAft>
+                          <a:spcPts val="800"/>
+                        </a:spcAft>
+                      </a:pPr>
+                      <a:r>
+                        <a:rPr lang="en-US" sz="2400" b="1" kern="100">
+                          <a:solidFill>
+                            <a:srgbClr val="000000"/>
+                          </a:solidFill>
+                          <a:effectLst/>
+                          <a:latin typeface="Aptos" panose="020B0004020202020204" pitchFamily="34" charset="0"/>
+                          <a:ea typeface="Aptos" panose="020B0004020202020204" pitchFamily="34" charset="0"/>
+                          <a:cs typeface="Times New Roman" panose="02020603050405020304" pitchFamily="18" charset="0"/>
+                        </a:rPr>
+                        <a:t>Security</a:t>
+                      </a:r>
+                      <a:endParaRPr lang="en-US" sz="2400" kern="100">
+                        <a:effectLst/>
+                        <a:latin typeface="Aptos" panose="020B0004020202020204" pitchFamily="34" charset="0"/>
+                        <a:ea typeface="Aptos" panose="020B0004020202020204" pitchFamily="34" charset="0"/>
+                        <a:cs typeface="Times New Roman" panose="02020603050405020304" pitchFamily="18" charset="0"/>
+                      </a:endParaRPr>
+                    </a:p>
+                  </a:txBody>
+                  <a:tcPr marL="75479" marR="75479" marT="75479" marB="75479" anchor="ctr">
+                    <a:lnL w="12700" cap="flat" cmpd="sng" algn="ctr">
+                      <a:solidFill>
+                        <a:srgbClr val="000000"/>
+                      </a:solidFill>
+                      <a:prstDash val="solid"/>
+                      <a:round/>
+                      <a:headEnd type="none" w="med" len="med"/>
+                      <a:tailEnd type="none" w="med" len="med"/>
+                    </a:lnL>
+                    <a:lnR w="12700" cap="flat" cmpd="sng" algn="ctr">
+                      <a:solidFill>
+                        <a:srgbClr val="000000"/>
+                      </a:solidFill>
+                      <a:prstDash val="solid"/>
+                      <a:round/>
+                      <a:headEnd type="none" w="med" len="med"/>
+                      <a:tailEnd type="none" w="med" len="med"/>
+                    </a:lnR>
+                    <a:lnT w="12700" cap="flat" cmpd="sng" algn="ctr">
+                      <a:solidFill>
+                        <a:srgbClr val="000000"/>
+                      </a:solidFill>
+                      <a:prstDash val="solid"/>
+                      <a:round/>
+                      <a:headEnd type="none" w="med" len="med"/>
+                      <a:tailEnd type="none" w="med" len="med"/>
+                    </a:lnT>
+                    <a:lnB w="12700" cap="flat" cmpd="sng" algn="ctr">
+                      <a:solidFill>
+                        <a:srgbClr val="000000"/>
+                      </a:solidFill>
+                      <a:prstDash val="solid"/>
+                      <a:round/>
+                      <a:headEnd type="none" w="med" len="med"/>
+                      <a:tailEnd type="none" w="med" len="med"/>
+                    </a:lnB>
+                    <a:solidFill>
+                      <a:srgbClr val="FFFFFF"/>
+                    </a:solidFill>
+                  </a:tcPr>
+                </a:tc>
+                <a:tc>
+                  <a:txBody>
+                    <a:bodyPr/>
+                    <a:lstStyle/>
+                    <a:p>
+                      <a:pPr marL="0" marR="0">
+                        <a:lnSpc>
+                          <a:spcPct val="115000"/>
+                        </a:lnSpc>
+                        <a:spcAft>
+                          <a:spcPts val="800"/>
+                        </a:spcAft>
+                      </a:pPr>
+                      <a:r>
+                        <a:rPr lang="en-US" sz="2400" kern="100">
+                          <a:solidFill>
+                            <a:srgbClr val="000000"/>
+                          </a:solidFill>
+                          <a:effectLst/>
+                          <a:latin typeface="Aptos" panose="020B0004020202020204" pitchFamily="34" charset="0"/>
+                          <a:ea typeface="Aptos" panose="020B0004020202020204" pitchFamily="34" charset="0"/>
+                          <a:cs typeface="Times New Roman" panose="02020603050405020304" pitchFamily="18" charset="0"/>
+                        </a:rPr>
+                        <a:t>Runs in a more controlled environment, offering a higher level of security.</a:t>
+                      </a:r>
+                      <a:endParaRPr lang="en-US" sz="2400" kern="100">
+                        <a:effectLst/>
+                        <a:latin typeface="Aptos" panose="020B0004020202020204" pitchFamily="34" charset="0"/>
+                        <a:ea typeface="Aptos" panose="020B0004020202020204" pitchFamily="34" charset="0"/>
+                        <a:cs typeface="Times New Roman" panose="02020603050405020304" pitchFamily="18" charset="0"/>
+                      </a:endParaRPr>
+                    </a:p>
+                  </a:txBody>
+                  <a:tcPr marL="75479" marR="75479" marT="75479" marB="75479" anchor="ctr">
+                    <a:lnL w="12700" cap="flat" cmpd="sng" algn="ctr">
+                      <a:solidFill>
+                        <a:srgbClr val="000000"/>
+                      </a:solidFill>
+                      <a:prstDash val="solid"/>
+                      <a:round/>
+                      <a:headEnd type="none" w="med" len="med"/>
+                      <a:tailEnd type="none" w="med" len="med"/>
+                    </a:lnL>
+                    <a:lnR w="12700" cap="flat" cmpd="sng" algn="ctr">
+                      <a:solidFill>
+                        <a:srgbClr val="000000"/>
+                      </a:solidFill>
+                      <a:prstDash val="solid"/>
+                      <a:round/>
+                      <a:headEnd type="none" w="med" len="med"/>
+                      <a:tailEnd type="none" w="med" len="med"/>
+                    </a:lnR>
+                    <a:lnT w="12700" cap="flat" cmpd="sng" algn="ctr">
+                      <a:solidFill>
+                        <a:srgbClr val="000000"/>
+                      </a:solidFill>
+                      <a:prstDash val="solid"/>
+                      <a:round/>
+                      <a:headEnd type="none" w="med" len="med"/>
+                      <a:tailEnd type="none" w="med" len="med"/>
+                    </a:lnT>
+                    <a:lnB w="12700" cap="flat" cmpd="sng" algn="ctr">
+                      <a:solidFill>
+                        <a:srgbClr val="000000"/>
+                      </a:solidFill>
+                      <a:prstDash val="solid"/>
+                      <a:round/>
+                      <a:headEnd type="none" w="med" len="med"/>
+                      <a:tailEnd type="none" w="med" len="med"/>
+                    </a:lnB>
+                    <a:solidFill>
+                      <a:srgbClr val="FFFFFF"/>
+                    </a:solidFill>
+                  </a:tcPr>
+                </a:tc>
+                <a:tc>
+                  <a:txBody>
+                    <a:bodyPr/>
+                    <a:lstStyle/>
+                    <a:p>
+                      <a:pPr marL="0" marR="0">
+                        <a:lnSpc>
+                          <a:spcPct val="115000"/>
+                        </a:lnSpc>
+                        <a:spcAft>
+                          <a:spcPts val="800"/>
+                        </a:spcAft>
+                      </a:pPr>
+                      <a:r>
+                        <a:rPr lang="en-US" sz="2400" kern="100">
+                          <a:solidFill>
+                            <a:srgbClr val="000000"/>
+                          </a:solidFill>
+                          <a:effectLst/>
+                          <a:latin typeface="Aptos" panose="020B0004020202020204" pitchFamily="34" charset="0"/>
+                          <a:ea typeface="Aptos" panose="020B0004020202020204" pitchFamily="34" charset="0"/>
+                          <a:cs typeface="Times New Roman" panose="02020603050405020304" pitchFamily="18" charset="0"/>
+                        </a:rPr>
+                        <a:t>Macros can be a security risk if not properly managed.</a:t>
+                      </a:r>
+                      <a:endParaRPr lang="en-US" sz="2400" kern="100">
+                        <a:effectLst/>
+                        <a:latin typeface="Aptos" panose="020B0004020202020204" pitchFamily="34" charset="0"/>
+                        <a:ea typeface="Aptos" panose="020B0004020202020204" pitchFamily="34" charset="0"/>
+                        <a:cs typeface="Times New Roman" panose="02020603050405020304" pitchFamily="18" charset="0"/>
+                      </a:endParaRPr>
+                    </a:p>
+                  </a:txBody>
+                  <a:tcPr marL="75479" marR="75479" marT="75479" marB="75479" anchor="ctr">
+                    <a:lnL w="12700" cap="flat" cmpd="sng" algn="ctr">
+                      <a:solidFill>
+                        <a:srgbClr val="000000"/>
+                      </a:solidFill>
+                      <a:prstDash val="solid"/>
+                      <a:round/>
+                      <a:headEnd type="none" w="med" len="med"/>
+                      <a:tailEnd type="none" w="med" len="med"/>
+                    </a:lnL>
+                    <a:lnR w="12700" cap="flat" cmpd="sng" algn="ctr">
+                      <a:solidFill>
+                        <a:srgbClr val="000000"/>
+                      </a:solidFill>
+                      <a:prstDash val="solid"/>
+                      <a:round/>
+                      <a:headEnd type="none" w="med" len="med"/>
+                      <a:tailEnd type="none" w="med" len="med"/>
+                    </a:lnR>
+                    <a:lnT w="12700" cap="flat" cmpd="sng" algn="ctr">
+                      <a:solidFill>
+                        <a:srgbClr val="000000"/>
+                      </a:solidFill>
+                      <a:prstDash val="solid"/>
+                      <a:round/>
+                      <a:headEnd type="none" w="med" len="med"/>
+                      <a:tailEnd type="none" w="med" len="med"/>
+                    </a:lnT>
+                    <a:lnB w="12700" cap="flat" cmpd="sng" algn="ctr">
+                      <a:solidFill>
+                        <a:srgbClr val="000000"/>
+                      </a:solidFill>
+                      <a:prstDash val="solid"/>
+                      <a:round/>
+                      <a:headEnd type="none" w="med" len="med"/>
+                      <a:tailEnd type="none" w="med" len="med"/>
+                    </a:lnB>
+                    <a:solidFill>
+                      <a:srgbClr val="FFFFFF"/>
+                    </a:solidFill>
+                  </a:tcPr>
+                </a:tc>
+                <a:extLst>
+                  <a:ext uri="{0D108BD9-81ED-4DB2-BD59-A6C34878D82A}">
+                    <a16:rowId xmlns:a16="http://schemas.microsoft.com/office/drawing/2014/main" val="396041218"/>
+                  </a:ext>
+                </a:extLst>
+              </a:tr>
+              <a:tr h="557285">
+                <a:tc>
+                  <a:txBody>
+                    <a:bodyPr/>
+                    <a:lstStyle/>
+                    <a:p>
+                      <a:pPr marL="0" marR="0">
+                        <a:lnSpc>
+                          <a:spcPct val="115000"/>
+                        </a:lnSpc>
+                        <a:spcAft>
+                          <a:spcPts val="800"/>
+                        </a:spcAft>
+                      </a:pPr>
+                      <a:r>
+                        <a:rPr lang="en-US" sz="2400" b="1" kern="100">
+                          <a:solidFill>
+                            <a:srgbClr val="000000"/>
+                          </a:solidFill>
+                          <a:effectLst/>
+                          <a:latin typeface="Aptos" panose="020B0004020202020204" pitchFamily="34" charset="0"/>
+                          <a:ea typeface="Aptos" panose="020B0004020202020204" pitchFamily="34" charset="0"/>
+                          <a:cs typeface="Times New Roman" panose="02020603050405020304" pitchFamily="18" charset="0"/>
+                        </a:rPr>
+                        <a:t>Accessibility</a:t>
+                      </a:r>
+                      <a:endParaRPr lang="en-US" sz="2400" kern="100">
+                        <a:effectLst/>
+                        <a:latin typeface="Aptos" panose="020B0004020202020204" pitchFamily="34" charset="0"/>
+                        <a:ea typeface="Aptos" panose="020B0004020202020204" pitchFamily="34" charset="0"/>
+                        <a:cs typeface="Times New Roman" panose="02020603050405020304" pitchFamily="18" charset="0"/>
+                      </a:endParaRPr>
+                    </a:p>
+                  </a:txBody>
+                  <a:tcPr marL="75479" marR="75479" marT="75479" marB="75479" anchor="ctr">
+                    <a:lnL w="12700" cap="flat" cmpd="sng" algn="ctr">
+                      <a:solidFill>
+                        <a:srgbClr val="000000"/>
+                      </a:solidFill>
+                      <a:prstDash val="solid"/>
+                      <a:round/>
+                      <a:headEnd type="none" w="med" len="med"/>
+                      <a:tailEnd type="none" w="med" len="med"/>
+                    </a:lnL>
+                    <a:lnR w="12700" cap="flat" cmpd="sng" algn="ctr">
+                      <a:solidFill>
+                        <a:srgbClr val="000000"/>
+                      </a:solidFill>
+                      <a:prstDash val="solid"/>
+                      <a:round/>
+                      <a:headEnd type="none" w="med" len="med"/>
+                      <a:tailEnd type="none" w="med" len="med"/>
+                    </a:lnR>
+                    <a:lnT w="12700" cap="flat" cmpd="sng" algn="ctr">
+                      <a:solidFill>
+                        <a:srgbClr val="000000"/>
+                      </a:solidFill>
+                      <a:prstDash val="solid"/>
+                      <a:round/>
+                      <a:headEnd type="none" w="med" len="med"/>
+                      <a:tailEnd type="none" w="med" len="med"/>
+                    </a:lnT>
+                    <a:lnB w="12700" cap="flat" cmpd="sng" algn="ctr">
+                      <a:solidFill>
+                        <a:srgbClr val="000000"/>
+                      </a:solidFill>
+                      <a:prstDash val="solid"/>
+                      <a:round/>
+                      <a:headEnd type="none" w="med" len="med"/>
+                      <a:tailEnd type="none" w="med" len="med"/>
+                    </a:lnB>
+                    <a:solidFill>
+                      <a:srgbClr val="FFFFFF"/>
+                    </a:solidFill>
+                  </a:tcPr>
+                </a:tc>
+                <a:tc>
+                  <a:txBody>
+                    <a:bodyPr/>
+                    <a:lstStyle/>
+                    <a:p>
+                      <a:pPr marL="0" marR="0">
+                        <a:lnSpc>
+                          <a:spcPct val="115000"/>
+                        </a:lnSpc>
+                        <a:spcAft>
+                          <a:spcPts val="800"/>
+                        </a:spcAft>
+                      </a:pPr>
+                      <a:r>
+                        <a:rPr lang="en-US" sz="2400" kern="100">
+                          <a:solidFill>
+                            <a:srgbClr val="000000"/>
+                          </a:solidFill>
+                          <a:effectLst/>
+                          <a:latin typeface="Aptos" panose="020B0004020202020204" pitchFamily="34" charset="0"/>
+                          <a:ea typeface="Aptos" panose="020B0004020202020204" pitchFamily="34" charset="0"/>
+                          <a:cs typeface="Times New Roman" panose="02020603050405020304" pitchFamily="18" charset="0"/>
+                        </a:rPr>
+                        <a:t>Accessible primarily through Excel on the web.</a:t>
+                      </a:r>
+                      <a:endParaRPr lang="en-US" sz="2400" kern="100">
+                        <a:effectLst/>
+                        <a:latin typeface="Aptos" panose="020B0004020202020204" pitchFamily="34" charset="0"/>
+                        <a:ea typeface="Aptos" panose="020B0004020202020204" pitchFamily="34" charset="0"/>
+                        <a:cs typeface="Times New Roman" panose="02020603050405020304" pitchFamily="18" charset="0"/>
+                      </a:endParaRPr>
+                    </a:p>
+                  </a:txBody>
+                  <a:tcPr marL="75479" marR="75479" marT="75479" marB="75479" anchor="ctr">
+                    <a:lnL w="12700" cap="flat" cmpd="sng" algn="ctr">
+                      <a:solidFill>
+                        <a:srgbClr val="000000"/>
+                      </a:solidFill>
+                      <a:prstDash val="solid"/>
+                      <a:round/>
+                      <a:headEnd type="none" w="med" len="med"/>
+                      <a:tailEnd type="none" w="med" len="med"/>
+                    </a:lnL>
+                    <a:lnR w="12700" cap="flat" cmpd="sng" algn="ctr">
+                      <a:solidFill>
+                        <a:srgbClr val="000000"/>
+                      </a:solidFill>
+                      <a:prstDash val="solid"/>
+                      <a:round/>
+                      <a:headEnd type="none" w="med" len="med"/>
+                      <a:tailEnd type="none" w="med" len="med"/>
+                    </a:lnR>
+                    <a:lnT w="12700" cap="flat" cmpd="sng" algn="ctr">
+                      <a:solidFill>
+                        <a:srgbClr val="000000"/>
+                      </a:solidFill>
+                      <a:prstDash val="solid"/>
+                      <a:round/>
+                      <a:headEnd type="none" w="med" len="med"/>
+                      <a:tailEnd type="none" w="med" len="med"/>
+                    </a:lnT>
+                    <a:lnB w="12700" cap="flat" cmpd="sng" algn="ctr">
+                      <a:solidFill>
+                        <a:srgbClr val="000000"/>
+                      </a:solidFill>
+                      <a:prstDash val="solid"/>
+                      <a:round/>
+                      <a:headEnd type="none" w="med" len="med"/>
+                      <a:tailEnd type="none" w="med" len="med"/>
+                    </a:lnB>
+                    <a:solidFill>
+                      <a:srgbClr val="FFFFFF"/>
+                    </a:solidFill>
+                  </a:tcPr>
+                </a:tc>
+                <a:tc>
+                  <a:txBody>
+                    <a:bodyPr/>
+                    <a:lstStyle/>
+                    <a:p>
+                      <a:pPr marL="0" marR="0">
+                        <a:lnSpc>
+                          <a:spcPct val="115000"/>
+                        </a:lnSpc>
+                        <a:spcAft>
+                          <a:spcPts val="800"/>
+                        </a:spcAft>
+                      </a:pPr>
+                      <a:r>
+                        <a:rPr lang="en-US" sz="2400" kern="100" dirty="0">
+                          <a:solidFill>
+                            <a:srgbClr val="000000"/>
+                          </a:solidFill>
+                          <a:effectLst/>
+                          <a:latin typeface="Aptos" panose="020B0004020202020204" pitchFamily="34" charset="0"/>
+                          <a:ea typeface="Aptos" panose="020B0004020202020204" pitchFamily="34" charset="0"/>
+                          <a:cs typeface="Times New Roman" panose="02020603050405020304" pitchFamily="18" charset="0"/>
+                        </a:rPr>
+                        <a:t>Accessible through Excel desktop applications.</a:t>
+                      </a:r>
+                      <a:endParaRPr lang="en-US" sz="2400" kern="100" dirty="0">
+                        <a:effectLst/>
+                        <a:latin typeface="Aptos" panose="020B0004020202020204" pitchFamily="34" charset="0"/>
+                        <a:ea typeface="Aptos" panose="020B0004020202020204" pitchFamily="34" charset="0"/>
+                        <a:cs typeface="Times New Roman" panose="02020603050405020304" pitchFamily="18" charset="0"/>
+                      </a:endParaRPr>
+                    </a:p>
+                  </a:txBody>
+                  <a:tcPr marL="75479" marR="75479" marT="75479" marB="75479" anchor="ctr">
+                    <a:lnL w="12700" cap="flat" cmpd="sng" algn="ctr">
+                      <a:solidFill>
+                        <a:srgbClr val="000000"/>
+                      </a:solidFill>
+                      <a:prstDash val="solid"/>
+                      <a:round/>
+                      <a:headEnd type="none" w="med" len="med"/>
+                      <a:tailEnd type="none" w="med" len="med"/>
+                    </a:lnL>
+                    <a:lnR w="12700" cap="flat" cmpd="sng" algn="ctr">
+                      <a:solidFill>
+                        <a:srgbClr val="000000"/>
+                      </a:solidFill>
+                      <a:prstDash val="solid"/>
+                      <a:round/>
+                      <a:headEnd type="none" w="med" len="med"/>
+                      <a:tailEnd type="none" w="med" len="med"/>
+                    </a:lnR>
+                    <a:lnT w="12700" cap="flat" cmpd="sng" algn="ctr">
+                      <a:solidFill>
+                        <a:srgbClr val="000000"/>
+                      </a:solidFill>
+                      <a:prstDash val="solid"/>
+                      <a:round/>
+                      <a:headEnd type="none" w="med" len="med"/>
+                      <a:tailEnd type="none" w="med" len="med"/>
+                    </a:lnT>
+                    <a:lnB w="12700" cap="flat" cmpd="sng" algn="ctr">
+                      <a:solidFill>
+                        <a:srgbClr val="000000"/>
+                      </a:solidFill>
+                      <a:prstDash val="solid"/>
+                      <a:round/>
+                      <a:headEnd type="none" w="med" len="med"/>
+                      <a:tailEnd type="none" w="med" len="med"/>
+                    </a:lnB>
+                    <a:solidFill>
+                      <a:srgbClr val="FFFFFF"/>
+                    </a:solidFill>
+                  </a:tcPr>
+                </a:tc>
+                <a:extLst>
+                  <a:ext uri="{0D108BD9-81ED-4DB2-BD59-A6C34878D82A}">
+                    <a16:rowId xmlns:a16="http://schemas.microsoft.com/office/drawing/2014/main" val="2896113851"/>
+                  </a:ext>
+                </a:extLst>
+              </a:tr>
+            </a:tbl>
+          </a:graphicData>
+        </a:graphic>
+      </p:graphicFrame>
+      <p:sp>
+        <p:nvSpPr>
+          <p:cNvPr id="12" name="Rectangle 2">
+            <a:extLst>
+              <a:ext uri="{FF2B5EF4-FFF2-40B4-BE49-F238E27FC236}">
+                <a16:creationId xmlns:a16="http://schemas.microsoft.com/office/drawing/2014/main" id="{7AFA900C-05D4-A44B-43CB-2EC8F4C66E5D}"/>
+              </a:ext>
+            </a:extLst>
+          </p:cNvPr>
+          <p:cNvSpPr>
+            <a:spLocks noChangeArrowheads="1"/>
+          </p:cNvSpPr>
+          <p:nvPr/>
+        </p:nvSpPr>
+        <p:spPr bwMode="auto">
+          <a:xfrm>
+            <a:off x="1174750" y="1584325"/>
+            <a:ext cx="18288000" cy="457200"/>
+          </a:xfrm>
+          <a:prstGeom prst="rect">
+            <a:avLst/>
+          </a:prstGeom>
+          <a:noFill/>
+          <a:ln>
+            <a:noFill/>
+          </a:ln>
+          <a:effectLst/>
+          <a:extLst>
+            <a:ext uri="{909E8E84-426E-40DD-AFC4-6F175D3DCCD1}">
+              <a14:hiddenFill xmlns:a14="http://schemas.microsoft.com/office/drawing/2010/main">
                 <a:solidFill>
-                  <a:srgbClr val="CF3338"/>
+                  <a:schemeClr val="accent1"/>
                 </a:solidFill>
-                <a:latin typeface="Pragmatica" panose="020B0403040502020204" pitchFamily="34" charset="0"/>
-              </a:rPr>
-              <a:t>Synthetic data simulation with Faker EXERCISE</a:t>
-            </a:r>
-          </a:p>
-          <a:p>
-            <a:endParaRPr lang="en-US" sz="4200" dirty="0">
-              <a:solidFill>
-                <a:srgbClr val="CF3338"/>
-              </a:solidFill>
-              <a:latin typeface="Pragmatica" panose="020B0403040502020204" pitchFamily="34" charset="0"/>
-            </a:endParaRPr>
-          </a:p>
-          <a:p>
-            <a:pPr marL="342900" marR="0" lvl="0" indent="-342900">
-              <a:lnSpc>
-                <a:spcPct val="115000"/>
-              </a:lnSpc>
-              <a:spcBef>
-                <a:spcPts val="0"/>
-              </a:spcBef>
-              <a:spcAft>
-                <a:spcPts val="0"/>
-              </a:spcAft>
-              <a:buFont typeface="+mj-lt"/>
-              <a:buAutoNum type="arabicPeriod"/>
-            </a:pPr>
-            <a:r>
-              <a:rPr lang="en-US" sz="3200" kern="100" dirty="0">
+              </a14:hiddenFill>
+            </a:ext>
+            <a:ext uri="{91240B29-F687-4F45-9708-019B960494DF}">
+              <a14:hiddenLine xmlns:a14="http://schemas.microsoft.com/office/drawing/2010/main" w="9525">
                 <a:solidFill>
-                  <a:srgbClr val="CF3338"/>
+                  <a:schemeClr val="tx1"/>
                 </a:solidFill>
-                <a:effectLst/>
-                <a:latin typeface="Pragmatica" panose="020B0403040502020204"/>
-                <a:ea typeface="Aptos" panose="020B0004020202020204" pitchFamily="34" charset="0"/>
-                <a:cs typeface="Times New Roman" panose="02020603050405020304" pitchFamily="18" charset="0"/>
-              </a:rPr>
-              <a:t>Generate 5 random email addresses (</a:t>
-            </a:r>
-            <a:r>
-              <a:rPr lang="en-US" sz="3200" kern="100" dirty="0" err="1">
-                <a:solidFill>
-                  <a:srgbClr val="CF3338"/>
-                </a:solidFill>
-                <a:effectLst/>
-                <a:latin typeface="Pragmatica" panose="020B0403040502020204"/>
-                <a:ea typeface="Aptos" panose="020B0004020202020204" pitchFamily="34" charset="0"/>
-                <a:cs typeface="Times New Roman" panose="02020603050405020304" pitchFamily="18" charset="0"/>
-              </a:rPr>
-              <a:t>fake.email</a:t>
-            </a:r>
-            <a:r>
-              <a:rPr lang="en-US" sz="3200" kern="100" dirty="0">
-                <a:solidFill>
-                  <a:srgbClr val="CF3338"/>
-                </a:solidFill>
-                <a:effectLst/>
-                <a:latin typeface="Pragmatica" panose="020B0403040502020204"/>
-                <a:ea typeface="Aptos" panose="020B0004020202020204" pitchFamily="34" charset="0"/>
-                <a:cs typeface="Times New Roman" panose="02020603050405020304" pitchFamily="18" charset="0"/>
-              </a:rPr>
-              <a:t>())</a:t>
-            </a:r>
-          </a:p>
-          <a:p>
-            <a:pPr marL="342900" marR="0" lvl="0" indent="-342900">
-              <a:lnSpc>
-                <a:spcPct val="115000"/>
-              </a:lnSpc>
-              <a:spcBef>
-                <a:spcPts val="0"/>
-              </a:spcBef>
-              <a:spcAft>
-                <a:spcPts val="0"/>
-              </a:spcAft>
-              <a:buFont typeface="+mj-lt"/>
-              <a:buAutoNum type="arabicPeriod"/>
-            </a:pPr>
-            <a:r>
-              <a:rPr lang="en-US" sz="3200" kern="100" dirty="0">
-                <a:solidFill>
-                  <a:srgbClr val="CF3338"/>
-                </a:solidFill>
-                <a:effectLst/>
-                <a:latin typeface="Pragmatica" panose="020B0403040502020204"/>
-                <a:ea typeface="Aptos" panose="020B0004020202020204" pitchFamily="34" charset="0"/>
-                <a:cs typeface="Times New Roman" panose="02020603050405020304" pitchFamily="18" charset="0"/>
-              </a:rPr>
-              <a:t>Generate 3 random city names (</a:t>
-            </a:r>
-            <a:r>
-              <a:rPr lang="en-US" sz="3200" kern="100" dirty="0" err="1">
-                <a:solidFill>
-                  <a:srgbClr val="CF3338"/>
-                </a:solidFill>
-                <a:effectLst/>
-                <a:latin typeface="Pragmatica" panose="020B0403040502020204"/>
-                <a:ea typeface="Aptos" panose="020B0004020202020204" pitchFamily="34" charset="0"/>
-                <a:cs typeface="Times New Roman" panose="02020603050405020304" pitchFamily="18" charset="0"/>
-              </a:rPr>
-              <a:t>fake.city</a:t>
-            </a:r>
-            <a:r>
-              <a:rPr lang="en-US" sz="3200" kern="100" dirty="0">
-                <a:solidFill>
-                  <a:srgbClr val="CF3338"/>
-                </a:solidFill>
-                <a:effectLst/>
-                <a:latin typeface="Pragmatica" panose="020B0403040502020204"/>
-                <a:ea typeface="Aptos" panose="020B0004020202020204" pitchFamily="34" charset="0"/>
-                <a:cs typeface="Times New Roman" panose="02020603050405020304" pitchFamily="18" charset="0"/>
-              </a:rPr>
-              <a:t>())</a:t>
-            </a:r>
-          </a:p>
-          <a:p>
-            <a:pPr marL="342900" marR="0" lvl="0" indent="-342900">
-              <a:lnSpc>
-                <a:spcPct val="115000"/>
-              </a:lnSpc>
-              <a:spcBef>
-                <a:spcPts val="0"/>
-              </a:spcBef>
-              <a:spcAft>
-                <a:spcPts val="0"/>
-              </a:spcAft>
-              <a:buFont typeface="+mj-lt"/>
-              <a:buAutoNum type="arabicPeriod"/>
-            </a:pPr>
-            <a:r>
-              <a:rPr lang="en-US" sz="3200" kern="100" dirty="0">
-                <a:solidFill>
-                  <a:srgbClr val="CF3338"/>
-                </a:solidFill>
-                <a:effectLst/>
-                <a:latin typeface="Pragmatica" panose="020B0403040502020204"/>
-                <a:ea typeface="Aptos" panose="020B0004020202020204" pitchFamily="34" charset="0"/>
-                <a:cs typeface="Times New Roman" panose="02020603050405020304" pitchFamily="18" charset="0"/>
-              </a:rPr>
-              <a:t>Modify your code to set a random seed </a:t>
-            </a:r>
-          </a:p>
-          <a:p>
-            <a:pPr marL="342900" marR="0" lvl="0" indent="-342900">
-              <a:lnSpc>
-                <a:spcPct val="115000"/>
-              </a:lnSpc>
-              <a:spcBef>
-                <a:spcPts val="0"/>
-              </a:spcBef>
-              <a:spcAft>
-                <a:spcPts val="0"/>
-              </a:spcAft>
-              <a:buFont typeface="+mj-lt"/>
-              <a:buAutoNum type="arabicPeriod"/>
-            </a:pPr>
-            <a:r>
-              <a:rPr lang="en-US" sz="3200" kern="100" dirty="0">
-                <a:solidFill>
-                  <a:srgbClr val="CF3338"/>
-                </a:solidFill>
-                <a:effectLst/>
-                <a:latin typeface="Pragmatica" panose="020B0403040502020204"/>
-                <a:ea typeface="Aptos" panose="020B0004020202020204" pitchFamily="34" charset="0"/>
-                <a:cs typeface="Times New Roman" panose="02020603050405020304" pitchFamily="18" charset="0"/>
-              </a:rPr>
-              <a:t>Create a </a:t>
-            </a:r>
-            <a:r>
-              <a:rPr lang="en-US" sz="3200" kern="100" dirty="0" err="1">
-                <a:solidFill>
-                  <a:srgbClr val="CF3338"/>
-                </a:solidFill>
-                <a:effectLst/>
-                <a:latin typeface="Pragmatica" panose="020B0403040502020204"/>
-                <a:ea typeface="Aptos" panose="020B0004020202020204" pitchFamily="34" charset="0"/>
-                <a:cs typeface="Times New Roman" panose="02020603050405020304" pitchFamily="18" charset="0"/>
-              </a:rPr>
-              <a:t>DataFrame</a:t>
-            </a:r>
-            <a:r>
-              <a:rPr lang="en-US" sz="3200" kern="100" dirty="0">
-                <a:solidFill>
-                  <a:srgbClr val="CF3338"/>
-                </a:solidFill>
-                <a:effectLst/>
-                <a:latin typeface="Pragmatica" panose="020B0403040502020204"/>
-                <a:ea typeface="Aptos" panose="020B0004020202020204" pitchFamily="34" charset="0"/>
-                <a:cs typeface="Times New Roman" panose="02020603050405020304" pitchFamily="18" charset="0"/>
-              </a:rPr>
-              <a:t> with 10 rows of fake</a:t>
-            </a:r>
-          </a:p>
-          <a:p>
-            <a:pPr marL="742950" marR="0" lvl="1" indent="-285750">
-              <a:lnSpc>
-                <a:spcPct val="115000"/>
-              </a:lnSpc>
-              <a:spcBef>
-                <a:spcPts val="0"/>
-              </a:spcBef>
-              <a:spcAft>
-                <a:spcPts val="0"/>
-              </a:spcAft>
-              <a:buFont typeface="+mj-lt"/>
-              <a:buAutoNum type="alphaLcPeriod"/>
-            </a:pPr>
-            <a:r>
-              <a:rPr lang="en-US" sz="3200" kern="100" dirty="0">
-                <a:solidFill>
-                  <a:srgbClr val="CF3338"/>
-                </a:solidFill>
-                <a:effectLst/>
-                <a:latin typeface="Pragmatica" panose="020B0403040502020204"/>
-                <a:ea typeface="Aptos" panose="020B0004020202020204" pitchFamily="34" charset="0"/>
-                <a:cs typeface="Times New Roman" panose="02020603050405020304" pitchFamily="18" charset="0"/>
-              </a:rPr>
-              <a:t>Name (fake.name())</a:t>
-            </a:r>
-          </a:p>
-          <a:p>
-            <a:pPr marL="742950" marR="0" lvl="1" indent="-285750">
-              <a:lnSpc>
-                <a:spcPct val="115000"/>
-              </a:lnSpc>
-              <a:spcBef>
-                <a:spcPts val="0"/>
-              </a:spcBef>
-              <a:spcAft>
-                <a:spcPts val="0"/>
-              </a:spcAft>
-              <a:buFont typeface="+mj-lt"/>
-              <a:buAutoNum type="alphaLcPeriod"/>
-            </a:pPr>
-            <a:r>
-              <a:rPr lang="en-US" sz="3200" kern="100" dirty="0">
-                <a:solidFill>
-                  <a:srgbClr val="CF3338"/>
-                </a:solidFill>
-                <a:effectLst/>
-                <a:latin typeface="Pragmatica" panose="020B0403040502020204"/>
-                <a:ea typeface="Aptos" panose="020B0004020202020204" pitchFamily="34" charset="0"/>
-                <a:cs typeface="Times New Roman" panose="02020603050405020304" pitchFamily="18" charset="0"/>
-              </a:rPr>
-              <a:t>Phone number (</a:t>
-            </a:r>
-            <a:r>
-              <a:rPr lang="en-US" sz="3200" kern="100" dirty="0" err="1">
-                <a:solidFill>
-                  <a:srgbClr val="CF3338"/>
-                </a:solidFill>
-                <a:effectLst/>
-                <a:latin typeface="Pragmatica" panose="020B0403040502020204"/>
-                <a:ea typeface="Aptos" panose="020B0004020202020204" pitchFamily="34" charset="0"/>
-                <a:cs typeface="Times New Roman" panose="02020603050405020304" pitchFamily="18" charset="0"/>
-              </a:rPr>
-              <a:t>fake.phone_number</a:t>
-            </a:r>
-            <a:r>
-              <a:rPr lang="en-US" sz="3200" kern="100" dirty="0">
-                <a:solidFill>
-                  <a:srgbClr val="CF3338"/>
-                </a:solidFill>
-                <a:effectLst/>
-                <a:latin typeface="Pragmatica" panose="020B0403040502020204"/>
-                <a:ea typeface="Aptos" panose="020B0004020202020204" pitchFamily="34" charset="0"/>
-                <a:cs typeface="Times New Roman" panose="02020603050405020304" pitchFamily="18" charset="0"/>
-              </a:rPr>
-              <a:t>())</a:t>
-            </a:r>
-          </a:p>
-          <a:p>
-            <a:pPr marL="742950" marR="0" lvl="1" indent="-285750">
-              <a:lnSpc>
-                <a:spcPct val="115000"/>
-              </a:lnSpc>
-              <a:spcBef>
-                <a:spcPts val="0"/>
-              </a:spcBef>
-              <a:spcAft>
-                <a:spcPts val="0"/>
-              </a:spcAft>
-              <a:buFont typeface="+mj-lt"/>
-              <a:buAutoNum type="alphaLcPeriod"/>
-            </a:pPr>
-            <a:r>
-              <a:rPr lang="en-US" sz="3200" kern="100" dirty="0">
-                <a:solidFill>
-                  <a:srgbClr val="CF3338"/>
-                </a:solidFill>
-                <a:effectLst/>
-                <a:latin typeface="Pragmatica" panose="020B0403040502020204"/>
-                <a:ea typeface="Aptos" panose="020B0004020202020204" pitchFamily="34" charset="0"/>
-                <a:cs typeface="Times New Roman" panose="02020603050405020304" pitchFamily="18" charset="0"/>
-              </a:rPr>
-              <a:t>Company (</a:t>
-            </a:r>
-            <a:r>
-              <a:rPr lang="en-US" sz="3200" kern="100" dirty="0" err="1">
-                <a:solidFill>
-                  <a:srgbClr val="CF3338"/>
-                </a:solidFill>
-                <a:effectLst/>
-                <a:latin typeface="Pragmatica" panose="020B0403040502020204"/>
-                <a:ea typeface="Aptos" panose="020B0004020202020204" pitchFamily="34" charset="0"/>
-                <a:cs typeface="Times New Roman" panose="02020603050405020304" pitchFamily="18" charset="0"/>
-              </a:rPr>
-              <a:t>fake.company</a:t>
-            </a:r>
-            <a:r>
-              <a:rPr lang="en-US" sz="3200" kern="100" dirty="0">
-                <a:solidFill>
-                  <a:srgbClr val="CF3338"/>
-                </a:solidFill>
-                <a:effectLst/>
-                <a:latin typeface="Pragmatica" panose="020B0403040502020204"/>
-                <a:ea typeface="Aptos" panose="020B0004020202020204" pitchFamily="34" charset="0"/>
-                <a:cs typeface="Times New Roman" panose="02020603050405020304" pitchFamily="18" charset="0"/>
-              </a:rPr>
-              <a:t>())</a:t>
-            </a:r>
-          </a:p>
-          <a:p>
-            <a:pPr marL="742950" marR="0" lvl="1" indent="-285750">
-              <a:lnSpc>
-                <a:spcPct val="115000"/>
-              </a:lnSpc>
-              <a:spcBef>
-                <a:spcPts val="0"/>
-              </a:spcBef>
-              <a:spcAft>
-                <a:spcPts val="0"/>
-              </a:spcAft>
-              <a:buFont typeface="+mj-lt"/>
-              <a:buAutoNum type="alphaLcPeriod"/>
-            </a:pPr>
-            <a:r>
-              <a:rPr lang="en-US" sz="3200" kern="100" dirty="0">
-                <a:solidFill>
-                  <a:srgbClr val="CF3338"/>
-                </a:solidFill>
-                <a:effectLst/>
-                <a:latin typeface="Pragmatica" panose="020B0403040502020204"/>
-                <a:ea typeface="Aptos" panose="020B0004020202020204" pitchFamily="34" charset="0"/>
-                <a:cs typeface="Times New Roman" panose="02020603050405020304" pitchFamily="18" charset="0"/>
-              </a:rPr>
-              <a:t>Credit card number (</a:t>
-            </a:r>
-            <a:r>
-              <a:rPr lang="en-US" sz="3200" kern="100" dirty="0" err="1">
-                <a:solidFill>
-                  <a:srgbClr val="CF3338"/>
-                </a:solidFill>
-                <a:effectLst/>
-                <a:latin typeface="Pragmatica" panose="020B0403040502020204"/>
-                <a:ea typeface="Aptos" panose="020B0004020202020204" pitchFamily="34" charset="0"/>
-                <a:cs typeface="Times New Roman" panose="02020603050405020304" pitchFamily="18" charset="0"/>
-              </a:rPr>
-              <a:t>fake.credit_card_number</a:t>
-            </a:r>
-            <a:r>
-              <a:rPr lang="en-US" sz="3200" kern="100" dirty="0">
-                <a:solidFill>
-                  <a:srgbClr val="CF3338"/>
-                </a:solidFill>
-                <a:effectLst/>
-                <a:latin typeface="Pragmatica" panose="020B0403040502020204"/>
-                <a:ea typeface="Aptos" panose="020B0004020202020204" pitchFamily="34" charset="0"/>
-                <a:cs typeface="Times New Roman" panose="02020603050405020304" pitchFamily="18" charset="0"/>
-              </a:rPr>
-              <a:t>())</a:t>
-            </a:r>
-          </a:p>
-          <a:p>
-            <a:pPr marL="742950" marR="0" lvl="1" indent="-285750">
-              <a:lnSpc>
-                <a:spcPct val="115000"/>
-              </a:lnSpc>
-              <a:spcBef>
-                <a:spcPts val="0"/>
-              </a:spcBef>
-              <a:spcAft>
-                <a:spcPts val="800"/>
-              </a:spcAft>
-              <a:buFont typeface="+mj-lt"/>
-              <a:buAutoNum type="alphaLcPeriod"/>
-            </a:pPr>
-            <a:r>
-              <a:rPr lang="en-US" sz="3200" kern="100" dirty="0">
-                <a:solidFill>
-                  <a:srgbClr val="CF3338"/>
-                </a:solidFill>
-                <a:effectLst/>
-                <a:latin typeface="Pragmatica" panose="020B0403040502020204"/>
-                <a:ea typeface="Aptos" panose="020B0004020202020204" pitchFamily="34" charset="0"/>
-                <a:cs typeface="Times New Roman" panose="02020603050405020304" pitchFamily="18" charset="0"/>
-              </a:rPr>
-              <a:t>Job (</a:t>
-            </a:r>
-            <a:r>
-              <a:rPr lang="en-US" sz="3200" kern="100" dirty="0" err="1">
-                <a:solidFill>
-                  <a:srgbClr val="CF3338"/>
-                </a:solidFill>
-                <a:effectLst/>
-                <a:latin typeface="Pragmatica" panose="020B0403040502020204"/>
-                <a:ea typeface="Aptos" panose="020B0004020202020204" pitchFamily="34" charset="0"/>
-                <a:cs typeface="Times New Roman" panose="02020603050405020304" pitchFamily="18" charset="0"/>
-              </a:rPr>
-              <a:t>fake.job</a:t>
-            </a:r>
-            <a:r>
-              <a:rPr lang="en-US" sz="3200" kern="100" dirty="0">
-                <a:solidFill>
-                  <a:srgbClr val="CF3338"/>
-                </a:solidFill>
-                <a:effectLst/>
-                <a:latin typeface="Pragmatica" panose="020B0403040502020204"/>
-                <a:ea typeface="Aptos" panose="020B0004020202020204" pitchFamily="34" charset="0"/>
-                <a:cs typeface="Times New Roman" panose="02020603050405020304" pitchFamily="18" charset="0"/>
-              </a:rPr>
-              <a:t>())</a:t>
-            </a:r>
-          </a:p>
-          <a:p>
-            <a:pPr marL="142875">
-              <a:lnSpc>
-                <a:spcPct val="115000"/>
-              </a:lnSpc>
-              <a:spcBef>
-                <a:spcPts val="1125"/>
-              </a:spcBef>
-              <a:buClr>
-                <a:srgbClr val="C00000"/>
-              </a:buClr>
-              <a:buSzPts val="2100"/>
-            </a:pPr>
-            <a:r>
-              <a:rPr lang="en-US" sz="3600" dirty="0">
-                <a:solidFill>
-                  <a:srgbClr val="C00000"/>
-                </a:solidFill>
-                <a:latin typeface="Pragmatica" panose="020B0403040502020204"/>
-                <a:sym typeface="Consolas"/>
-              </a:rPr>
-              <a:t>File: </a:t>
-            </a:r>
-            <a:r>
-              <a:rPr lang="en-US" sz="3600" dirty="0">
-                <a:solidFill>
-                  <a:srgbClr val="C00000"/>
-                </a:solidFill>
-                <a:latin typeface="Consolas" panose="020B0609020204030204" pitchFamily="49" charset="0"/>
-                <a:sym typeface="Consolas"/>
-              </a:rPr>
-              <a:t>monte-carlo-demos.xlsx</a:t>
-            </a:r>
-            <a:endParaRPr lang="en-US" sz="6000" dirty="0">
-              <a:solidFill>
-                <a:srgbClr val="CF3338"/>
-              </a:solidFill>
-              <a:latin typeface="Consolas" panose="020B0609020204030204" pitchFamily="49" charset="0"/>
-            </a:endParaRPr>
-          </a:p>
-          <a:p>
-            <a:endParaRPr lang="en-US" sz="6000" dirty="0">
-              <a:solidFill>
-                <a:srgbClr val="CF3338"/>
-              </a:solidFill>
-              <a:latin typeface="Pragmatica" panose="020B0403040502020204" pitchFamily="34" charset="0"/>
-            </a:endParaRPr>
+                <a:miter lim="800000"/>
+                <a:headEnd/>
+                <a:tailEnd/>
+              </a14:hiddenLine>
+            </a:ext>
+            <a:ext uri="{AF507438-7753-43E0-B8FC-AC1667EBCBE1}">
+              <a14:hiddenEffects xmlns:a14="http://schemas.microsoft.com/office/drawing/2010/main">
+                <a:effectLst>
+                  <a:outerShdw dist="35921" dir="2700000" algn="ctr" rotWithShape="0">
+                    <a:schemeClr val="bg2"/>
+                  </a:outerShdw>
+                </a:effectLst>
+              </a14:hiddenEffects>
+            </a:ext>
+          </a:extLst>
+        </p:spPr>
+        <p:txBody>
+          <a:bodyPr vert="horz" wrap="none" lIns="91440" tIns="45720" rIns="91440" bIns="45720" numCol="1" anchor="ctr" anchorCtr="0" compatLnSpc="1">
+            <a:prstTxWarp prst="textNoShape">
+              <a:avLst/>
+            </a:prstTxWarp>
+            <a:spAutoFit/>
+          </a:bodyPr>
+          <a:lstStyle/>
+          <a:p>
+            <a:endParaRPr lang="en-US"/>
           </a:p>
         </p:txBody>
       </p:sp>
     </p:spTree>
     <p:extLst>
       <p:ext uri="{BB962C8B-B14F-4D97-AF65-F5344CB8AC3E}">
-        <p14:creationId xmlns:p14="http://schemas.microsoft.com/office/powerpoint/2010/main" val="1679221718"/>
+        <p14:creationId xmlns:p14="http://schemas.microsoft.com/office/powerpoint/2010/main" val="1527814733"/>
       </p:ext>
     </p:extLst>
   </p:cSld>
@@ -7891,6 +8924,1766 @@
 </file>
 
 <file path=ppt/slides/slide7.xml><?xml version="1.0" encoding="utf-8"?>
+<p:sld xmlns:a="http://schemas.openxmlformats.org/drawingml/2006/main" xmlns:r="http://schemas.openxmlformats.org/officeDocument/2006/relationships" xmlns:p="http://schemas.openxmlformats.org/presentationml/2006/main">
+  <p:cSld>
+    <p:spTree>
+      <p:nvGrpSpPr>
+        <p:cNvPr id="1" name="">
+          <a:extLst>
+            <a:ext uri="{FF2B5EF4-FFF2-40B4-BE49-F238E27FC236}">
+              <a16:creationId xmlns:a16="http://schemas.microsoft.com/office/drawing/2014/main" id="{E7DCA134-AE57-8A39-EE91-093D5C52822D}"/>
+            </a:ext>
+          </a:extLst>
+        </p:cNvPr>
+        <p:cNvGrpSpPr/>
+        <p:nvPr/>
+      </p:nvGrpSpPr>
+      <p:grpSpPr>
+        <a:xfrm>
+          <a:off x="0" y="0"/>
+          <a:ext cx="0" cy="0"/>
+          <a:chOff x="0" y="0"/>
+          <a:chExt cx="0" cy="0"/>
+        </a:xfrm>
+      </p:grpSpPr>
+      <p:sp>
+        <p:nvSpPr>
+          <p:cNvPr id="11" name="TextBox 10">
+            <a:extLst>
+              <a:ext uri="{FF2B5EF4-FFF2-40B4-BE49-F238E27FC236}">
+                <a16:creationId xmlns:a16="http://schemas.microsoft.com/office/drawing/2014/main" id="{0645A4A9-4F5E-AA96-2EBB-2056B7D1FA1C}"/>
+              </a:ext>
+            </a:extLst>
+          </p:cNvPr>
+          <p:cNvSpPr txBox="1"/>
+          <p:nvPr/>
+        </p:nvSpPr>
+        <p:spPr>
+          <a:xfrm>
+            <a:off x="520861" y="170082"/>
+            <a:ext cx="15925800" cy="1477328"/>
+          </a:xfrm>
+          <a:prstGeom prst="rect">
+            <a:avLst/>
+          </a:prstGeom>
+          <a:noFill/>
+        </p:spPr>
+        <p:txBody>
+          <a:bodyPr wrap="square" rtlCol="0">
+            <a:spAutoFit/>
+          </a:bodyPr>
+          <a:lstStyle/>
+          <a:p>
+            <a:r>
+              <a:rPr lang="en-US" sz="9000" dirty="0">
+                <a:latin typeface="Aliens &amp; cows" panose="00000500000000000000" pitchFamily="2" charset="0"/>
+              </a:rPr>
+              <a:t>Office Scripts vs VBA (</a:t>
+            </a:r>
+            <a:r>
+              <a:rPr lang="en-US" sz="9000" dirty="0" err="1">
+                <a:latin typeface="Aliens &amp; cows" panose="00000500000000000000" pitchFamily="2" charset="0"/>
+              </a:rPr>
+              <a:t>contd</a:t>
+            </a:r>
+            <a:r>
+              <a:rPr lang="en-US" sz="9000" dirty="0">
+                <a:latin typeface="Aliens &amp; cows" panose="00000500000000000000" pitchFamily="2" charset="0"/>
+              </a:rPr>
+              <a:t>)</a:t>
+            </a:r>
+          </a:p>
+        </p:txBody>
+      </p:sp>
+      <p:pic>
+        <p:nvPicPr>
+          <p:cNvPr id="15" name="Picture 14" descr="A close up of a sign&#10;&#10;Description automatically generated">
+            <a:extLst>
+              <a:ext uri="{FF2B5EF4-FFF2-40B4-BE49-F238E27FC236}">
+                <a16:creationId xmlns:a16="http://schemas.microsoft.com/office/drawing/2014/main" id="{BF0F9BC3-310B-3BD1-CCFA-2FA72123E11B}"/>
+              </a:ext>
+            </a:extLst>
+          </p:cNvPr>
+          <p:cNvPicPr>
+            <a:picLocks noChangeAspect="1"/>
+          </p:cNvPicPr>
+          <p:nvPr/>
+        </p:nvPicPr>
+        <p:blipFill>
+          <a:blip r:embed="rId2">
+            <a:extLst>
+              <a:ext uri="{28A0092B-C50C-407E-A947-70E740481C1C}">
+                <a14:useLocalDpi xmlns:a14="http://schemas.microsoft.com/office/drawing/2010/main" val="0"/>
+              </a:ext>
+            </a:extLst>
+          </a:blip>
+          <a:stretch>
+            <a:fillRect/>
+          </a:stretch>
+        </p:blipFill>
+        <p:spPr>
+          <a:xfrm>
+            <a:off x="16341036" y="8058429"/>
+            <a:ext cx="1942857" cy="2228571"/>
+          </a:xfrm>
+          <a:prstGeom prst="rect">
+            <a:avLst/>
+          </a:prstGeom>
+        </p:spPr>
+      </p:pic>
+      <p:sp>
+        <p:nvSpPr>
+          <p:cNvPr id="12" name="Rectangle 2">
+            <a:extLst>
+              <a:ext uri="{FF2B5EF4-FFF2-40B4-BE49-F238E27FC236}">
+                <a16:creationId xmlns:a16="http://schemas.microsoft.com/office/drawing/2014/main" id="{B18EB482-C438-EE78-C1A1-32BC07340C80}"/>
+              </a:ext>
+            </a:extLst>
+          </p:cNvPr>
+          <p:cNvSpPr>
+            <a:spLocks noChangeArrowheads="1"/>
+          </p:cNvSpPr>
+          <p:nvPr/>
+        </p:nvSpPr>
+        <p:spPr bwMode="auto">
+          <a:xfrm>
+            <a:off x="1174750" y="1584325"/>
+            <a:ext cx="18288000" cy="457200"/>
+          </a:xfrm>
+          <a:prstGeom prst="rect">
+            <a:avLst/>
+          </a:prstGeom>
+          <a:noFill/>
+          <a:ln>
+            <a:noFill/>
+          </a:ln>
+          <a:effectLst/>
+          <a:extLst>
+            <a:ext uri="{909E8E84-426E-40DD-AFC4-6F175D3DCCD1}">
+              <a14:hiddenFill xmlns:a14="http://schemas.microsoft.com/office/drawing/2010/main">
+                <a:solidFill>
+                  <a:schemeClr val="accent1"/>
+                </a:solidFill>
+              </a14:hiddenFill>
+            </a:ext>
+            <a:ext uri="{91240B29-F687-4F45-9708-019B960494DF}">
+              <a14:hiddenLine xmlns:a14="http://schemas.microsoft.com/office/drawing/2010/main" w="9525">
+                <a:solidFill>
+                  <a:schemeClr val="tx1"/>
+                </a:solidFill>
+                <a:miter lim="800000"/>
+                <a:headEnd/>
+                <a:tailEnd/>
+              </a14:hiddenLine>
+            </a:ext>
+            <a:ext uri="{AF507438-7753-43E0-B8FC-AC1667EBCBE1}">
+              <a14:hiddenEffects xmlns:a14="http://schemas.microsoft.com/office/drawing/2010/main">
+                <a:effectLst>
+                  <a:outerShdw dist="35921" dir="2700000" algn="ctr" rotWithShape="0">
+                    <a:schemeClr val="bg2"/>
+                  </a:outerShdw>
+                </a:effectLst>
+              </a14:hiddenEffects>
+            </a:ext>
+          </a:extLst>
+        </p:spPr>
+        <p:txBody>
+          <a:bodyPr vert="horz" wrap="none" lIns="91440" tIns="45720" rIns="91440" bIns="45720" numCol="1" anchor="ctr" anchorCtr="0" compatLnSpc="1">
+            <a:prstTxWarp prst="textNoShape">
+              <a:avLst/>
+            </a:prstTxWarp>
+            <a:spAutoFit/>
+          </a:bodyPr>
+          <a:lstStyle/>
+          <a:p>
+            <a:endParaRPr lang="en-US"/>
+          </a:p>
+        </p:txBody>
+      </p:sp>
+      <p:graphicFrame>
+        <p:nvGraphicFramePr>
+          <p:cNvPr id="4" name="Table 3">
+            <a:extLst>
+              <a:ext uri="{FF2B5EF4-FFF2-40B4-BE49-F238E27FC236}">
+                <a16:creationId xmlns:a16="http://schemas.microsoft.com/office/drawing/2014/main" id="{54721C33-A874-3B9B-D740-2D6D5772ED05}"/>
+              </a:ext>
+            </a:extLst>
+          </p:cNvPr>
+          <p:cNvGraphicFramePr>
+            <a:graphicFrameLocks noGrp="1"/>
+          </p:cNvGraphicFramePr>
+          <p:nvPr>
+            <p:extLst>
+              <p:ext uri="{D42A27DB-BD31-4B8C-83A1-F6EECF244321}">
+                <p14:modId xmlns:p14="http://schemas.microsoft.com/office/powerpoint/2010/main" val="1851797811"/>
+              </p:ext>
+            </p:extLst>
+          </p:nvPr>
+        </p:nvGraphicFramePr>
+        <p:xfrm>
+          <a:off x="954393" y="1714500"/>
+          <a:ext cx="15544800" cy="7099176"/>
+        </p:xfrm>
+        <a:graphic>
+          <a:graphicData uri="http://schemas.openxmlformats.org/drawingml/2006/table">
+            <a:tbl>
+              <a:tblPr firstRow="1" firstCol="1" bandRow="1"/>
+              <a:tblGrid>
+                <a:gridCol w="5181600">
+                  <a:extLst>
+                    <a:ext uri="{9D8B030D-6E8A-4147-A177-3AD203B41FA5}">
+                      <a16:colId xmlns:a16="http://schemas.microsoft.com/office/drawing/2014/main" val="330087946"/>
+                    </a:ext>
+                  </a:extLst>
+                </a:gridCol>
+                <a:gridCol w="5181600">
+                  <a:extLst>
+                    <a:ext uri="{9D8B030D-6E8A-4147-A177-3AD203B41FA5}">
+                      <a16:colId xmlns:a16="http://schemas.microsoft.com/office/drawing/2014/main" val="4197935188"/>
+                    </a:ext>
+                  </a:extLst>
+                </a:gridCol>
+                <a:gridCol w="5181600">
+                  <a:extLst>
+                    <a:ext uri="{9D8B030D-6E8A-4147-A177-3AD203B41FA5}">
+                      <a16:colId xmlns:a16="http://schemas.microsoft.com/office/drawing/2014/main" val="4196848926"/>
+                    </a:ext>
+                  </a:extLst>
+                </a:gridCol>
+              </a:tblGrid>
+              <a:tr h="0">
+                <a:tc>
+                  <a:txBody>
+                    <a:bodyPr/>
+                    <a:lstStyle/>
+                    <a:p>
+                      <a:pPr marL="0" marR="0">
+                        <a:lnSpc>
+                          <a:spcPct val="115000"/>
+                        </a:lnSpc>
+                        <a:spcAft>
+                          <a:spcPts val="800"/>
+                        </a:spcAft>
+                      </a:pPr>
+                      <a:r>
+                        <a:rPr lang="en-US" sz="2400" b="1" kern="100">
+                          <a:solidFill>
+                            <a:srgbClr val="000000"/>
+                          </a:solidFill>
+                          <a:effectLst/>
+                          <a:latin typeface="Aptos" panose="020B0004020202020204" pitchFamily="34" charset="0"/>
+                          <a:ea typeface="Aptos" panose="020B0004020202020204" pitchFamily="34" charset="0"/>
+                          <a:cs typeface="Times New Roman" panose="02020603050405020304" pitchFamily="18" charset="0"/>
+                        </a:rPr>
+                        <a:t>Recording Capability</a:t>
+                      </a:r>
+                      <a:endParaRPr lang="en-US" sz="2400" kern="100">
+                        <a:effectLst/>
+                        <a:latin typeface="Aptos" panose="020B0004020202020204" pitchFamily="34" charset="0"/>
+                        <a:ea typeface="Aptos" panose="020B0004020202020204" pitchFamily="34" charset="0"/>
+                        <a:cs typeface="Times New Roman" panose="02020603050405020304" pitchFamily="18" charset="0"/>
+                      </a:endParaRPr>
+                    </a:p>
+                  </a:txBody>
+                  <a:tcPr marL="76200" marR="76200" marT="76200" marB="76200" anchor="ctr">
+                    <a:lnL w="12700" cap="flat" cmpd="sng" algn="ctr">
+                      <a:solidFill>
+                        <a:srgbClr val="000000"/>
+                      </a:solidFill>
+                      <a:prstDash val="solid"/>
+                      <a:round/>
+                      <a:headEnd type="none" w="med" len="med"/>
+                      <a:tailEnd type="none" w="med" len="med"/>
+                    </a:lnL>
+                    <a:lnR w="12700" cap="flat" cmpd="sng" algn="ctr">
+                      <a:solidFill>
+                        <a:srgbClr val="000000"/>
+                      </a:solidFill>
+                      <a:prstDash val="solid"/>
+                      <a:round/>
+                      <a:headEnd type="none" w="med" len="med"/>
+                      <a:tailEnd type="none" w="med" len="med"/>
+                    </a:lnR>
+                    <a:lnT w="12700" cap="flat" cmpd="sng" algn="ctr">
+                      <a:solidFill>
+                        <a:srgbClr val="000000"/>
+                      </a:solidFill>
+                      <a:prstDash val="solid"/>
+                      <a:round/>
+                      <a:headEnd type="none" w="med" len="med"/>
+                      <a:tailEnd type="none" w="med" len="med"/>
+                    </a:lnT>
+                    <a:lnB w="12700" cap="flat" cmpd="sng" algn="ctr">
+                      <a:solidFill>
+                        <a:srgbClr val="000000"/>
+                      </a:solidFill>
+                      <a:prstDash val="solid"/>
+                      <a:round/>
+                      <a:headEnd type="none" w="med" len="med"/>
+                      <a:tailEnd type="none" w="med" len="med"/>
+                    </a:lnB>
+                    <a:solidFill>
+                      <a:srgbClr val="FFFFFF"/>
+                    </a:solidFill>
+                  </a:tcPr>
+                </a:tc>
+                <a:tc>
+                  <a:txBody>
+                    <a:bodyPr/>
+                    <a:lstStyle/>
+                    <a:p>
+                      <a:pPr marL="0" marR="0">
+                        <a:lnSpc>
+                          <a:spcPct val="115000"/>
+                        </a:lnSpc>
+                        <a:spcAft>
+                          <a:spcPts val="800"/>
+                        </a:spcAft>
+                      </a:pPr>
+                      <a:r>
+                        <a:rPr lang="en-US" sz="2400" kern="100">
+                          <a:solidFill>
+                            <a:srgbClr val="000000"/>
+                          </a:solidFill>
+                          <a:effectLst/>
+                          <a:latin typeface="Aptos" panose="020B0004020202020204" pitchFamily="34" charset="0"/>
+                          <a:ea typeface="Aptos" panose="020B0004020202020204" pitchFamily="34" charset="0"/>
+                          <a:cs typeface="Times New Roman" panose="02020603050405020304" pitchFamily="18" charset="0"/>
+                        </a:rPr>
+                        <a:t>Offers a macro recorder to generate scripts.</a:t>
+                      </a:r>
+                      <a:endParaRPr lang="en-US" sz="2400" kern="100">
+                        <a:effectLst/>
+                        <a:latin typeface="Aptos" panose="020B0004020202020204" pitchFamily="34" charset="0"/>
+                        <a:ea typeface="Aptos" panose="020B0004020202020204" pitchFamily="34" charset="0"/>
+                        <a:cs typeface="Times New Roman" panose="02020603050405020304" pitchFamily="18" charset="0"/>
+                      </a:endParaRPr>
+                    </a:p>
+                  </a:txBody>
+                  <a:tcPr marL="76200" marR="76200" marT="76200" marB="76200" anchor="ctr">
+                    <a:lnL w="12700" cap="flat" cmpd="sng" algn="ctr">
+                      <a:solidFill>
+                        <a:srgbClr val="000000"/>
+                      </a:solidFill>
+                      <a:prstDash val="solid"/>
+                      <a:round/>
+                      <a:headEnd type="none" w="med" len="med"/>
+                      <a:tailEnd type="none" w="med" len="med"/>
+                    </a:lnL>
+                    <a:lnR w="12700" cap="flat" cmpd="sng" algn="ctr">
+                      <a:solidFill>
+                        <a:srgbClr val="000000"/>
+                      </a:solidFill>
+                      <a:prstDash val="solid"/>
+                      <a:round/>
+                      <a:headEnd type="none" w="med" len="med"/>
+                      <a:tailEnd type="none" w="med" len="med"/>
+                    </a:lnR>
+                    <a:lnT w="12700" cap="flat" cmpd="sng" algn="ctr">
+                      <a:solidFill>
+                        <a:srgbClr val="000000"/>
+                      </a:solidFill>
+                      <a:prstDash val="solid"/>
+                      <a:round/>
+                      <a:headEnd type="none" w="med" len="med"/>
+                      <a:tailEnd type="none" w="med" len="med"/>
+                    </a:lnT>
+                    <a:lnB w="12700" cap="flat" cmpd="sng" algn="ctr">
+                      <a:solidFill>
+                        <a:srgbClr val="000000"/>
+                      </a:solidFill>
+                      <a:prstDash val="solid"/>
+                      <a:round/>
+                      <a:headEnd type="none" w="med" len="med"/>
+                      <a:tailEnd type="none" w="med" len="med"/>
+                    </a:lnB>
+                    <a:solidFill>
+                      <a:srgbClr val="FFFFFF"/>
+                    </a:solidFill>
+                  </a:tcPr>
+                </a:tc>
+                <a:tc>
+                  <a:txBody>
+                    <a:bodyPr/>
+                    <a:lstStyle/>
+                    <a:p>
+                      <a:pPr marL="0" marR="0">
+                        <a:lnSpc>
+                          <a:spcPct val="115000"/>
+                        </a:lnSpc>
+                        <a:spcAft>
+                          <a:spcPts val="800"/>
+                        </a:spcAft>
+                      </a:pPr>
+                      <a:r>
+                        <a:rPr lang="en-US" sz="2400" kern="100">
+                          <a:solidFill>
+                            <a:srgbClr val="000000"/>
+                          </a:solidFill>
+                          <a:effectLst/>
+                          <a:latin typeface="Aptos" panose="020B0004020202020204" pitchFamily="34" charset="0"/>
+                          <a:ea typeface="Aptos" panose="020B0004020202020204" pitchFamily="34" charset="0"/>
+                          <a:cs typeface="Times New Roman" panose="02020603050405020304" pitchFamily="18" charset="0"/>
+                        </a:rPr>
+                        <a:t>Offers a macro recorder to generate VBA code.</a:t>
+                      </a:r>
+                      <a:endParaRPr lang="en-US" sz="2400" kern="100">
+                        <a:effectLst/>
+                        <a:latin typeface="Aptos" panose="020B0004020202020204" pitchFamily="34" charset="0"/>
+                        <a:ea typeface="Aptos" panose="020B0004020202020204" pitchFamily="34" charset="0"/>
+                        <a:cs typeface="Times New Roman" panose="02020603050405020304" pitchFamily="18" charset="0"/>
+                      </a:endParaRPr>
+                    </a:p>
+                  </a:txBody>
+                  <a:tcPr marL="76200" marR="76200" marT="76200" marB="76200" anchor="ctr">
+                    <a:lnL w="12700" cap="flat" cmpd="sng" algn="ctr">
+                      <a:solidFill>
+                        <a:srgbClr val="000000"/>
+                      </a:solidFill>
+                      <a:prstDash val="solid"/>
+                      <a:round/>
+                      <a:headEnd type="none" w="med" len="med"/>
+                      <a:tailEnd type="none" w="med" len="med"/>
+                    </a:lnL>
+                    <a:lnR w="12700" cap="flat" cmpd="sng" algn="ctr">
+                      <a:solidFill>
+                        <a:srgbClr val="000000"/>
+                      </a:solidFill>
+                      <a:prstDash val="solid"/>
+                      <a:round/>
+                      <a:headEnd type="none" w="med" len="med"/>
+                      <a:tailEnd type="none" w="med" len="med"/>
+                    </a:lnR>
+                    <a:lnT w="12700" cap="flat" cmpd="sng" algn="ctr">
+                      <a:solidFill>
+                        <a:srgbClr val="000000"/>
+                      </a:solidFill>
+                      <a:prstDash val="solid"/>
+                      <a:round/>
+                      <a:headEnd type="none" w="med" len="med"/>
+                      <a:tailEnd type="none" w="med" len="med"/>
+                    </a:lnT>
+                    <a:lnB w="12700" cap="flat" cmpd="sng" algn="ctr">
+                      <a:solidFill>
+                        <a:srgbClr val="000000"/>
+                      </a:solidFill>
+                      <a:prstDash val="solid"/>
+                      <a:round/>
+                      <a:headEnd type="none" w="med" len="med"/>
+                      <a:tailEnd type="none" w="med" len="med"/>
+                    </a:lnB>
+                    <a:solidFill>
+                      <a:srgbClr val="FFFFFF"/>
+                    </a:solidFill>
+                  </a:tcPr>
+                </a:tc>
+                <a:extLst>
+                  <a:ext uri="{0D108BD9-81ED-4DB2-BD59-A6C34878D82A}">
+                    <a16:rowId xmlns:a16="http://schemas.microsoft.com/office/drawing/2014/main" val="3482972380"/>
+                  </a:ext>
+                </a:extLst>
+              </a:tr>
+              <a:tr h="0">
+                <a:tc>
+                  <a:txBody>
+                    <a:bodyPr/>
+                    <a:lstStyle/>
+                    <a:p>
+                      <a:pPr marL="0" marR="0">
+                        <a:lnSpc>
+                          <a:spcPct val="115000"/>
+                        </a:lnSpc>
+                        <a:spcAft>
+                          <a:spcPts val="800"/>
+                        </a:spcAft>
+                      </a:pPr>
+                      <a:r>
+                        <a:rPr lang="en-US" sz="2400" b="1" kern="100">
+                          <a:solidFill>
+                            <a:srgbClr val="000000"/>
+                          </a:solidFill>
+                          <a:effectLst/>
+                          <a:latin typeface="Aptos" panose="020B0004020202020204" pitchFamily="34" charset="0"/>
+                          <a:ea typeface="Aptos" panose="020B0004020202020204" pitchFamily="34" charset="0"/>
+                          <a:cs typeface="Times New Roman" panose="02020603050405020304" pitchFamily="18" charset="0"/>
+                        </a:rPr>
+                        <a:t>Deployment</a:t>
+                      </a:r>
+                      <a:endParaRPr lang="en-US" sz="2400" kern="100">
+                        <a:effectLst/>
+                        <a:latin typeface="Aptos" panose="020B0004020202020204" pitchFamily="34" charset="0"/>
+                        <a:ea typeface="Aptos" panose="020B0004020202020204" pitchFamily="34" charset="0"/>
+                        <a:cs typeface="Times New Roman" panose="02020603050405020304" pitchFamily="18" charset="0"/>
+                      </a:endParaRPr>
+                    </a:p>
+                  </a:txBody>
+                  <a:tcPr marL="76200" marR="76200" marT="76200" marB="76200" anchor="ctr">
+                    <a:lnL w="12700" cap="flat" cmpd="sng" algn="ctr">
+                      <a:solidFill>
+                        <a:srgbClr val="000000"/>
+                      </a:solidFill>
+                      <a:prstDash val="solid"/>
+                      <a:round/>
+                      <a:headEnd type="none" w="med" len="med"/>
+                      <a:tailEnd type="none" w="med" len="med"/>
+                    </a:lnL>
+                    <a:lnR w="12700" cap="flat" cmpd="sng" algn="ctr">
+                      <a:solidFill>
+                        <a:srgbClr val="000000"/>
+                      </a:solidFill>
+                      <a:prstDash val="solid"/>
+                      <a:round/>
+                      <a:headEnd type="none" w="med" len="med"/>
+                      <a:tailEnd type="none" w="med" len="med"/>
+                    </a:lnR>
+                    <a:lnT w="12700" cap="flat" cmpd="sng" algn="ctr">
+                      <a:solidFill>
+                        <a:srgbClr val="000000"/>
+                      </a:solidFill>
+                      <a:prstDash val="solid"/>
+                      <a:round/>
+                      <a:headEnd type="none" w="med" len="med"/>
+                      <a:tailEnd type="none" w="med" len="med"/>
+                    </a:lnT>
+                    <a:lnB w="12700" cap="flat" cmpd="sng" algn="ctr">
+                      <a:solidFill>
+                        <a:srgbClr val="000000"/>
+                      </a:solidFill>
+                      <a:prstDash val="solid"/>
+                      <a:round/>
+                      <a:headEnd type="none" w="med" len="med"/>
+                      <a:tailEnd type="none" w="med" len="med"/>
+                    </a:lnB>
+                    <a:solidFill>
+                      <a:srgbClr val="FFFFFF"/>
+                    </a:solidFill>
+                  </a:tcPr>
+                </a:tc>
+                <a:tc>
+                  <a:txBody>
+                    <a:bodyPr/>
+                    <a:lstStyle/>
+                    <a:p>
+                      <a:pPr marL="0" marR="0">
+                        <a:lnSpc>
+                          <a:spcPct val="115000"/>
+                        </a:lnSpc>
+                        <a:spcAft>
+                          <a:spcPts val="800"/>
+                        </a:spcAft>
+                      </a:pPr>
+                      <a:r>
+                        <a:rPr lang="en-US" sz="2400" kern="100">
+                          <a:solidFill>
+                            <a:srgbClr val="000000"/>
+                          </a:solidFill>
+                          <a:effectLst/>
+                          <a:latin typeface="Aptos" panose="020B0004020202020204" pitchFamily="34" charset="0"/>
+                          <a:ea typeface="Aptos" panose="020B0004020202020204" pitchFamily="34" charset="0"/>
+                          <a:cs typeface="Times New Roman" panose="02020603050405020304" pitchFamily="18" charset="0"/>
+                        </a:rPr>
+                        <a:t>Scripts can be shared across an organization through OneDrive and SharePoint.</a:t>
+                      </a:r>
+                      <a:endParaRPr lang="en-US" sz="2400" kern="100">
+                        <a:effectLst/>
+                        <a:latin typeface="Aptos" panose="020B0004020202020204" pitchFamily="34" charset="0"/>
+                        <a:ea typeface="Aptos" panose="020B0004020202020204" pitchFamily="34" charset="0"/>
+                        <a:cs typeface="Times New Roman" panose="02020603050405020304" pitchFamily="18" charset="0"/>
+                      </a:endParaRPr>
+                    </a:p>
+                  </a:txBody>
+                  <a:tcPr marL="76200" marR="76200" marT="76200" marB="76200" anchor="ctr">
+                    <a:lnL w="12700" cap="flat" cmpd="sng" algn="ctr">
+                      <a:solidFill>
+                        <a:srgbClr val="000000"/>
+                      </a:solidFill>
+                      <a:prstDash val="solid"/>
+                      <a:round/>
+                      <a:headEnd type="none" w="med" len="med"/>
+                      <a:tailEnd type="none" w="med" len="med"/>
+                    </a:lnL>
+                    <a:lnR w="12700" cap="flat" cmpd="sng" algn="ctr">
+                      <a:solidFill>
+                        <a:srgbClr val="000000"/>
+                      </a:solidFill>
+                      <a:prstDash val="solid"/>
+                      <a:round/>
+                      <a:headEnd type="none" w="med" len="med"/>
+                      <a:tailEnd type="none" w="med" len="med"/>
+                    </a:lnR>
+                    <a:lnT w="12700" cap="flat" cmpd="sng" algn="ctr">
+                      <a:solidFill>
+                        <a:srgbClr val="000000"/>
+                      </a:solidFill>
+                      <a:prstDash val="solid"/>
+                      <a:round/>
+                      <a:headEnd type="none" w="med" len="med"/>
+                      <a:tailEnd type="none" w="med" len="med"/>
+                    </a:lnT>
+                    <a:lnB w="12700" cap="flat" cmpd="sng" algn="ctr">
+                      <a:solidFill>
+                        <a:srgbClr val="000000"/>
+                      </a:solidFill>
+                      <a:prstDash val="solid"/>
+                      <a:round/>
+                      <a:headEnd type="none" w="med" len="med"/>
+                      <a:tailEnd type="none" w="med" len="med"/>
+                    </a:lnB>
+                    <a:solidFill>
+                      <a:srgbClr val="FFFFFF"/>
+                    </a:solidFill>
+                  </a:tcPr>
+                </a:tc>
+                <a:tc>
+                  <a:txBody>
+                    <a:bodyPr/>
+                    <a:lstStyle/>
+                    <a:p>
+                      <a:pPr marL="0" marR="0">
+                        <a:lnSpc>
+                          <a:spcPct val="115000"/>
+                        </a:lnSpc>
+                        <a:spcAft>
+                          <a:spcPts val="800"/>
+                        </a:spcAft>
+                      </a:pPr>
+                      <a:r>
+                        <a:rPr lang="en-US" sz="2400" kern="100">
+                          <a:solidFill>
+                            <a:srgbClr val="000000"/>
+                          </a:solidFill>
+                          <a:effectLst/>
+                          <a:latin typeface="Aptos" panose="020B0004020202020204" pitchFamily="34" charset="0"/>
+                          <a:ea typeface="Aptos" panose="020B0004020202020204" pitchFamily="34" charset="0"/>
+                          <a:cs typeface="Times New Roman" panose="02020603050405020304" pitchFamily="18" charset="0"/>
+                        </a:rPr>
+                        <a:t>Macros are typically shared through the distribution of Excel files.</a:t>
+                      </a:r>
+                      <a:endParaRPr lang="en-US" sz="2400" kern="100">
+                        <a:effectLst/>
+                        <a:latin typeface="Aptos" panose="020B0004020202020204" pitchFamily="34" charset="0"/>
+                        <a:ea typeface="Aptos" panose="020B0004020202020204" pitchFamily="34" charset="0"/>
+                        <a:cs typeface="Times New Roman" panose="02020603050405020304" pitchFamily="18" charset="0"/>
+                      </a:endParaRPr>
+                    </a:p>
+                  </a:txBody>
+                  <a:tcPr marL="76200" marR="76200" marT="76200" marB="76200" anchor="ctr">
+                    <a:lnL w="12700" cap="flat" cmpd="sng" algn="ctr">
+                      <a:solidFill>
+                        <a:srgbClr val="000000"/>
+                      </a:solidFill>
+                      <a:prstDash val="solid"/>
+                      <a:round/>
+                      <a:headEnd type="none" w="med" len="med"/>
+                      <a:tailEnd type="none" w="med" len="med"/>
+                    </a:lnL>
+                    <a:lnR w="12700" cap="flat" cmpd="sng" algn="ctr">
+                      <a:solidFill>
+                        <a:srgbClr val="000000"/>
+                      </a:solidFill>
+                      <a:prstDash val="solid"/>
+                      <a:round/>
+                      <a:headEnd type="none" w="med" len="med"/>
+                      <a:tailEnd type="none" w="med" len="med"/>
+                    </a:lnR>
+                    <a:lnT w="12700" cap="flat" cmpd="sng" algn="ctr">
+                      <a:solidFill>
+                        <a:srgbClr val="000000"/>
+                      </a:solidFill>
+                      <a:prstDash val="solid"/>
+                      <a:round/>
+                      <a:headEnd type="none" w="med" len="med"/>
+                      <a:tailEnd type="none" w="med" len="med"/>
+                    </a:lnT>
+                    <a:lnB w="12700" cap="flat" cmpd="sng" algn="ctr">
+                      <a:solidFill>
+                        <a:srgbClr val="000000"/>
+                      </a:solidFill>
+                      <a:prstDash val="solid"/>
+                      <a:round/>
+                      <a:headEnd type="none" w="med" len="med"/>
+                      <a:tailEnd type="none" w="med" len="med"/>
+                    </a:lnB>
+                    <a:solidFill>
+                      <a:srgbClr val="FFFFFF"/>
+                    </a:solidFill>
+                  </a:tcPr>
+                </a:tc>
+                <a:extLst>
+                  <a:ext uri="{0D108BD9-81ED-4DB2-BD59-A6C34878D82A}">
+                    <a16:rowId xmlns:a16="http://schemas.microsoft.com/office/drawing/2014/main" val="1407617506"/>
+                  </a:ext>
+                </a:extLst>
+              </a:tr>
+              <a:tr h="0">
+                <a:tc>
+                  <a:txBody>
+                    <a:bodyPr/>
+                    <a:lstStyle/>
+                    <a:p>
+                      <a:pPr marL="0" marR="0">
+                        <a:lnSpc>
+                          <a:spcPct val="115000"/>
+                        </a:lnSpc>
+                        <a:spcAft>
+                          <a:spcPts val="800"/>
+                        </a:spcAft>
+                      </a:pPr>
+                      <a:r>
+                        <a:rPr lang="en-US" sz="2400" b="1" kern="100">
+                          <a:solidFill>
+                            <a:srgbClr val="000000"/>
+                          </a:solidFill>
+                          <a:effectLst/>
+                          <a:latin typeface="Aptos" panose="020B0004020202020204" pitchFamily="34" charset="0"/>
+                          <a:ea typeface="Aptos" panose="020B0004020202020204" pitchFamily="34" charset="0"/>
+                          <a:cs typeface="Times New Roman" panose="02020603050405020304" pitchFamily="18" charset="0"/>
+                        </a:rPr>
+                        <a:t>Performance</a:t>
+                      </a:r>
+                      <a:endParaRPr lang="en-US" sz="2400" kern="100">
+                        <a:effectLst/>
+                        <a:latin typeface="Aptos" panose="020B0004020202020204" pitchFamily="34" charset="0"/>
+                        <a:ea typeface="Aptos" panose="020B0004020202020204" pitchFamily="34" charset="0"/>
+                        <a:cs typeface="Times New Roman" panose="02020603050405020304" pitchFamily="18" charset="0"/>
+                      </a:endParaRPr>
+                    </a:p>
+                  </a:txBody>
+                  <a:tcPr marL="76200" marR="76200" marT="76200" marB="76200" anchor="ctr">
+                    <a:lnL w="12700" cap="flat" cmpd="sng" algn="ctr">
+                      <a:solidFill>
+                        <a:srgbClr val="000000"/>
+                      </a:solidFill>
+                      <a:prstDash val="solid"/>
+                      <a:round/>
+                      <a:headEnd type="none" w="med" len="med"/>
+                      <a:tailEnd type="none" w="med" len="med"/>
+                    </a:lnL>
+                    <a:lnR w="12700" cap="flat" cmpd="sng" algn="ctr">
+                      <a:solidFill>
+                        <a:srgbClr val="000000"/>
+                      </a:solidFill>
+                      <a:prstDash val="solid"/>
+                      <a:round/>
+                      <a:headEnd type="none" w="med" len="med"/>
+                      <a:tailEnd type="none" w="med" len="med"/>
+                    </a:lnR>
+                    <a:lnT w="12700" cap="flat" cmpd="sng" algn="ctr">
+                      <a:solidFill>
+                        <a:srgbClr val="000000"/>
+                      </a:solidFill>
+                      <a:prstDash val="solid"/>
+                      <a:round/>
+                      <a:headEnd type="none" w="med" len="med"/>
+                      <a:tailEnd type="none" w="med" len="med"/>
+                    </a:lnT>
+                    <a:lnB w="12700" cap="flat" cmpd="sng" algn="ctr">
+                      <a:solidFill>
+                        <a:srgbClr val="000000"/>
+                      </a:solidFill>
+                      <a:prstDash val="solid"/>
+                      <a:round/>
+                      <a:headEnd type="none" w="med" len="med"/>
+                      <a:tailEnd type="none" w="med" len="med"/>
+                    </a:lnB>
+                    <a:solidFill>
+                      <a:srgbClr val="FFFFFF"/>
+                    </a:solidFill>
+                  </a:tcPr>
+                </a:tc>
+                <a:tc>
+                  <a:txBody>
+                    <a:bodyPr/>
+                    <a:lstStyle/>
+                    <a:p>
+                      <a:pPr marL="0" marR="0">
+                        <a:lnSpc>
+                          <a:spcPct val="115000"/>
+                        </a:lnSpc>
+                        <a:spcAft>
+                          <a:spcPts val="800"/>
+                        </a:spcAft>
+                      </a:pPr>
+                      <a:r>
+                        <a:rPr lang="en-US" sz="2400" kern="100">
+                          <a:solidFill>
+                            <a:srgbClr val="000000"/>
+                          </a:solidFill>
+                          <a:effectLst/>
+                          <a:latin typeface="Aptos" panose="020B0004020202020204" pitchFamily="34" charset="0"/>
+                          <a:ea typeface="Aptos" panose="020B0004020202020204" pitchFamily="34" charset="0"/>
+                          <a:cs typeface="Times New Roman" panose="02020603050405020304" pitchFamily="18" charset="0"/>
+                        </a:rPr>
+                        <a:t>Optimized for cloud-based spreadsheets and collaboration.</a:t>
+                      </a:r>
+                      <a:endParaRPr lang="en-US" sz="2400" kern="100">
+                        <a:effectLst/>
+                        <a:latin typeface="Aptos" panose="020B0004020202020204" pitchFamily="34" charset="0"/>
+                        <a:ea typeface="Aptos" panose="020B0004020202020204" pitchFamily="34" charset="0"/>
+                        <a:cs typeface="Times New Roman" panose="02020603050405020304" pitchFamily="18" charset="0"/>
+                      </a:endParaRPr>
+                    </a:p>
+                  </a:txBody>
+                  <a:tcPr marL="76200" marR="76200" marT="76200" marB="76200" anchor="ctr">
+                    <a:lnL w="12700" cap="flat" cmpd="sng" algn="ctr">
+                      <a:solidFill>
+                        <a:srgbClr val="000000"/>
+                      </a:solidFill>
+                      <a:prstDash val="solid"/>
+                      <a:round/>
+                      <a:headEnd type="none" w="med" len="med"/>
+                      <a:tailEnd type="none" w="med" len="med"/>
+                    </a:lnL>
+                    <a:lnR w="12700" cap="flat" cmpd="sng" algn="ctr">
+                      <a:solidFill>
+                        <a:srgbClr val="000000"/>
+                      </a:solidFill>
+                      <a:prstDash val="solid"/>
+                      <a:round/>
+                      <a:headEnd type="none" w="med" len="med"/>
+                      <a:tailEnd type="none" w="med" len="med"/>
+                    </a:lnR>
+                    <a:lnT w="12700" cap="flat" cmpd="sng" algn="ctr">
+                      <a:solidFill>
+                        <a:srgbClr val="000000"/>
+                      </a:solidFill>
+                      <a:prstDash val="solid"/>
+                      <a:round/>
+                      <a:headEnd type="none" w="med" len="med"/>
+                      <a:tailEnd type="none" w="med" len="med"/>
+                    </a:lnT>
+                    <a:lnB w="12700" cap="flat" cmpd="sng" algn="ctr">
+                      <a:solidFill>
+                        <a:srgbClr val="000000"/>
+                      </a:solidFill>
+                      <a:prstDash val="solid"/>
+                      <a:round/>
+                      <a:headEnd type="none" w="med" len="med"/>
+                      <a:tailEnd type="none" w="med" len="med"/>
+                    </a:lnB>
+                    <a:solidFill>
+                      <a:srgbClr val="FFFFFF"/>
+                    </a:solidFill>
+                  </a:tcPr>
+                </a:tc>
+                <a:tc>
+                  <a:txBody>
+                    <a:bodyPr/>
+                    <a:lstStyle/>
+                    <a:p>
+                      <a:pPr marL="0" marR="0">
+                        <a:lnSpc>
+                          <a:spcPct val="115000"/>
+                        </a:lnSpc>
+                        <a:spcAft>
+                          <a:spcPts val="800"/>
+                        </a:spcAft>
+                      </a:pPr>
+                      <a:r>
+                        <a:rPr lang="en-US" sz="2400" kern="100">
+                          <a:solidFill>
+                            <a:srgbClr val="000000"/>
+                          </a:solidFill>
+                          <a:effectLst/>
+                          <a:latin typeface="Aptos" panose="020B0004020202020204" pitchFamily="34" charset="0"/>
+                          <a:ea typeface="Aptos" panose="020B0004020202020204" pitchFamily="34" charset="0"/>
+                          <a:cs typeface="Times New Roman" panose="02020603050405020304" pitchFamily="18" charset="0"/>
+                        </a:rPr>
+                        <a:t>Optimized for desktop applications, can handle complex tasks efficiently.</a:t>
+                      </a:r>
+                      <a:endParaRPr lang="en-US" sz="2400" kern="100">
+                        <a:effectLst/>
+                        <a:latin typeface="Aptos" panose="020B0004020202020204" pitchFamily="34" charset="0"/>
+                        <a:ea typeface="Aptos" panose="020B0004020202020204" pitchFamily="34" charset="0"/>
+                        <a:cs typeface="Times New Roman" panose="02020603050405020304" pitchFamily="18" charset="0"/>
+                      </a:endParaRPr>
+                    </a:p>
+                  </a:txBody>
+                  <a:tcPr marL="76200" marR="76200" marT="76200" marB="76200" anchor="ctr">
+                    <a:lnL w="12700" cap="flat" cmpd="sng" algn="ctr">
+                      <a:solidFill>
+                        <a:srgbClr val="000000"/>
+                      </a:solidFill>
+                      <a:prstDash val="solid"/>
+                      <a:round/>
+                      <a:headEnd type="none" w="med" len="med"/>
+                      <a:tailEnd type="none" w="med" len="med"/>
+                    </a:lnL>
+                    <a:lnR w="12700" cap="flat" cmpd="sng" algn="ctr">
+                      <a:solidFill>
+                        <a:srgbClr val="000000"/>
+                      </a:solidFill>
+                      <a:prstDash val="solid"/>
+                      <a:round/>
+                      <a:headEnd type="none" w="med" len="med"/>
+                      <a:tailEnd type="none" w="med" len="med"/>
+                    </a:lnR>
+                    <a:lnT w="12700" cap="flat" cmpd="sng" algn="ctr">
+                      <a:solidFill>
+                        <a:srgbClr val="000000"/>
+                      </a:solidFill>
+                      <a:prstDash val="solid"/>
+                      <a:round/>
+                      <a:headEnd type="none" w="med" len="med"/>
+                      <a:tailEnd type="none" w="med" len="med"/>
+                    </a:lnT>
+                    <a:lnB w="12700" cap="flat" cmpd="sng" algn="ctr">
+                      <a:solidFill>
+                        <a:srgbClr val="000000"/>
+                      </a:solidFill>
+                      <a:prstDash val="solid"/>
+                      <a:round/>
+                      <a:headEnd type="none" w="med" len="med"/>
+                      <a:tailEnd type="none" w="med" len="med"/>
+                    </a:lnB>
+                    <a:solidFill>
+                      <a:srgbClr val="FFFFFF"/>
+                    </a:solidFill>
+                  </a:tcPr>
+                </a:tc>
+                <a:extLst>
+                  <a:ext uri="{0D108BD9-81ED-4DB2-BD59-A6C34878D82A}">
+                    <a16:rowId xmlns:a16="http://schemas.microsoft.com/office/drawing/2014/main" val="1768069945"/>
+                  </a:ext>
+                </a:extLst>
+              </a:tr>
+              <a:tr h="0">
+                <a:tc>
+                  <a:txBody>
+                    <a:bodyPr/>
+                    <a:lstStyle/>
+                    <a:p>
+                      <a:pPr marL="0" marR="0">
+                        <a:lnSpc>
+                          <a:spcPct val="115000"/>
+                        </a:lnSpc>
+                        <a:spcAft>
+                          <a:spcPts val="800"/>
+                        </a:spcAft>
+                      </a:pPr>
+                      <a:r>
+                        <a:rPr lang="en-US" sz="2400" b="1" kern="100">
+                          <a:solidFill>
+                            <a:srgbClr val="000000"/>
+                          </a:solidFill>
+                          <a:effectLst/>
+                          <a:latin typeface="Aptos" panose="020B0004020202020204" pitchFamily="34" charset="0"/>
+                          <a:ea typeface="Aptos" panose="020B0004020202020204" pitchFamily="34" charset="0"/>
+                          <a:cs typeface="Times New Roman" panose="02020603050405020304" pitchFamily="18" charset="0"/>
+                        </a:rPr>
+                        <a:t>Development Environment</a:t>
+                      </a:r>
+                      <a:endParaRPr lang="en-US" sz="2400" kern="100">
+                        <a:effectLst/>
+                        <a:latin typeface="Aptos" panose="020B0004020202020204" pitchFamily="34" charset="0"/>
+                        <a:ea typeface="Aptos" panose="020B0004020202020204" pitchFamily="34" charset="0"/>
+                        <a:cs typeface="Times New Roman" panose="02020603050405020304" pitchFamily="18" charset="0"/>
+                      </a:endParaRPr>
+                    </a:p>
+                  </a:txBody>
+                  <a:tcPr marL="76200" marR="76200" marT="76200" marB="76200" anchor="ctr">
+                    <a:lnL w="12700" cap="flat" cmpd="sng" algn="ctr">
+                      <a:solidFill>
+                        <a:srgbClr val="000000"/>
+                      </a:solidFill>
+                      <a:prstDash val="solid"/>
+                      <a:round/>
+                      <a:headEnd type="none" w="med" len="med"/>
+                      <a:tailEnd type="none" w="med" len="med"/>
+                    </a:lnL>
+                    <a:lnR w="12700" cap="flat" cmpd="sng" algn="ctr">
+                      <a:solidFill>
+                        <a:srgbClr val="000000"/>
+                      </a:solidFill>
+                      <a:prstDash val="solid"/>
+                      <a:round/>
+                      <a:headEnd type="none" w="med" len="med"/>
+                      <a:tailEnd type="none" w="med" len="med"/>
+                    </a:lnR>
+                    <a:lnT w="12700" cap="flat" cmpd="sng" algn="ctr">
+                      <a:solidFill>
+                        <a:srgbClr val="000000"/>
+                      </a:solidFill>
+                      <a:prstDash val="solid"/>
+                      <a:round/>
+                      <a:headEnd type="none" w="med" len="med"/>
+                      <a:tailEnd type="none" w="med" len="med"/>
+                    </a:lnT>
+                    <a:lnB w="12700" cap="flat" cmpd="sng" algn="ctr">
+                      <a:solidFill>
+                        <a:srgbClr val="000000"/>
+                      </a:solidFill>
+                      <a:prstDash val="solid"/>
+                      <a:round/>
+                      <a:headEnd type="none" w="med" len="med"/>
+                      <a:tailEnd type="none" w="med" len="med"/>
+                    </a:lnB>
+                    <a:solidFill>
+                      <a:srgbClr val="FFFFFF"/>
+                    </a:solidFill>
+                  </a:tcPr>
+                </a:tc>
+                <a:tc>
+                  <a:txBody>
+                    <a:bodyPr/>
+                    <a:lstStyle/>
+                    <a:p>
+                      <a:pPr marL="0" marR="0">
+                        <a:lnSpc>
+                          <a:spcPct val="115000"/>
+                        </a:lnSpc>
+                        <a:spcAft>
+                          <a:spcPts val="800"/>
+                        </a:spcAft>
+                      </a:pPr>
+                      <a:r>
+                        <a:rPr lang="en-US" sz="2400" kern="100">
+                          <a:solidFill>
+                            <a:srgbClr val="000000"/>
+                          </a:solidFill>
+                          <a:effectLst/>
+                          <a:latin typeface="Aptos" panose="020B0004020202020204" pitchFamily="34" charset="0"/>
+                          <a:ea typeface="Aptos" panose="020B0004020202020204" pitchFamily="34" charset="0"/>
+                          <a:cs typeface="Times New Roman" panose="02020603050405020304" pitchFamily="18" charset="0"/>
+                        </a:rPr>
+                        <a:t>Integrated development environment (IDE) in Excel.</a:t>
+                      </a:r>
+                      <a:endParaRPr lang="en-US" sz="2400" kern="100">
+                        <a:effectLst/>
+                        <a:latin typeface="Aptos" panose="020B0004020202020204" pitchFamily="34" charset="0"/>
+                        <a:ea typeface="Aptos" panose="020B0004020202020204" pitchFamily="34" charset="0"/>
+                        <a:cs typeface="Times New Roman" panose="02020603050405020304" pitchFamily="18" charset="0"/>
+                      </a:endParaRPr>
+                    </a:p>
+                  </a:txBody>
+                  <a:tcPr marL="76200" marR="76200" marT="76200" marB="76200" anchor="ctr">
+                    <a:lnL w="12700" cap="flat" cmpd="sng" algn="ctr">
+                      <a:solidFill>
+                        <a:srgbClr val="000000"/>
+                      </a:solidFill>
+                      <a:prstDash val="solid"/>
+                      <a:round/>
+                      <a:headEnd type="none" w="med" len="med"/>
+                      <a:tailEnd type="none" w="med" len="med"/>
+                    </a:lnL>
+                    <a:lnR w="12700" cap="flat" cmpd="sng" algn="ctr">
+                      <a:solidFill>
+                        <a:srgbClr val="000000"/>
+                      </a:solidFill>
+                      <a:prstDash val="solid"/>
+                      <a:round/>
+                      <a:headEnd type="none" w="med" len="med"/>
+                      <a:tailEnd type="none" w="med" len="med"/>
+                    </a:lnR>
+                    <a:lnT w="12700" cap="flat" cmpd="sng" algn="ctr">
+                      <a:solidFill>
+                        <a:srgbClr val="000000"/>
+                      </a:solidFill>
+                      <a:prstDash val="solid"/>
+                      <a:round/>
+                      <a:headEnd type="none" w="med" len="med"/>
+                      <a:tailEnd type="none" w="med" len="med"/>
+                    </a:lnT>
+                    <a:lnB w="12700" cap="flat" cmpd="sng" algn="ctr">
+                      <a:solidFill>
+                        <a:srgbClr val="000000"/>
+                      </a:solidFill>
+                      <a:prstDash val="solid"/>
+                      <a:round/>
+                      <a:headEnd type="none" w="med" len="med"/>
+                      <a:tailEnd type="none" w="med" len="med"/>
+                    </a:lnB>
+                    <a:solidFill>
+                      <a:srgbClr val="FFFFFF"/>
+                    </a:solidFill>
+                  </a:tcPr>
+                </a:tc>
+                <a:tc>
+                  <a:txBody>
+                    <a:bodyPr/>
+                    <a:lstStyle/>
+                    <a:p>
+                      <a:pPr marL="0" marR="0">
+                        <a:lnSpc>
+                          <a:spcPct val="115000"/>
+                        </a:lnSpc>
+                        <a:spcAft>
+                          <a:spcPts val="800"/>
+                        </a:spcAft>
+                      </a:pPr>
+                      <a:r>
+                        <a:rPr lang="en-US" sz="2400" kern="100">
+                          <a:solidFill>
+                            <a:srgbClr val="000000"/>
+                          </a:solidFill>
+                          <a:effectLst/>
+                          <a:latin typeface="Aptos" panose="020B0004020202020204" pitchFamily="34" charset="0"/>
+                          <a:ea typeface="Aptos" panose="020B0004020202020204" pitchFamily="34" charset="0"/>
+                          <a:cs typeface="Times New Roman" panose="02020603050405020304" pitchFamily="18" charset="0"/>
+                        </a:rPr>
+                        <a:t>VBA Editor (VBE) – a separate environment within Excel.</a:t>
+                      </a:r>
+                      <a:endParaRPr lang="en-US" sz="2400" kern="100">
+                        <a:effectLst/>
+                        <a:latin typeface="Aptos" panose="020B0004020202020204" pitchFamily="34" charset="0"/>
+                        <a:ea typeface="Aptos" panose="020B0004020202020204" pitchFamily="34" charset="0"/>
+                        <a:cs typeface="Times New Roman" panose="02020603050405020304" pitchFamily="18" charset="0"/>
+                      </a:endParaRPr>
+                    </a:p>
+                  </a:txBody>
+                  <a:tcPr marL="76200" marR="76200" marT="76200" marB="76200" anchor="ctr">
+                    <a:lnL w="12700" cap="flat" cmpd="sng" algn="ctr">
+                      <a:solidFill>
+                        <a:srgbClr val="000000"/>
+                      </a:solidFill>
+                      <a:prstDash val="solid"/>
+                      <a:round/>
+                      <a:headEnd type="none" w="med" len="med"/>
+                      <a:tailEnd type="none" w="med" len="med"/>
+                    </a:lnL>
+                    <a:lnR w="12700" cap="flat" cmpd="sng" algn="ctr">
+                      <a:solidFill>
+                        <a:srgbClr val="000000"/>
+                      </a:solidFill>
+                      <a:prstDash val="solid"/>
+                      <a:round/>
+                      <a:headEnd type="none" w="med" len="med"/>
+                      <a:tailEnd type="none" w="med" len="med"/>
+                    </a:lnR>
+                    <a:lnT w="12700" cap="flat" cmpd="sng" algn="ctr">
+                      <a:solidFill>
+                        <a:srgbClr val="000000"/>
+                      </a:solidFill>
+                      <a:prstDash val="solid"/>
+                      <a:round/>
+                      <a:headEnd type="none" w="med" len="med"/>
+                      <a:tailEnd type="none" w="med" len="med"/>
+                    </a:lnT>
+                    <a:lnB w="12700" cap="flat" cmpd="sng" algn="ctr">
+                      <a:solidFill>
+                        <a:srgbClr val="000000"/>
+                      </a:solidFill>
+                      <a:prstDash val="solid"/>
+                      <a:round/>
+                      <a:headEnd type="none" w="med" len="med"/>
+                      <a:tailEnd type="none" w="med" len="med"/>
+                    </a:lnB>
+                    <a:solidFill>
+                      <a:srgbClr val="FFFFFF"/>
+                    </a:solidFill>
+                  </a:tcPr>
+                </a:tc>
+                <a:extLst>
+                  <a:ext uri="{0D108BD9-81ED-4DB2-BD59-A6C34878D82A}">
+                    <a16:rowId xmlns:a16="http://schemas.microsoft.com/office/drawing/2014/main" val="2331706572"/>
+                  </a:ext>
+                </a:extLst>
+              </a:tr>
+              <a:tr h="0">
+                <a:tc>
+                  <a:txBody>
+                    <a:bodyPr/>
+                    <a:lstStyle/>
+                    <a:p>
+                      <a:pPr marL="0" marR="0">
+                        <a:lnSpc>
+                          <a:spcPct val="115000"/>
+                        </a:lnSpc>
+                        <a:spcAft>
+                          <a:spcPts val="800"/>
+                        </a:spcAft>
+                      </a:pPr>
+                      <a:r>
+                        <a:rPr lang="en-US" sz="2400" b="1" kern="100">
+                          <a:solidFill>
+                            <a:srgbClr val="000000"/>
+                          </a:solidFill>
+                          <a:effectLst/>
+                          <a:latin typeface="Aptos" panose="020B0004020202020204" pitchFamily="34" charset="0"/>
+                          <a:ea typeface="Aptos" panose="020B0004020202020204" pitchFamily="34" charset="0"/>
+                          <a:cs typeface="Times New Roman" panose="02020603050405020304" pitchFamily="18" charset="0"/>
+                        </a:rPr>
+                        <a:t>Learning Resources</a:t>
+                      </a:r>
+                      <a:endParaRPr lang="en-US" sz="2400" kern="100">
+                        <a:effectLst/>
+                        <a:latin typeface="Aptos" panose="020B0004020202020204" pitchFamily="34" charset="0"/>
+                        <a:ea typeface="Aptos" panose="020B0004020202020204" pitchFamily="34" charset="0"/>
+                        <a:cs typeface="Times New Roman" panose="02020603050405020304" pitchFamily="18" charset="0"/>
+                      </a:endParaRPr>
+                    </a:p>
+                  </a:txBody>
+                  <a:tcPr marL="76200" marR="76200" marT="76200" marB="76200" anchor="ctr">
+                    <a:lnL w="12700" cap="flat" cmpd="sng" algn="ctr">
+                      <a:solidFill>
+                        <a:srgbClr val="000000"/>
+                      </a:solidFill>
+                      <a:prstDash val="solid"/>
+                      <a:round/>
+                      <a:headEnd type="none" w="med" len="med"/>
+                      <a:tailEnd type="none" w="med" len="med"/>
+                    </a:lnL>
+                    <a:lnR w="12700" cap="flat" cmpd="sng" algn="ctr">
+                      <a:solidFill>
+                        <a:srgbClr val="000000"/>
+                      </a:solidFill>
+                      <a:prstDash val="solid"/>
+                      <a:round/>
+                      <a:headEnd type="none" w="med" len="med"/>
+                      <a:tailEnd type="none" w="med" len="med"/>
+                    </a:lnR>
+                    <a:lnT w="12700" cap="flat" cmpd="sng" algn="ctr">
+                      <a:solidFill>
+                        <a:srgbClr val="000000"/>
+                      </a:solidFill>
+                      <a:prstDash val="solid"/>
+                      <a:round/>
+                      <a:headEnd type="none" w="med" len="med"/>
+                      <a:tailEnd type="none" w="med" len="med"/>
+                    </a:lnT>
+                    <a:lnB w="12700" cap="flat" cmpd="sng" algn="ctr">
+                      <a:solidFill>
+                        <a:srgbClr val="000000"/>
+                      </a:solidFill>
+                      <a:prstDash val="solid"/>
+                      <a:round/>
+                      <a:headEnd type="none" w="med" len="med"/>
+                      <a:tailEnd type="none" w="med" len="med"/>
+                    </a:lnB>
+                    <a:solidFill>
+                      <a:srgbClr val="FFFFFF"/>
+                    </a:solidFill>
+                  </a:tcPr>
+                </a:tc>
+                <a:tc>
+                  <a:txBody>
+                    <a:bodyPr/>
+                    <a:lstStyle/>
+                    <a:p>
+                      <a:pPr marL="0" marR="0">
+                        <a:lnSpc>
+                          <a:spcPct val="115000"/>
+                        </a:lnSpc>
+                        <a:spcAft>
+                          <a:spcPts val="800"/>
+                        </a:spcAft>
+                      </a:pPr>
+                      <a:r>
+                        <a:rPr lang="en-US" sz="2400" kern="100">
+                          <a:solidFill>
+                            <a:srgbClr val="000000"/>
+                          </a:solidFill>
+                          <a:effectLst/>
+                          <a:latin typeface="Aptos" panose="020B0004020202020204" pitchFamily="34" charset="0"/>
+                          <a:ea typeface="Aptos" panose="020B0004020202020204" pitchFamily="34" charset="0"/>
+                          <a:cs typeface="Times New Roman" panose="02020603050405020304" pitchFamily="18" charset="0"/>
+                        </a:rPr>
+                        <a:t>Limited compared to VBA, but growing as Office Scripts is newer.</a:t>
+                      </a:r>
+                      <a:endParaRPr lang="en-US" sz="2400" kern="100">
+                        <a:effectLst/>
+                        <a:latin typeface="Aptos" panose="020B0004020202020204" pitchFamily="34" charset="0"/>
+                        <a:ea typeface="Aptos" panose="020B0004020202020204" pitchFamily="34" charset="0"/>
+                        <a:cs typeface="Times New Roman" panose="02020603050405020304" pitchFamily="18" charset="0"/>
+                      </a:endParaRPr>
+                    </a:p>
+                  </a:txBody>
+                  <a:tcPr marL="76200" marR="76200" marT="76200" marB="76200" anchor="ctr">
+                    <a:lnL w="12700" cap="flat" cmpd="sng" algn="ctr">
+                      <a:solidFill>
+                        <a:srgbClr val="000000"/>
+                      </a:solidFill>
+                      <a:prstDash val="solid"/>
+                      <a:round/>
+                      <a:headEnd type="none" w="med" len="med"/>
+                      <a:tailEnd type="none" w="med" len="med"/>
+                    </a:lnL>
+                    <a:lnR w="12700" cap="flat" cmpd="sng" algn="ctr">
+                      <a:solidFill>
+                        <a:srgbClr val="000000"/>
+                      </a:solidFill>
+                      <a:prstDash val="solid"/>
+                      <a:round/>
+                      <a:headEnd type="none" w="med" len="med"/>
+                      <a:tailEnd type="none" w="med" len="med"/>
+                    </a:lnR>
+                    <a:lnT w="12700" cap="flat" cmpd="sng" algn="ctr">
+                      <a:solidFill>
+                        <a:srgbClr val="000000"/>
+                      </a:solidFill>
+                      <a:prstDash val="solid"/>
+                      <a:round/>
+                      <a:headEnd type="none" w="med" len="med"/>
+                      <a:tailEnd type="none" w="med" len="med"/>
+                    </a:lnT>
+                    <a:lnB w="12700" cap="flat" cmpd="sng" algn="ctr">
+                      <a:solidFill>
+                        <a:srgbClr val="000000"/>
+                      </a:solidFill>
+                      <a:prstDash val="solid"/>
+                      <a:round/>
+                      <a:headEnd type="none" w="med" len="med"/>
+                      <a:tailEnd type="none" w="med" len="med"/>
+                    </a:lnB>
+                    <a:solidFill>
+                      <a:srgbClr val="FFFFFF"/>
+                    </a:solidFill>
+                  </a:tcPr>
+                </a:tc>
+                <a:tc>
+                  <a:txBody>
+                    <a:bodyPr/>
+                    <a:lstStyle/>
+                    <a:p>
+                      <a:pPr marL="0" marR="0">
+                        <a:lnSpc>
+                          <a:spcPct val="115000"/>
+                        </a:lnSpc>
+                        <a:spcAft>
+                          <a:spcPts val="800"/>
+                        </a:spcAft>
+                      </a:pPr>
+                      <a:r>
+                        <a:rPr lang="en-US" sz="2400" kern="100" dirty="0">
+                          <a:solidFill>
+                            <a:srgbClr val="000000"/>
+                          </a:solidFill>
+                          <a:effectLst/>
+                          <a:latin typeface="Aptos" panose="020B0004020202020204" pitchFamily="34" charset="0"/>
+                          <a:ea typeface="Aptos" panose="020B0004020202020204" pitchFamily="34" charset="0"/>
+                          <a:cs typeface="Times New Roman" panose="02020603050405020304" pitchFamily="18" charset="0"/>
+                        </a:rPr>
+                        <a:t>Extensive, given VBA’s long history and wide usage.</a:t>
+                      </a:r>
+                      <a:endParaRPr lang="en-US" sz="2400" kern="100" dirty="0">
+                        <a:effectLst/>
+                        <a:latin typeface="Aptos" panose="020B0004020202020204" pitchFamily="34" charset="0"/>
+                        <a:ea typeface="Aptos" panose="020B0004020202020204" pitchFamily="34" charset="0"/>
+                        <a:cs typeface="Times New Roman" panose="02020603050405020304" pitchFamily="18" charset="0"/>
+                      </a:endParaRPr>
+                    </a:p>
+                  </a:txBody>
+                  <a:tcPr marL="76200" marR="76200" marT="76200" marB="76200" anchor="ctr">
+                    <a:lnL w="12700" cap="flat" cmpd="sng" algn="ctr">
+                      <a:solidFill>
+                        <a:srgbClr val="000000"/>
+                      </a:solidFill>
+                      <a:prstDash val="solid"/>
+                      <a:round/>
+                      <a:headEnd type="none" w="med" len="med"/>
+                      <a:tailEnd type="none" w="med" len="med"/>
+                    </a:lnL>
+                    <a:lnR w="12700" cap="flat" cmpd="sng" algn="ctr">
+                      <a:solidFill>
+                        <a:srgbClr val="000000"/>
+                      </a:solidFill>
+                      <a:prstDash val="solid"/>
+                      <a:round/>
+                      <a:headEnd type="none" w="med" len="med"/>
+                      <a:tailEnd type="none" w="med" len="med"/>
+                    </a:lnR>
+                    <a:lnT w="12700" cap="flat" cmpd="sng" algn="ctr">
+                      <a:solidFill>
+                        <a:srgbClr val="000000"/>
+                      </a:solidFill>
+                      <a:prstDash val="solid"/>
+                      <a:round/>
+                      <a:headEnd type="none" w="med" len="med"/>
+                      <a:tailEnd type="none" w="med" len="med"/>
+                    </a:lnT>
+                    <a:lnB w="12700" cap="flat" cmpd="sng" algn="ctr">
+                      <a:solidFill>
+                        <a:srgbClr val="000000"/>
+                      </a:solidFill>
+                      <a:prstDash val="solid"/>
+                      <a:round/>
+                      <a:headEnd type="none" w="med" len="med"/>
+                      <a:tailEnd type="none" w="med" len="med"/>
+                    </a:lnB>
+                    <a:solidFill>
+                      <a:srgbClr val="FFFFFF"/>
+                    </a:solidFill>
+                  </a:tcPr>
+                </a:tc>
+                <a:extLst>
+                  <a:ext uri="{0D108BD9-81ED-4DB2-BD59-A6C34878D82A}">
+                    <a16:rowId xmlns:a16="http://schemas.microsoft.com/office/drawing/2014/main" val="1797698785"/>
+                  </a:ext>
+                </a:extLst>
+              </a:tr>
+              <a:tr h="0">
+                <a:tc>
+                  <a:txBody>
+                    <a:bodyPr/>
+                    <a:lstStyle/>
+                    <a:p>
+                      <a:pPr marL="0" marR="0">
+                        <a:lnSpc>
+                          <a:spcPct val="115000"/>
+                        </a:lnSpc>
+                        <a:spcAft>
+                          <a:spcPts val="800"/>
+                        </a:spcAft>
+                      </a:pPr>
+                      <a:r>
+                        <a:rPr lang="en-US" sz="2400" b="1" kern="100">
+                          <a:solidFill>
+                            <a:srgbClr val="000000"/>
+                          </a:solidFill>
+                          <a:effectLst/>
+                          <a:latin typeface="Aptos" panose="020B0004020202020204" pitchFamily="34" charset="0"/>
+                          <a:ea typeface="Aptos" panose="020B0004020202020204" pitchFamily="34" charset="0"/>
+                          <a:cs typeface="Times New Roman" panose="02020603050405020304" pitchFamily="18" charset="0"/>
+                        </a:rPr>
+                        <a:t>Automation Capabilities</a:t>
+                      </a:r>
+                      <a:endParaRPr lang="en-US" sz="2400" kern="100">
+                        <a:effectLst/>
+                        <a:latin typeface="Aptos" panose="020B0004020202020204" pitchFamily="34" charset="0"/>
+                        <a:ea typeface="Aptos" panose="020B0004020202020204" pitchFamily="34" charset="0"/>
+                        <a:cs typeface="Times New Roman" panose="02020603050405020304" pitchFamily="18" charset="0"/>
+                      </a:endParaRPr>
+                    </a:p>
+                  </a:txBody>
+                  <a:tcPr marL="76200" marR="76200" marT="76200" marB="76200" anchor="ctr">
+                    <a:lnL w="12700" cap="flat" cmpd="sng" algn="ctr">
+                      <a:solidFill>
+                        <a:srgbClr val="000000"/>
+                      </a:solidFill>
+                      <a:prstDash val="solid"/>
+                      <a:round/>
+                      <a:headEnd type="none" w="med" len="med"/>
+                      <a:tailEnd type="none" w="med" len="med"/>
+                    </a:lnL>
+                    <a:lnR w="12700" cap="flat" cmpd="sng" algn="ctr">
+                      <a:solidFill>
+                        <a:srgbClr val="000000"/>
+                      </a:solidFill>
+                      <a:prstDash val="solid"/>
+                      <a:round/>
+                      <a:headEnd type="none" w="med" len="med"/>
+                      <a:tailEnd type="none" w="med" len="med"/>
+                    </a:lnR>
+                    <a:lnT w="12700" cap="flat" cmpd="sng" algn="ctr">
+                      <a:solidFill>
+                        <a:srgbClr val="000000"/>
+                      </a:solidFill>
+                      <a:prstDash val="solid"/>
+                      <a:round/>
+                      <a:headEnd type="none" w="med" len="med"/>
+                      <a:tailEnd type="none" w="med" len="med"/>
+                    </a:lnT>
+                    <a:lnB w="12700" cap="flat" cmpd="sng" algn="ctr">
+                      <a:solidFill>
+                        <a:srgbClr val="000000"/>
+                      </a:solidFill>
+                      <a:prstDash val="solid"/>
+                      <a:round/>
+                      <a:headEnd type="none" w="med" len="med"/>
+                      <a:tailEnd type="none" w="med" len="med"/>
+                    </a:lnB>
+                    <a:solidFill>
+                      <a:srgbClr val="FFFFFF"/>
+                    </a:solidFill>
+                  </a:tcPr>
+                </a:tc>
+                <a:tc>
+                  <a:txBody>
+                    <a:bodyPr/>
+                    <a:lstStyle/>
+                    <a:p>
+                      <a:pPr marL="0" marR="0">
+                        <a:lnSpc>
+                          <a:spcPct val="115000"/>
+                        </a:lnSpc>
+                        <a:spcAft>
+                          <a:spcPts val="800"/>
+                        </a:spcAft>
+                      </a:pPr>
+                      <a:r>
+                        <a:rPr lang="en-US" sz="2400" kern="100">
+                          <a:solidFill>
+                            <a:srgbClr val="000000"/>
+                          </a:solidFill>
+                          <a:effectLst/>
+                          <a:latin typeface="Aptos" panose="020B0004020202020204" pitchFamily="34" charset="0"/>
+                          <a:ea typeface="Aptos" panose="020B0004020202020204" pitchFamily="34" charset="0"/>
+                          <a:cs typeface="Times New Roman" panose="02020603050405020304" pitchFamily="18" charset="0"/>
+                        </a:rPr>
+                        <a:t>Suited for lightweight to medium complexity automation tasks.</a:t>
+                      </a:r>
+                      <a:endParaRPr lang="en-US" sz="2400" kern="100">
+                        <a:effectLst/>
+                        <a:latin typeface="Aptos" panose="020B0004020202020204" pitchFamily="34" charset="0"/>
+                        <a:ea typeface="Aptos" panose="020B0004020202020204" pitchFamily="34" charset="0"/>
+                        <a:cs typeface="Times New Roman" panose="02020603050405020304" pitchFamily="18" charset="0"/>
+                      </a:endParaRPr>
+                    </a:p>
+                  </a:txBody>
+                  <a:tcPr marL="76200" marR="76200" marT="76200" marB="76200" anchor="ctr">
+                    <a:lnL w="12700" cap="flat" cmpd="sng" algn="ctr">
+                      <a:solidFill>
+                        <a:srgbClr val="000000"/>
+                      </a:solidFill>
+                      <a:prstDash val="solid"/>
+                      <a:round/>
+                      <a:headEnd type="none" w="med" len="med"/>
+                      <a:tailEnd type="none" w="med" len="med"/>
+                    </a:lnL>
+                    <a:lnR w="12700" cap="flat" cmpd="sng" algn="ctr">
+                      <a:solidFill>
+                        <a:srgbClr val="000000"/>
+                      </a:solidFill>
+                      <a:prstDash val="solid"/>
+                      <a:round/>
+                      <a:headEnd type="none" w="med" len="med"/>
+                      <a:tailEnd type="none" w="med" len="med"/>
+                    </a:lnR>
+                    <a:lnT w="12700" cap="flat" cmpd="sng" algn="ctr">
+                      <a:solidFill>
+                        <a:srgbClr val="000000"/>
+                      </a:solidFill>
+                      <a:prstDash val="solid"/>
+                      <a:round/>
+                      <a:headEnd type="none" w="med" len="med"/>
+                      <a:tailEnd type="none" w="med" len="med"/>
+                    </a:lnT>
+                    <a:lnB w="12700" cap="flat" cmpd="sng" algn="ctr">
+                      <a:solidFill>
+                        <a:srgbClr val="000000"/>
+                      </a:solidFill>
+                      <a:prstDash val="solid"/>
+                      <a:round/>
+                      <a:headEnd type="none" w="med" len="med"/>
+                      <a:tailEnd type="none" w="med" len="med"/>
+                    </a:lnB>
+                    <a:solidFill>
+                      <a:srgbClr val="FFFFFF"/>
+                    </a:solidFill>
+                  </a:tcPr>
+                </a:tc>
+                <a:tc>
+                  <a:txBody>
+                    <a:bodyPr/>
+                    <a:lstStyle/>
+                    <a:p>
+                      <a:pPr marL="0" marR="0">
+                        <a:lnSpc>
+                          <a:spcPct val="115000"/>
+                        </a:lnSpc>
+                        <a:spcAft>
+                          <a:spcPts val="800"/>
+                        </a:spcAft>
+                      </a:pPr>
+                      <a:r>
+                        <a:rPr lang="en-US" sz="2400" kern="100" dirty="0">
+                          <a:solidFill>
+                            <a:srgbClr val="000000"/>
+                          </a:solidFill>
+                          <a:effectLst/>
+                          <a:latin typeface="Aptos" panose="020B0004020202020204" pitchFamily="34" charset="0"/>
+                          <a:ea typeface="Aptos" panose="020B0004020202020204" pitchFamily="34" charset="0"/>
+                          <a:cs typeface="Times New Roman" panose="02020603050405020304" pitchFamily="18" charset="0"/>
+                        </a:rPr>
+                        <a:t>Capable of handling complex automation tasks, including interaction with Windows API and other external libraries.</a:t>
+                      </a:r>
+                      <a:endParaRPr lang="en-US" sz="2400" kern="100" dirty="0">
+                        <a:effectLst/>
+                        <a:latin typeface="Aptos" panose="020B0004020202020204" pitchFamily="34" charset="0"/>
+                        <a:ea typeface="Aptos" panose="020B0004020202020204" pitchFamily="34" charset="0"/>
+                        <a:cs typeface="Times New Roman" panose="02020603050405020304" pitchFamily="18" charset="0"/>
+                      </a:endParaRPr>
+                    </a:p>
+                  </a:txBody>
+                  <a:tcPr marL="76200" marR="76200" marT="76200" marB="76200" anchor="ctr">
+                    <a:lnL w="12700" cap="flat" cmpd="sng" algn="ctr">
+                      <a:solidFill>
+                        <a:srgbClr val="000000"/>
+                      </a:solidFill>
+                      <a:prstDash val="solid"/>
+                      <a:round/>
+                      <a:headEnd type="none" w="med" len="med"/>
+                      <a:tailEnd type="none" w="med" len="med"/>
+                    </a:lnL>
+                    <a:lnR w="12700" cap="flat" cmpd="sng" algn="ctr">
+                      <a:solidFill>
+                        <a:srgbClr val="000000"/>
+                      </a:solidFill>
+                      <a:prstDash val="solid"/>
+                      <a:round/>
+                      <a:headEnd type="none" w="med" len="med"/>
+                      <a:tailEnd type="none" w="med" len="med"/>
+                    </a:lnR>
+                    <a:lnT w="12700" cap="flat" cmpd="sng" algn="ctr">
+                      <a:solidFill>
+                        <a:srgbClr val="000000"/>
+                      </a:solidFill>
+                      <a:prstDash val="solid"/>
+                      <a:round/>
+                      <a:headEnd type="none" w="med" len="med"/>
+                      <a:tailEnd type="none" w="med" len="med"/>
+                    </a:lnT>
+                    <a:lnB w="12700" cap="flat" cmpd="sng" algn="ctr">
+                      <a:solidFill>
+                        <a:srgbClr val="000000"/>
+                      </a:solidFill>
+                      <a:prstDash val="solid"/>
+                      <a:round/>
+                      <a:headEnd type="none" w="med" len="med"/>
+                      <a:tailEnd type="none" w="med" len="med"/>
+                    </a:lnB>
+                    <a:solidFill>
+                      <a:srgbClr val="FFFFFF"/>
+                    </a:solidFill>
+                  </a:tcPr>
+                </a:tc>
+                <a:extLst>
+                  <a:ext uri="{0D108BD9-81ED-4DB2-BD59-A6C34878D82A}">
+                    <a16:rowId xmlns:a16="http://schemas.microsoft.com/office/drawing/2014/main" val="2626686088"/>
+                  </a:ext>
+                </a:extLst>
+              </a:tr>
+            </a:tbl>
+          </a:graphicData>
+        </a:graphic>
+      </p:graphicFrame>
+      <p:sp>
+        <p:nvSpPr>
+          <p:cNvPr id="5" name="Rectangle 2">
+            <a:extLst>
+              <a:ext uri="{FF2B5EF4-FFF2-40B4-BE49-F238E27FC236}">
+                <a16:creationId xmlns:a16="http://schemas.microsoft.com/office/drawing/2014/main" id="{1B695C06-4824-F690-357C-DAF91330E7AA}"/>
+              </a:ext>
+            </a:extLst>
+          </p:cNvPr>
+          <p:cNvSpPr>
+            <a:spLocks noChangeArrowheads="1"/>
+          </p:cNvSpPr>
+          <p:nvPr/>
+        </p:nvSpPr>
+        <p:spPr bwMode="auto">
+          <a:xfrm>
+            <a:off x="1143000" y="1649413"/>
+            <a:ext cx="18288000" cy="457200"/>
+          </a:xfrm>
+          <a:prstGeom prst="rect">
+            <a:avLst/>
+          </a:prstGeom>
+          <a:noFill/>
+          <a:ln>
+            <a:noFill/>
+          </a:ln>
+          <a:effectLst/>
+          <a:extLst>
+            <a:ext uri="{909E8E84-426E-40DD-AFC4-6F175D3DCCD1}">
+              <a14:hiddenFill xmlns:a14="http://schemas.microsoft.com/office/drawing/2010/main">
+                <a:solidFill>
+                  <a:schemeClr val="accent1"/>
+                </a:solidFill>
+              </a14:hiddenFill>
+            </a:ext>
+            <a:ext uri="{91240B29-F687-4F45-9708-019B960494DF}">
+              <a14:hiddenLine xmlns:a14="http://schemas.microsoft.com/office/drawing/2010/main" w="9525">
+                <a:solidFill>
+                  <a:schemeClr val="tx1"/>
+                </a:solidFill>
+                <a:miter lim="800000"/>
+                <a:headEnd/>
+                <a:tailEnd/>
+              </a14:hiddenLine>
+            </a:ext>
+            <a:ext uri="{AF507438-7753-43E0-B8FC-AC1667EBCBE1}">
+              <a14:hiddenEffects xmlns:a14="http://schemas.microsoft.com/office/drawing/2010/main">
+                <a:effectLst>
+                  <a:outerShdw dist="35921" dir="2700000" algn="ctr" rotWithShape="0">
+                    <a:schemeClr val="bg2"/>
+                  </a:outerShdw>
+                </a:effectLst>
+              </a14:hiddenEffects>
+            </a:ext>
+          </a:extLst>
+        </p:spPr>
+        <p:txBody>
+          <a:bodyPr vert="horz" wrap="none" lIns="91440" tIns="45720" rIns="91440" bIns="45720" numCol="1" anchor="ctr" anchorCtr="0" compatLnSpc="1">
+            <a:prstTxWarp prst="textNoShape">
+              <a:avLst/>
+            </a:prstTxWarp>
+            <a:spAutoFit/>
+          </a:bodyPr>
+          <a:lstStyle/>
+          <a:p>
+            <a:endParaRPr lang="en-US"/>
+          </a:p>
+        </p:txBody>
+      </p:sp>
+      <p:sp>
+        <p:nvSpPr>
+          <p:cNvPr id="7" name="TextBox 6">
+            <a:extLst>
+              <a:ext uri="{FF2B5EF4-FFF2-40B4-BE49-F238E27FC236}">
+                <a16:creationId xmlns:a16="http://schemas.microsoft.com/office/drawing/2014/main" id="{6D58D13B-F472-AB3A-5F74-9D2C36EB7BD4}"/>
+              </a:ext>
+            </a:extLst>
+          </p:cNvPr>
+          <p:cNvSpPr txBox="1"/>
+          <p:nvPr/>
+        </p:nvSpPr>
+        <p:spPr>
+          <a:xfrm>
+            <a:off x="1143000" y="9389917"/>
+            <a:ext cx="13182600" cy="523220"/>
+          </a:xfrm>
+          <a:prstGeom prst="rect">
+            <a:avLst/>
+          </a:prstGeom>
+          <a:noFill/>
+        </p:spPr>
+        <p:txBody>
+          <a:bodyPr wrap="square">
+            <a:spAutoFit/>
+          </a:bodyPr>
+          <a:lstStyle/>
+          <a:p>
+            <a:r>
+              <a:rPr lang="en-US" sz="2800" b="1" dirty="0">
+                <a:solidFill>
+                  <a:srgbClr val="CF3338"/>
+                </a:solidFill>
+                <a:hlinkClick r:id="rId3">
+                  <a:extLst>
+                    <a:ext uri="{A12FA001-AC4F-418D-AE19-62706E023703}">
+                      <ahyp:hlinkClr xmlns:ahyp="http://schemas.microsoft.com/office/drawing/2018/hyperlinkcolor" val="tx"/>
+                    </a:ext>
+                  </a:extLst>
+                </a:hlinkClick>
+              </a:rPr>
+              <a:t>https://stringfestanalytics.com/how-to-compare-office-scripts-and-vba-for-excel/</a:t>
+            </a:r>
+            <a:r>
+              <a:rPr lang="en-US" sz="2800" b="1" dirty="0">
+                <a:solidFill>
+                  <a:srgbClr val="CF3338"/>
+                </a:solidFill>
+              </a:rPr>
+              <a:t> </a:t>
+            </a:r>
+          </a:p>
+        </p:txBody>
+      </p:sp>
+    </p:spTree>
+    <p:extLst>
+      <p:ext uri="{BB962C8B-B14F-4D97-AF65-F5344CB8AC3E}">
+        <p14:creationId xmlns:p14="http://schemas.microsoft.com/office/powerpoint/2010/main" val="1574547759"/>
+      </p:ext>
+    </p:extLst>
+  </p:cSld>
+  <p:clrMapOvr>
+    <a:masterClrMapping/>
+  </p:clrMapOvr>
+</p:sld>
+</file>
+
+<file path=ppt/slides/slide8.xml><?xml version="1.0" encoding="utf-8"?>
 <p:sld xmlns:a="http://schemas.openxmlformats.org/drawingml/2006/main" xmlns:r="http://schemas.openxmlformats.org/officeDocument/2006/relationships" xmlns:p="http://schemas.openxmlformats.org/presentationml/2006/main">
   <p:cSld>
     <p:spTree>
@@ -8048,7 +10841,7 @@
 </p:sld>
 </file>
 
-<file path=ppt/slides/slide8.xml><?xml version="1.0" encoding="utf-8"?>
+<file path=ppt/slides/slide9.xml><?xml version="1.0" encoding="utf-8"?>
 <p:sld xmlns:a="http://schemas.openxmlformats.org/drawingml/2006/main" xmlns:r="http://schemas.openxmlformats.org/officeDocument/2006/relationships" xmlns:p="http://schemas.openxmlformats.org/presentationml/2006/main">
   <p:cSld>
     <p:spTree>
@@ -8140,7 +10933,7 @@
                 </a:solidFill>
                 <a:latin typeface="Normafixed Tryout" panose="00000409000000000000" pitchFamily="49" charset="0"/>
               </a:rPr>
-              <a:t>2. Monte Carlo simulation with Python in Excel</a:t>
+              <a:t>Record Actions in Office Scripts</a:t>
             </a:r>
           </a:p>
         </p:txBody>
@@ -8149,279 +10942,6 @@
     <p:extLst>
       <p:ext uri="{BB962C8B-B14F-4D97-AF65-F5344CB8AC3E}">
         <p14:creationId xmlns:p14="http://schemas.microsoft.com/office/powerpoint/2010/main" val="2491588467"/>
-      </p:ext>
-    </p:extLst>
-  </p:cSld>
-  <p:clrMapOvr>
-    <a:masterClrMapping/>
-  </p:clrMapOvr>
-</p:sld>
-</file>
-
-<file path=ppt/slides/slide9.xml><?xml version="1.0" encoding="utf-8"?>
-<p:sld xmlns:a="http://schemas.openxmlformats.org/drawingml/2006/main" xmlns:r="http://schemas.openxmlformats.org/officeDocument/2006/relationships" xmlns:p="http://schemas.openxmlformats.org/presentationml/2006/main">
-  <p:cSld>
-    <p:spTree>
-      <p:nvGrpSpPr>
-        <p:cNvPr id="1" name=""/>
-        <p:cNvGrpSpPr/>
-        <p:nvPr/>
-      </p:nvGrpSpPr>
-      <p:grpSpPr>
-        <a:xfrm>
-          <a:off x="0" y="0"/>
-          <a:ext cx="0" cy="0"/>
-          <a:chOff x="0" y="0"/>
-          <a:chExt cx="0" cy="0"/>
-        </a:xfrm>
-      </p:grpSpPr>
-      <p:sp>
-        <p:nvSpPr>
-          <p:cNvPr id="4" name="Rectangle 3"/>
-          <p:cNvSpPr/>
-          <p:nvPr/>
-        </p:nvSpPr>
-        <p:spPr>
-          <a:xfrm>
-            <a:off x="9861630" y="0"/>
-            <a:ext cx="8426370" cy="10287000"/>
-          </a:xfrm>
-          <a:prstGeom prst="rect">
-            <a:avLst/>
-          </a:prstGeom>
-          <a:solidFill>
-            <a:srgbClr val="CF3338"/>
-          </a:solidFill>
-          <a:ln>
-            <a:noFill/>
-          </a:ln>
-        </p:spPr>
-        <p:style>
-          <a:lnRef idx="2">
-            <a:schemeClr val="accent1">
-              <a:shade val="50000"/>
-            </a:schemeClr>
-          </a:lnRef>
-          <a:fillRef idx="1">
-            <a:schemeClr val="accent1"/>
-          </a:fillRef>
-          <a:effectRef idx="0">
-            <a:schemeClr val="accent1"/>
-          </a:effectRef>
-          <a:fontRef idx="minor">
-            <a:schemeClr val="lt1"/>
-          </a:fontRef>
-        </p:style>
-        <p:txBody>
-          <a:bodyPr rtlCol="0" anchor="ctr"/>
-          <a:lstStyle/>
-          <a:p>
-            <a:pPr algn="ctr"/>
-            <a:endParaRPr lang="en-US" sz="2700"/>
-          </a:p>
-        </p:txBody>
-      </p:sp>
-      <p:pic>
-        <p:nvPicPr>
-          <p:cNvPr id="2" name="Picture 1"/>
-          <p:cNvPicPr>
-            <a:picLocks noChangeAspect="1"/>
-          </p:cNvPicPr>
-          <p:nvPr/>
-        </p:nvPicPr>
-        <p:blipFill rotWithShape="1">
-          <a:blip r:embed="rId3">
-            <a:extLst>
-              <a:ext uri="{28A0092B-C50C-407E-A947-70E740481C1C}">
-                <a14:useLocalDpi xmlns:a14="http://schemas.microsoft.com/office/drawing/2010/main" val="0"/>
-              </a:ext>
-            </a:extLst>
-          </a:blip>
-          <a:srcRect l="69227" t="33418" r="20112" b="50548"/>
-          <a:stretch/>
-        </p:blipFill>
-        <p:spPr>
-          <a:xfrm>
-            <a:off x="15579524" y="7544693"/>
-            <a:ext cx="2708477" cy="2987579"/>
-          </a:xfrm>
-          <a:prstGeom prst="rect">
-            <a:avLst/>
-          </a:prstGeom>
-        </p:spPr>
-      </p:pic>
-      <p:sp>
-        <p:nvSpPr>
-          <p:cNvPr id="3" name="TextBox 2"/>
-          <p:cNvSpPr txBox="1"/>
-          <p:nvPr/>
-        </p:nvSpPr>
-        <p:spPr>
-          <a:xfrm>
-            <a:off x="260431" y="329879"/>
-            <a:ext cx="8906720" cy="6621300"/>
-          </a:xfrm>
-          <a:prstGeom prst="rect">
-            <a:avLst/>
-          </a:prstGeom>
-          <a:noFill/>
-        </p:spPr>
-        <p:txBody>
-          <a:bodyPr wrap="square" rtlCol="0">
-            <a:spAutoFit/>
-          </a:bodyPr>
-          <a:lstStyle/>
-          <a:p>
-            <a:r>
-              <a:rPr lang="en-US" sz="6000" b="1" dirty="0">
-                <a:solidFill>
-                  <a:srgbClr val="CF3338"/>
-                </a:solidFill>
-                <a:latin typeface="Pragmatica" panose="020B0403040502020204" pitchFamily="34" charset="0"/>
-              </a:rPr>
-              <a:t>Monte Carlo simulation with Python in Excel</a:t>
-            </a:r>
-          </a:p>
-          <a:p>
-            <a:endParaRPr lang="en-US" sz="4200" dirty="0">
-              <a:solidFill>
-                <a:srgbClr val="CF3338"/>
-              </a:solidFill>
-              <a:latin typeface="Pragmatica" panose="020B0403040502020204" pitchFamily="34" charset="0"/>
-            </a:endParaRPr>
-          </a:p>
-          <a:p>
-            <a:pPr marL="685800" indent="-542925">
-              <a:lnSpc>
-                <a:spcPct val="115000"/>
-              </a:lnSpc>
-              <a:spcBef>
-                <a:spcPts val="1125"/>
-              </a:spcBef>
-              <a:buClr>
-                <a:srgbClr val="C00000"/>
-              </a:buClr>
-              <a:buSzPts val="2100"/>
-              <a:buFont typeface="Arial"/>
-              <a:buAutoNum type="arabicPeriod"/>
-            </a:pPr>
-            <a:r>
-              <a:rPr lang="en-US" sz="3600" dirty="0">
-                <a:solidFill>
-                  <a:srgbClr val="C00000"/>
-                </a:solidFill>
-                <a:latin typeface="Pragmatica" panose="020B0403040502020204"/>
-                <a:sym typeface="Consolas"/>
-              </a:rPr>
-              <a:t>Driving Python outputs with Python inputs</a:t>
-            </a:r>
-          </a:p>
-          <a:p>
-            <a:pPr marL="685800" indent="-542925">
-              <a:lnSpc>
-                <a:spcPct val="115000"/>
-              </a:lnSpc>
-              <a:spcBef>
-                <a:spcPts val="1125"/>
-              </a:spcBef>
-              <a:buClr>
-                <a:srgbClr val="C00000"/>
-              </a:buClr>
-              <a:buSzPts val="2100"/>
-              <a:buFont typeface="Arial"/>
-              <a:buAutoNum type="arabicPeriod"/>
-            </a:pPr>
-            <a:r>
-              <a:rPr lang="en-US" sz="3600" dirty="0">
-                <a:solidFill>
-                  <a:srgbClr val="C00000"/>
-                </a:solidFill>
-                <a:latin typeface="Pragmatica" panose="020B0403040502020204"/>
-                <a:sym typeface="Consolas"/>
-              </a:rPr>
-              <a:t>Creating simulations in Python</a:t>
-            </a:r>
-          </a:p>
-          <a:p>
-            <a:pPr marL="685800" indent="-542925">
-              <a:lnSpc>
-                <a:spcPct val="115000"/>
-              </a:lnSpc>
-              <a:spcBef>
-                <a:spcPts val="1125"/>
-              </a:spcBef>
-              <a:buClr>
-                <a:srgbClr val="C00000"/>
-              </a:buClr>
-              <a:buSzPts val="2100"/>
-              <a:buFont typeface="Arial"/>
-              <a:buAutoNum type="arabicPeriod"/>
-            </a:pPr>
-            <a:r>
-              <a:rPr lang="en-US" sz="3600" dirty="0">
-                <a:solidFill>
-                  <a:srgbClr val="C00000"/>
-                </a:solidFill>
-                <a:latin typeface="Pragmatica" panose="020B0403040502020204"/>
-                <a:sym typeface="Consolas"/>
-              </a:rPr>
-              <a:t>Visualizing the results</a:t>
-            </a:r>
-          </a:p>
-          <a:p>
-            <a:pPr marL="142875">
-              <a:lnSpc>
-                <a:spcPct val="115000"/>
-              </a:lnSpc>
-              <a:spcBef>
-                <a:spcPts val="1125"/>
-              </a:spcBef>
-              <a:buClr>
-                <a:srgbClr val="C00000"/>
-              </a:buClr>
-              <a:buSzPts val="2100"/>
-            </a:pPr>
-            <a:r>
-              <a:rPr lang="en-US" sz="3600" dirty="0">
-                <a:solidFill>
-                  <a:srgbClr val="C00000"/>
-                </a:solidFill>
-                <a:latin typeface="Pragmatica" panose="020B0403040502020204"/>
-                <a:sym typeface="Consolas"/>
-              </a:rPr>
-              <a:t>File: </a:t>
-            </a:r>
-            <a:r>
-              <a:rPr lang="en-US" sz="3600" dirty="0">
-                <a:solidFill>
-                  <a:srgbClr val="C00000"/>
-                </a:solidFill>
-                <a:latin typeface="Consolas" panose="020B0609020204030204" pitchFamily="49" charset="0"/>
-                <a:sym typeface="Consolas"/>
-              </a:rPr>
-              <a:t>monte-carlo-demos.xlsx</a:t>
-            </a:r>
-            <a:endParaRPr lang="en-US" sz="6000" dirty="0">
-              <a:solidFill>
-                <a:srgbClr val="CF3338"/>
-              </a:solidFill>
-              <a:latin typeface="Consolas" panose="020B0609020204030204" pitchFamily="49" charset="0"/>
-            </a:endParaRPr>
-          </a:p>
-          <a:p>
-            <a:endParaRPr lang="en-US" sz="6000" dirty="0">
-              <a:solidFill>
-                <a:srgbClr val="CF3338"/>
-              </a:solidFill>
-              <a:latin typeface="Pragmatica" panose="020B0403040502020204" pitchFamily="34" charset="0"/>
-            </a:endParaRPr>
-          </a:p>
-        </p:txBody>
-      </p:sp>
-    </p:spTree>
-    <p:extLst>
-      <p:ext uri="{BB962C8B-B14F-4D97-AF65-F5344CB8AC3E}">
-        <p14:creationId xmlns:p14="http://schemas.microsoft.com/office/powerpoint/2010/main" val="3590649370"/>
       </p:ext>
     </p:extLst>
   </p:cSld>
